--- a/diagrams/Models.pptx
+++ b/diagrams/Models.pptx
@@ -243,7 +243,7 @@
           <a:p>
             <a:fld id="{5AE3C48D-1432-4F0E-86C4-A8800CCDB188}" type="datetimeFigureOut">
               <a:rPr lang="en-US" smtClean="0"/>
-              <a:t>7/26/2018</a:t>
+              <a:t>9/5/2018</a:t>
             </a:fld>
             <a:endParaRPr lang="en-US"/>
           </a:p>
@@ -413,7 +413,7 @@
           <a:p>
             <a:fld id="{5AE3C48D-1432-4F0E-86C4-A8800CCDB188}" type="datetimeFigureOut">
               <a:rPr lang="en-US" smtClean="0"/>
-              <a:t>7/26/2018</a:t>
+              <a:t>9/5/2018</a:t>
             </a:fld>
             <a:endParaRPr lang="en-US"/>
           </a:p>
@@ -593,7 +593,7 @@
           <a:p>
             <a:fld id="{5AE3C48D-1432-4F0E-86C4-A8800CCDB188}" type="datetimeFigureOut">
               <a:rPr lang="en-US" smtClean="0"/>
-              <a:t>7/26/2018</a:t>
+              <a:t>9/5/2018</a:t>
             </a:fld>
             <a:endParaRPr lang="en-US"/>
           </a:p>
@@ -763,7 +763,7 @@
           <a:p>
             <a:fld id="{5AE3C48D-1432-4F0E-86C4-A8800CCDB188}" type="datetimeFigureOut">
               <a:rPr lang="en-US" smtClean="0"/>
-              <a:t>7/26/2018</a:t>
+              <a:t>9/5/2018</a:t>
             </a:fld>
             <a:endParaRPr lang="en-US"/>
           </a:p>
@@ -1009,7 +1009,7 @@
           <a:p>
             <a:fld id="{5AE3C48D-1432-4F0E-86C4-A8800CCDB188}" type="datetimeFigureOut">
               <a:rPr lang="en-US" smtClean="0"/>
-              <a:t>7/26/2018</a:t>
+              <a:t>9/5/2018</a:t>
             </a:fld>
             <a:endParaRPr lang="en-US"/>
           </a:p>
@@ -1241,7 +1241,7 @@
           <a:p>
             <a:fld id="{5AE3C48D-1432-4F0E-86C4-A8800CCDB188}" type="datetimeFigureOut">
               <a:rPr lang="en-US" smtClean="0"/>
-              <a:t>7/26/2018</a:t>
+              <a:t>9/5/2018</a:t>
             </a:fld>
             <a:endParaRPr lang="en-US"/>
           </a:p>
@@ -1608,7 +1608,7 @@
           <a:p>
             <a:fld id="{5AE3C48D-1432-4F0E-86C4-A8800CCDB188}" type="datetimeFigureOut">
               <a:rPr lang="en-US" smtClean="0"/>
-              <a:t>7/26/2018</a:t>
+              <a:t>9/5/2018</a:t>
             </a:fld>
             <a:endParaRPr lang="en-US"/>
           </a:p>
@@ -1726,7 +1726,7 @@
           <a:p>
             <a:fld id="{5AE3C48D-1432-4F0E-86C4-A8800CCDB188}" type="datetimeFigureOut">
               <a:rPr lang="en-US" smtClean="0"/>
-              <a:t>7/26/2018</a:t>
+              <a:t>9/5/2018</a:t>
             </a:fld>
             <a:endParaRPr lang="en-US"/>
           </a:p>
@@ -1821,7 +1821,7 @@
           <a:p>
             <a:fld id="{5AE3C48D-1432-4F0E-86C4-A8800CCDB188}" type="datetimeFigureOut">
               <a:rPr lang="en-US" smtClean="0"/>
-              <a:t>7/26/2018</a:t>
+              <a:t>9/5/2018</a:t>
             </a:fld>
             <a:endParaRPr lang="en-US"/>
           </a:p>
@@ -2098,7 +2098,7 @@
           <a:p>
             <a:fld id="{5AE3C48D-1432-4F0E-86C4-A8800CCDB188}" type="datetimeFigureOut">
               <a:rPr lang="en-US" smtClean="0"/>
-              <a:t>7/26/2018</a:t>
+              <a:t>9/5/2018</a:t>
             </a:fld>
             <a:endParaRPr lang="en-US"/>
           </a:p>
@@ -2351,7 +2351,7 @@
           <a:p>
             <a:fld id="{5AE3C48D-1432-4F0E-86C4-A8800CCDB188}" type="datetimeFigureOut">
               <a:rPr lang="en-US" smtClean="0"/>
-              <a:t>7/26/2018</a:t>
+              <a:t>9/5/2018</a:t>
             </a:fld>
             <a:endParaRPr lang="en-US"/>
           </a:p>
@@ -2564,7 +2564,7 @@
           <a:p>
             <a:fld id="{5AE3C48D-1432-4F0E-86C4-A8800CCDB188}" type="datetimeFigureOut">
               <a:rPr lang="en-US" smtClean="0"/>
-              <a:t>7/26/2018</a:t>
+              <a:t>9/5/2018</a:t>
             </a:fld>
             <a:endParaRPr lang="en-US"/>
           </a:p>
@@ -2969,1084 +2969,6 @@
           <a:chExt cx="0" cy="0"/>
         </a:xfrm>
       </p:grpSpPr>
-      <p:grpSp>
-        <p:nvGrpSpPr>
-          <p:cNvPr id="4" name="Gruppieren 3"/>
-          <p:cNvGrpSpPr/>
-          <p:nvPr/>
-        </p:nvGrpSpPr>
-        <p:grpSpPr>
-          <a:xfrm>
-            <a:off x="2392929" y="1384910"/>
-            <a:ext cx="1562617" cy="552658"/>
-            <a:chOff x="3948358" y="2084199"/>
-            <a:chExt cx="1512168" cy="552658"/>
-          </a:xfrm>
-          <a:solidFill>
-            <a:schemeClr val="bg1"/>
-          </a:solidFill>
-        </p:grpSpPr>
-        <p:sp>
-          <p:nvSpPr>
-            <p:cNvPr id="5" name="Textfeld 4"/>
-            <p:cNvSpPr txBox="1"/>
-            <p:nvPr/>
-          </p:nvSpPr>
-          <p:spPr>
-            <a:xfrm>
-              <a:off x="3948358" y="2084199"/>
-              <a:ext cx="1512168" cy="276999"/>
-            </a:xfrm>
-            <a:prstGeom prst="rect">
-              <a:avLst/>
-            </a:prstGeom>
-            <a:grpFill/>
-            <a:ln w="12700">
-              <a:solidFill>
-                <a:schemeClr val="tx1"/>
-              </a:solidFill>
-            </a:ln>
-          </p:spPr>
-          <p:txBody>
-            <a:bodyPr wrap="square" rtlCol="0" anchor="ctr">
-              <a:spAutoFit/>
-            </a:bodyPr>
-            <a:lstStyle/>
-            <a:p>
-              <a:pPr algn="ctr"/>
-              <a:r>
-                <a:rPr lang="de-DE" sz="1200" u="sng" smtClean="0">
-                  <a:latin typeface="Consolas" panose="020B0609020204030204" pitchFamily="49" charset="0"/>
-                  <a:cs typeface="Consolas" panose="020B0609020204030204" pitchFamily="49" charset="0"/>
-                </a:rPr>
-                <a:t>f1 : Family</a:t>
-              </a:r>
-            </a:p>
-          </p:txBody>
-        </p:sp>
-        <p:sp>
-          <p:nvSpPr>
-            <p:cNvPr id="6" name="Textfeld 5"/>
-            <p:cNvSpPr txBox="1"/>
-            <p:nvPr/>
-          </p:nvSpPr>
-          <p:spPr>
-            <a:xfrm>
-              <a:off x="3948358" y="2359858"/>
-              <a:ext cx="1512168" cy="276999"/>
-            </a:xfrm>
-            <a:prstGeom prst="rect">
-              <a:avLst/>
-            </a:prstGeom>
-            <a:grpFill/>
-            <a:ln w="12700">
-              <a:solidFill>
-                <a:schemeClr val="tx1"/>
-              </a:solidFill>
-            </a:ln>
-          </p:spPr>
-          <p:txBody>
-            <a:bodyPr wrap="square" rtlCol="0" anchor="ctr">
-              <a:spAutoFit/>
-            </a:bodyPr>
-            <a:lstStyle/>
-            <a:p>
-              <a:r>
-                <a:rPr lang="de-DE" sz="1200" err="1" smtClean="0">
-                  <a:latin typeface="Consolas" panose="020B0609020204030204" pitchFamily="49" charset="0"/>
-                  <a:cs typeface="Consolas" panose="020B0609020204030204" pitchFamily="49" charset="0"/>
-                </a:rPr>
-                <a:t>name</a:t>
-              </a:r>
-              <a:r>
-                <a:rPr lang="de-DE" sz="1200" smtClean="0">
-                  <a:latin typeface="Consolas" panose="020B0609020204030204" pitchFamily="49" charset="0"/>
-                  <a:cs typeface="Consolas" panose="020B0609020204030204" pitchFamily="49" charset="0"/>
-                </a:rPr>
-                <a:t> </a:t>
-              </a:r>
-              <a:r>
-                <a:rPr lang="de-DE" sz="1200">
-                  <a:latin typeface="Consolas" panose="020B0609020204030204" pitchFamily="49" charset="0"/>
-                  <a:cs typeface="Consolas" panose="020B0609020204030204" pitchFamily="49" charset="0"/>
-                </a:rPr>
-                <a:t>=</a:t>
-              </a:r>
-              <a:r>
-                <a:rPr lang="de-DE" sz="1200" smtClean="0">
-                  <a:latin typeface="Consolas" panose="020B0609020204030204" pitchFamily="49" charset="0"/>
-                  <a:cs typeface="Consolas" panose="020B0609020204030204" pitchFamily="49" charset="0"/>
-                </a:rPr>
-                <a:t> "Smith"</a:t>
-              </a:r>
-            </a:p>
-          </p:txBody>
-        </p:sp>
-      </p:grpSp>
-      <p:sp>
-        <p:nvSpPr>
-          <p:cNvPr id="7" name="Textfeld 6"/>
-          <p:cNvSpPr txBox="1"/>
-          <p:nvPr/>
-        </p:nvSpPr>
-        <p:spPr>
-          <a:xfrm>
-            <a:off x="2392929" y="4166777"/>
-            <a:ext cx="1562617" cy="276999"/>
-          </a:xfrm>
-          <a:prstGeom prst="rect">
-            <a:avLst/>
-          </a:prstGeom>
-          <a:solidFill>
-            <a:schemeClr val="bg1"/>
-          </a:solidFill>
-          <a:ln w="12700">
-            <a:solidFill>
-              <a:schemeClr val="tx1"/>
-            </a:solidFill>
-          </a:ln>
-        </p:spPr>
-        <p:txBody>
-          <a:bodyPr wrap="square" rtlCol="0" anchor="ctr">
-            <a:spAutoFit/>
-          </a:bodyPr>
-          <a:lstStyle/>
-          <a:p>
-            <a:pPr algn="ctr"/>
-            <a:r>
-              <a:rPr lang="de-DE" sz="1200" u="sng" smtClean="0">
-                <a:latin typeface="Consolas" panose="020B0609020204030204" pitchFamily="49" charset="0"/>
-                <a:cs typeface="Consolas" panose="020B0609020204030204" pitchFamily="49" charset="0"/>
-              </a:rPr>
-              <a:t>f2 : Family</a:t>
-            </a:r>
-          </a:p>
-        </p:txBody>
-      </p:sp>
-      <p:sp>
-        <p:nvSpPr>
-          <p:cNvPr id="8" name="Textfeld 7"/>
-          <p:cNvSpPr txBox="1"/>
-          <p:nvPr/>
-        </p:nvSpPr>
-        <p:spPr>
-          <a:xfrm>
-            <a:off x="2392929" y="4442436"/>
-            <a:ext cx="1562617" cy="276999"/>
-          </a:xfrm>
-          <a:prstGeom prst="rect">
-            <a:avLst/>
-          </a:prstGeom>
-          <a:solidFill>
-            <a:schemeClr val="bg1"/>
-          </a:solidFill>
-          <a:ln w="12700">
-            <a:solidFill>
-              <a:schemeClr val="tx1"/>
-            </a:solidFill>
-          </a:ln>
-        </p:spPr>
-        <p:txBody>
-          <a:bodyPr wrap="square" rtlCol="0" anchor="ctr">
-            <a:spAutoFit/>
-          </a:bodyPr>
-          <a:lstStyle/>
-          <a:p>
-            <a:r>
-              <a:rPr lang="de-DE" sz="1200" err="1" smtClean="0">
-                <a:latin typeface="Consolas" panose="020B0609020204030204" pitchFamily="49" charset="0"/>
-                <a:cs typeface="Consolas" panose="020B0609020204030204" pitchFamily="49" charset="0"/>
-              </a:rPr>
-              <a:t>name</a:t>
-            </a:r>
-            <a:r>
-              <a:rPr lang="de-DE" sz="1200" smtClean="0">
-                <a:latin typeface="Consolas" panose="020B0609020204030204" pitchFamily="49" charset="0"/>
-                <a:cs typeface="Consolas" panose="020B0609020204030204" pitchFamily="49" charset="0"/>
-              </a:rPr>
-              <a:t> </a:t>
-            </a:r>
-            <a:r>
-              <a:rPr lang="de-DE" sz="1200">
-                <a:latin typeface="Consolas" panose="020B0609020204030204" pitchFamily="49" charset="0"/>
-                <a:cs typeface="Consolas" panose="020B0609020204030204" pitchFamily="49" charset="0"/>
-              </a:rPr>
-              <a:t>=</a:t>
-            </a:r>
-            <a:r>
-              <a:rPr lang="de-DE" sz="1200" smtClean="0">
-                <a:latin typeface="Consolas" panose="020B0609020204030204" pitchFamily="49" charset="0"/>
-                <a:cs typeface="Consolas" panose="020B0609020204030204" pitchFamily="49" charset="0"/>
-              </a:rPr>
-              <a:t> "Smith"</a:t>
-            </a:r>
-          </a:p>
-        </p:txBody>
-      </p:sp>
-      <p:grpSp>
-        <p:nvGrpSpPr>
-          <p:cNvPr id="9" name="Gruppieren 8"/>
-          <p:cNvGrpSpPr/>
-          <p:nvPr/>
-        </p:nvGrpSpPr>
-        <p:grpSpPr>
-          <a:xfrm>
-            <a:off x="2392929" y="4865297"/>
-            <a:ext cx="1562617" cy="552658"/>
-            <a:chOff x="3948358" y="2084199"/>
-            <a:chExt cx="1512168" cy="552658"/>
-          </a:xfrm>
-          <a:solidFill>
-            <a:schemeClr val="bg1"/>
-          </a:solidFill>
-        </p:grpSpPr>
-        <p:sp>
-          <p:nvSpPr>
-            <p:cNvPr id="10" name="Textfeld 9"/>
-            <p:cNvSpPr txBox="1"/>
-            <p:nvPr/>
-          </p:nvSpPr>
-          <p:spPr>
-            <a:xfrm>
-              <a:off x="3948358" y="2084199"/>
-              <a:ext cx="1512168" cy="276999"/>
-            </a:xfrm>
-            <a:prstGeom prst="rect">
-              <a:avLst/>
-            </a:prstGeom>
-            <a:grpFill/>
-            <a:ln w="12700">
-              <a:solidFill>
-                <a:schemeClr val="tx1"/>
-              </a:solidFill>
-            </a:ln>
-          </p:spPr>
-          <p:txBody>
-            <a:bodyPr wrap="square" rtlCol="0" anchor="ctr">
-              <a:spAutoFit/>
-            </a:bodyPr>
-            <a:lstStyle/>
-            <a:p>
-              <a:pPr algn="ctr"/>
-              <a:r>
-                <a:rPr lang="de-DE" sz="1200" u="sng" smtClean="0">
-                  <a:latin typeface="Consolas" panose="020B0609020204030204" pitchFamily="49" charset="0"/>
-                  <a:cs typeface="Consolas" panose="020B0609020204030204" pitchFamily="49" charset="0"/>
-                </a:rPr>
-                <a:t>f3 : Family</a:t>
-              </a:r>
-            </a:p>
-          </p:txBody>
-        </p:sp>
-        <p:sp>
-          <p:nvSpPr>
-            <p:cNvPr id="11" name="Textfeld 10"/>
-            <p:cNvSpPr txBox="1"/>
-            <p:nvPr/>
-          </p:nvSpPr>
-          <p:spPr>
-            <a:xfrm>
-              <a:off x="3948358" y="2359858"/>
-              <a:ext cx="1512168" cy="276999"/>
-            </a:xfrm>
-            <a:prstGeom prst="rect">
-              <a:avLst/>
-            </a:prstGeom>
-            <a:grpFill/>
-            <a:ln w="12700">
-              <a:solidFill>
-                <a:schemeClr val="tx1"/>
-              </a:solidFill>
-            </a:ln>
-          </p:spPr>
-          <p:txBody>
-            <a:bodyPr wrap="square" rtlCol="0" anchor="ctr">
-              <a:spAutoFit/>
-            </a:bodyPr>
-            <a:lstStyle/>
-            <a:p>
-              <a:r>
-                <a:rPr lang="de-DE" sz="1200" err="1" smtClean="0">
-                  <a:latin typeface="Consolas" panose="020B0609020204030204" pitchFamily="49" charset="0"/>
-                  <a:cs typeface="Consolas" panose="020B0609020204030204" pitchFamily="49" charset="0"/>
-                </a:rPr>
-                <a:t>name</a:t>
-              </a:r>
-              <a:r>
-                <a:rPr lang="de-DE" sz="1200" smtClean="0">
-                  <a:latin typeface="Consolas" panose="020B0609020204030204" pitchFamily="49" charset="0"/>
-                  <a:cs typeface="Consolas" panose="020B0609020204030204" pitchFamily="49" charset="0"/>
-                </a:rPr>
-                <a:t> </a:t>
-              </a:r>
-              <a:r>
-                <a:rPr lang="de-DE" sz="1200">
-                  <a:latin typeface="Consolas" panose="020B0609020204030204" pitchFamily="49" charset="0"/>
-                  <a:cs typeface="Consolas" panose="020B0609020204030204" pitchFamily="49" charset="0"/>
-                </a:rPr>
-                <a:t>=</a:t>
-              </a:r>
-              <a:r>
-                <a:rPr lang="de-DE" sz="1200" smtClean="0">
-                  <a:latin typeface="Consolas" panose="020B0609020204030204" pitchFamily="49" charset="0"/>
-                  <a:cs typeface="Consolas" panose="020B0609020204030204" pitchFamily="49" charset="0"/>
-                </a:rPr>
-                <a:t> "Miller"</a:t>
-              </a:r>
-            </a:p>
-          </p:txBody>
-        </p:sp>
-      </p:grpSp>
-      <p:grpSp>
-        <p:nvGrpSpPr>
-          <p:cNvPr id="12" name="Gruppieren 11"/>
-          <p:cNvGrpSpPr/>
-          <p:nvPr/>
-        </p:nvGrpSpPr>
-        <p:grpSpPr>
-          <a:xfrm>
-            <a:off x="4985217" y="3473141"/>
-            <a:ext cx="1800200" cy="552658"/>
-            <a:chOff x="3948358" y="2084199"/>
-            <a:chExt cx="1512168" cy="552658"/>
-          </a:xfrm>
-          <a:solidFill>
-            <a:schemeClr val="bg1"/>
-          </a:solidFill>
-        </p:grpSpPr>
-        <p:sp>
-          <p:nvSpPr>
-            <p:cNvPr id="13" name="Textfeld 12"/>
-            <p:cNvSpPr txBox="1"/>
-            <p:nvPr/>
-          </p:nvSpPr>
-          <p:spPr>
-            <a:xfrm>
-              <a:off x="3948358" y="2084199"/>
-              <a:ext cx="1512168" cy="276999"/>
-            </a:xfrm>
-            <a:prstGeom prst="rect">
-              <a:avLst/>
-            </a:prstGeom>
-            <a:grpFill/>
-            <a:ln w="12700">
-              <a:solidFill>
-                <a:schemeClr val="tx1"/>
-              </a:solidFill>
-            </a:ln>
-          </p:spPr>
-          <p:txBody>
-            <a:bodyPr wrap="square" rtlCol="0" anchor="ctr">
-              <a:spAutoFit/>
-            </a:bodyPr>
-            <a:lstStyle/>
-            <a:p>
-              <a:pPr algn="ctr"/>
-              <a:r>
-                <a:rPr lang="de-DE" sz="1200" u="sng" smtClean="0">
-                  <a:latin typeface="Consolas" panose="020B0609020204030204" pitchFamily="49" charset="0"/>
-                  <a:cs typeface="Consolas" panose="020B0609020204030204" pitchFamily="49" charset="0"/>
-                </a:rPr>
-                <a:t>fm4 : </a:t>
-              </a:r>
-              <a:r>
-                <a:rPr lang="de-DE" sz="1200" u="sng" err="1" smtClean="0">
-                  <a:latin typeface="Consolas" panose="020B0609020204030204" pitchFamily="49" charset="0"/>
-                  <a:cs typeface="Consolas" panose="020B0609020204030204" pitchFamily="49" charset="0"/>
-                </a:rPr>
-                <a:t>FamilyMember</a:t>
-              </a:r>
-              <a:endParaRPr lang="de-DE" sz="1200" u="sng" smtClean="0">
-                <a:latin typeface="Consolas" panose="020B0609020204030204" pitchFamily="49" charset="0"/>
-                <a:cs typeface="Consolas" panose="020B0609020204030204" pitchFamily="49" charset="0"/>
-              </a:endParaRPr>
-            </a:p>
-          </p:txBody>
-        </p:sp>
-        <p:sp>
-          <p:nvSpPr>
-            <p:cNvPr id="14" name="Textfeld 13"/>
-            <p:cNvSpPr txBox="1"/>
-            <p:nvPr/>
-          </p:nvSpPr>
-          <p:spPr>
-            <a:xfrm>
-              <a:off x="3948358" y="2359858"/>
-              <a:ext cx="1512168" cy="276999"/>
-            </a:xfrm>
-            <a:prstGeom prst="rect">
-              <a:avLst/>
-            </a:prstGeom>
-            <a:grpFill/>
-            <a:ln w="12700">
-              <a:solidFill>
-                <a:schemeClr val="tx1"/>
-              </a:solidFill>
-            </a:ln>
-          </p:spPr>
-          <p:txBody>
-            <a:bodyPr wrap="square" rtlCol="0" anchor="ctr">
-              <a:spAutoFit/>
-            </a:bodyPr>
-            <a:lstStyle/>
-            <a:p>
-              <a:r>
-                <a:rPr lang="de-DE" sz="1200" err="1" smtClean="0">
-                  <a:latin typeface="Consolas" panose="020B0609020204030204" pitchFamily="49" charset="0"/>
-                  <a:cs typeface="Consolas" panose="020B0609020204030204" pitchFamily="49" charset="0"/>
-                </a:rPr>
-                <a:t>name</a:t>
-              </a:r>
-              <a:r>
-                <a:rPr lang="de-DE" sz="1200" smtClean="0">
-                  <a:latin typeface="Consolas" panose="020B0609020204030204" pitchFamily="49" charset="0"/>
-                  <a:cs typeface="Consolas" panose="020B0609020204030204" pitchFamily="49" charset="0"/>
-                </a:rPr>
-                <a:t> </a:t>
-              </a:r>
-              <a:r>
-                <a:rPr lang="de-DE" sz="1200">
-                  <a:latin typeface="Consolas" panose="020B0609020204030204" pitchFamily="49" charset="0"/>
-                  <a:cs typeface="Consolas" panose="020B0609020204030204" pitchFamily="49" charset="0"/>
-                </a:rPr>
-                <a:t>=</a:t>
-              </a:r>
-              <a:r>
-                <a:rPr lang="de-DE" sz="1200" smtClean="0">
-                  <a:latin typeface="Consolas" panose="020B0609020204030204" pitchFamily="49" charset="0"/>
-                  <a:cs typeface="Consolas" panose="020B0609020204030204" pitchFamily="49" charset="0"/>
-                </a:rPr>
-                <a:t> "Katie"</a:t>
-              </a:r>
-            </a:p>
-          </p:txBody>
-        </p:sp>
-      </p:grpSp>
-      <p:grpSp>
-        <p:nvGrpSpPr>
-          <p:cNvPr id="15" name="Gruppieren 14"/>
-          <p:cNvGrpSpPr/>
-          <p:nvPr/>
-        </p:nvGrpSpPr>
-        <p:grpSpPr>
-          <a:xfrm>
-            <a:off x="4985217" y="2777064"/>
-            <a:ext cx="1800200" cy="552658"/>
-            <a:chOff x="3948358" y="2084199"/>
-            <a:chExt cx="1512168" cy="552658"/>
-          </a:xfrm>
-          <a:solidFill>
-            <a:schemeClr val="bg1"/>
-          </a:solidFill>
-        </p:grpSpPr>
-        <p:sp>
-          <p:nvSpPr>
-            <p:cNvPr id="16" name="Textfeld 15"/>
-            <p:cNvSpPr txBox="1"/>
-            <p:nvPr/>
-          </p:nvSpPr>
-          <p:spPr>
-            <a:xfrm>
-              <a:off x="3948358" y="2084199"/>
-              <a:ext cx="1512168" cy="276999"/>
-            </a:xfrm>
-            <a:prstGeom prst="rect">
-              <a:avLst/>
-            </a:prstGeom>
-            <a:grpFill/>
-            <a:ln w="12700">
-              <a:solidFill>
-                <a:schemeClr val="tx1"/>
-              </a:solidFill>
-            </a:ln>
-          </p:spPr>
-          <p:txBody>
-            <a:bodyPr wrap="square" rtlCol="0" anchor="ctr">
-              <a:spAutoFit/>
-            </a:bodyPr>
-            <a:lstStyle/>
-            <a:p>
-              <a:pPr algn="ctr"/>
-              <a:r>
-                <a:rPr lang="de-DE" sz="1200" u="sng" smtClean="0">
-                  <a:latin typeface="Consolas" panose="020B0609020204030204" pitchFamily="49" charset="0"/>
-                  <a:cs typeface="Consolas" panose="020B0609020204030204" pitchFamily="49" charset="0"/>
-                </a:rPr>
-                <a:t>fm3 : </a:t>
-              </a:r>
-              <a:r>
-                <a:rPr lang="de-DE" sz="1200" u="sng" err="1" smtClean="0">
-                  <a:latin typeface="Consolas" panose="020B0609020204030204" pitchFamily="49" charset="0"/>
-                  <a:cs typeface="Consolas" panose="020B0609020204030204" pitchFamily="49" charset="0"/>
-                </a:rPr>
-                <a:t>FamilyMember</a:t>
-              </a:r>
-              <a:endParaRPr lang="de-DE" sz="1200" u="sng" smtClean="0">
-                <a:latin typeface="Consolas" panose="020B0609020204030204" pitchFamily="49" charset="0"/>
-                <a:cs typeface="Consolas" panose="020B0609020204030204" pitchFamily="49" charset="0"/>
-              </a:endParaRPr>
-            </a:p>
-          </p:txBody>
-        </p:sp>
-        <p:sp>
-          <p:nvSpPr>
-            <p:cNvPr id="17" name="Textfeld 16"/>
-            <p:cNvSpPr txBox="1"/>
-            <p:nvPr/>
-          </p:nvSpPr>
-          <p:spPr>
-            <a:xfrm>
-              <a:off x="3948358" y="2359858"/>
-              <a:ext cx="1512168" cy="276999"/>
-            </a:xfrm>
-            <a:prstGeom prst="rect">
-              <a:avLst/>
-            </a:prstGeom>
-            <a:grpFill/>
-            <a:ln w="12700">
-              <a:solidFill>
-                <a:schemeClr val="tx1"/>
-              </a:solidFill>
-            </a:ln>
-          </p:spPr>
-          <p:txBody>
-            <a:bodyPr wrap="square" rtlCol="0" anchor="ctr">
-              <a:spAutoFit/>
-            </a:bodyPr>
-            <a:lstStyle/>
-            <a:p>
-              <a:r>
-                <a:rPr lang="de-DE" sz="1200" err="1" smtClean="0">
-                  <a:latin typeface="Consolas" panose="020B0609020204030204" pitchFamily="49" charset="0"/>
-                  <a:cs typeface="Consolas" panose="020B0609020204030204" pitchFamily="49" charset="0"/>
-                </a:rPr>
-                <a:t>name</a:t>
-              </a:r>
-              <a:r>
-                <a:rPr lang="de-DE" sz="1200" smtClean="0">
-                  <a:latin typeface="Consolas" panose="020B0609020204030204" pitchFamily="49" charset="0"/>
-                  <a:cs typeface="Consolas" panose="020B0609020204030204" pitchFamily="49" charset="0"/>
-                </a:rPr>
-                <a:t> </a:t>
-              </a:r>
-              <a:r>
-                <a:rPr lang="de-DE" sz="1200">
-                  <a:latin typeface="Consolas" panose="020B0609020204030204" pitchFamily="49" charset="0"/>
-                  <a:cs typeface="Consolas" panose="020B0609020204030204" pitchFamily="49" charset="0"/>
-                </a:rPr>
-                <a:t>=</a:t>
-              </a:r>
-              <a:r>
-                <a:rPr lang="de-DE" sz="1200" smtClean="0">
-                  <a:latin typeface="Consolas" panose="020B0609020204030204" pitchFamily="49" charset="0"/>
-                  <a:cs typeface="Consolas" panose="020B0609020204030204" pitchFamily="49" charset="0"/>
-                </a:rPr>
-                <a:t> "Kevin"</a:t>
-              </a:r>
-            </a:p>
-          </p:txBody>
-        </p:sp>
-      </p:grpSp>
-      <p:grpSp>
-        <p:nvGrpSpPr>
-          <p:cNvPr id="18" name="Gruppieren 17"/>
-          <p:cNvGrpSpPr/>
-          <p:nvPr/>
-        </p:nvGrpSpPr>
-        <p:grpSpPr>
-          <a:xfrm>
-            <a:off x="4985217" y="2080987"/>
-            <a:ext cx="1800200" cy="552658"/>
-            <a:chOff x="3948358" y="2084199"/>
-            <a:chExt cx="1512168" cy="552658"/>
-          </a:xfrm>
-          <a:solidFill>
-            <a:schemeClr val="bg1"/>
-          </a:solidFill>
-        </p:grpSpPr>
-        <p:sp>
-          <p:nvSpPr>
-            <p:cNvPr id="19" name="Textfeld 18"/>
-            <p:cNvSpPr txBox="1"/>
-            <p:nvPr/>
-          </p:nvSpPr>
-          <p:spPr>
-            <a:xfrm>
-              <a:off x="3948358" y="2084199"/>
-              <a:ext cx="1512168" cy="276999"/>
-            </a:xfrm>
-            <a:prstGeom prst="rect">
-              <a:avLst/>
-            </a:prstGeom>
-            <a:grpFill/>
-            <a:ln w="12700">
-              <a:solidFill>
-                <a:schemeClr val="tx1"/>
-              </a:solidFill>
-            </a:ln>
-          </p:spPr>
-          <p:txBody>
-            <a:bodyPr wrap="square" rtlCol="0" anchor="ctr">
-              <a:spAutoFit/>
-            </a:bodyPr>
-            <a:lstStyle/>
-            <a:p>
-              <a:pPr algn="ctr"/>
-              <a:r>
-                <a:rPr lang="de-DE" sz="1200" u="sng" smtClean="0">
-                  <a:latin typeface="Consolas" panose="020B0609020204030204" pitchFamily="49" charset="0"/>
-                  <a:cs typeface="Consolas" panose="020B0609020204030204" pitchFamily="49" charset="0"/>
-                </a:rPr>
-                <a:t>fm2 : </a:t>
-              </a:r>
-              <a:r>
-                <a:rPr lang="de-DE" sz="1200" u="sng" err="1" smtClean="0">
-                  <a:latin typeface="Consolas" panose="020B0609020204030204" pitchFamily="49" charset="0"/>
-                  <a:cs typeface="Consolas" panose="020B0609020204030204" pitchFamily="49" charset="0"/>
-                </a:rPr>
-                <a:t>FamilyMember</a:t>
-              </a:r>
-              <a:endParaRPr lang="de-DE" sz="1200" u="sng" smtClean="0">
-                <a:latin typeface="Consolas" panose="020B0609020204030204" pitchFamily="49" charset="0"/>
-                <a:cs typeface="Consolas" panose="020B0609020204030204" pitchFamily="49" charset="0"/>
-              </a:endParaRPr>
-            </a:p>
-          </p:txBody>
-        </p:sp>
-        <p:sp>
-          <p:nvSpPr>
-            <p:cNvPr id="20" name="Textfeld 19"/>
-            <p:cNvSpPr txBox="1"/>
-            <p:nvPr/>
-          </p:nvSpPr>
-          <p:spPr>
-            <a:xfrm>
-              <a:off x="3948358" y="2359858"/>
-              <a:ext cx="1512168" cy="276999"/>
-            </a:xfrm>
-            <a:prstGeom prst="rect">
-              <a:avLst/>
-            </a:prstGeom>
-            <a:grpFill/>
-            <a:ln w="12700">
-              <a:solidFill>
-                <a:schemeClr val="tx1"/>
-              </a:solidFill>
-            </a:ln>
-          </p:spPr>
-          <p:txBody>
-            <a:bodyPr wrap="square" rtlCol="0" anchor="ctr">
-              <a:spAutoFit/>
-            </a:bodyPr>
-            <a:lstStyle/>
-            <a:p>
-              <a:r>
-                <a:rPr lang="de-DE" sz="1200" err="1" smtClean="0">
-                  <a:latin typeface="Consolas" panose="020B0609020204030204" pitchFamily="49" charset="0"/>
-                  <a:cs typeface="Consolas" panose="020B0609020204030204" pitchFamily="49" charset="0"/>
-                </a:rPr>
-                <a:t>name</a:t>
-              </a:r>
-              <a:r>
-                <a:rPr lang="de-DE" sz="1200" smtClean="0">
-                  <a:latin typeface="Consolas" panose="020B0609020204030204" pitchFamily="49" charset="0"/>
-                  <a:cs typeface="Consolas" panose="020B0609020204030204" pitchFamily="49" charset="0"/>
-                </a:rPr>
-                <a:t> </a:t>
-              </a:r>
-              <a:r>
-                <a:rPr lang="de-DE" sz="1200">
-                  <a:latin typeface="Consolas" panose="020B0609020204030204" pitchFamily="49" charset="0"/>
-                  <a:cs typeface="Consolas" panose="020B0609020204030204" pitchFamily="49" charset="0"/>
-                </a:rPr>
-                <a:t>=</a:t>
-              </a:r>
-              <a:r>
-                <a:rPr lang="de-DE" sz="1200" smtClean="0">
-                  <a:latin typeface="Consolas" panose="020B0609020204030204" pitchFamily="49" charset="0"/>
-                  <a:cs typeface="Consolas" panose="020B0609020204030204" pitchFamily="49" charset="0"/>
-                </a:rPr>
-                <a:t> "Mary"</a:t>
-              </a:r>
-            </a:p>
-          </p:txBody>
-        </p:sp>
-      </p:grpSp>
-      <p:grpSp>
-        <p:nvGrpSpPr>
-          <p:cNvPr id="21" name="Gruppieren 20"/>
-          <p:cNvGrpSpPr/>
-          <p:nvPr/>
-        </p:nvGrpSpPr>
-        <p:grpSpPr>
-          <a:xfrm>
-            <a:off x="4985217" y="1384910"/>
-            <a:ext cx="1800200" cy="552658"/>
-            <a:chOff x="3948358" y="2084199"/>
-            <a:chExt cx="1512168" cy="552658"/>
-          </a:xfrm>
-          <a:solidFill>
-            <a:schemeClr val="bg1"/>
-          </a:solidFill>
-        </p:grpSpPr>
-        <p:sp>
-          <p:nvSpPr>
-            <p:cNvPr id="22" name="Textfeld 21"/>
-            <p:cNvSpPr txBox="1"/>
-            <p:nvPr/>
-          </p:nvSpPr>
-          <p:spPr>
-            <a:xfrm>
-              <a:off x="3948358" y="2084199"/>
-              <a:ext cx="1512168" cy="276999"/>
-            </a:xfrm>
-            <a:prstGeom prst="rect">
-              <a:avLst/>
-            </a:prstGeom>
-            <a:grpFill/>
-            <a:ln w="12700">
-              <a:solidFill>
-                <a:schemeClr val="tx1"/>
-              </a:solidFill>
-            </a:ln>
-          </p:spPr>
-          <p:txBody>
-            <a:bodyPr wrap="square" rtlCol="0" anchor="ctr">
-              <a:spAutoFit/>
-            </a:bodyPr>
-            <a:lstStyle/>
-            <a:p>
-              <a:pPr algn="ctr"/>
-              <a:r>
-                <a:rPr lang="de-DE" sz="1200" u="sng" smtClean="0">
-                  <a:latin typeface="Consolas" panose="020B0609020204030204" pitchFamily="49" charset="0"/>
-                  <a:cs typeface="Consolas" panose="020B0609020204030204" pitchFamily="49" charset="0"/>
-                </a:rPr>
-                <a:t>fm1 : </a:t>
-              </a:r>
-              <a:r>
-                <a:rPr lang="de-DE" sz="1200" u="sng" err="1" smtClean="0">
-                  <a:latin typeface="Consolas" panose="020B0609020204030204" pitchFamily="49" charset="0"/>
-                  <a:cs typeface="Consolas" panose="020B0609020204030204" pitchFamily="49" charset="0"/>
-                </a:rPr>
-                <a:t>FamilyMember</a:t>
-              </a:r>
-              <a:endParaRPr lang="de-DE" sz="1200" u="sng" smtClean="0">
-                <a:latin typeface="Consolas" panose="020B0609020204030204" pitchFamily="49" charset="0"/>
-                <a:cs typeface="Consolas" panose="020B0609020204030204" pitchFamily="49" charset="0"/>
-              </a:endParaRPr>
-            </a:p>
-          </p:txBody>
-        </p:sp>
-        <p:sp>
-          <p:nvSpPr>
-            <p:cNvPr id="23" name="Textfeld 22"/>
-            <p:cNvSpPr txBox="1"/>
-            <p:nvPr/>
-          </p:nvSpPr>
-          <p:spPr>
-            <a:xfrm>
-              <a:off x="3948358" y="2359858"/>
-              <a:ext cx="1512168" cy="276999"/>
-            </a:xfrm>
-            <a:prstGeom prst="rect">
-              <a:avLst/>
-            </a:prstGeom>
-            <a:grpFill/>
-            <a:ln w="12700">
-              <a:solidFill>
-                <a:schemeClr val="tx1"/>
-              </a:solidFill>
-            </a:ln>
-          </p:spPr>
-          <p:txBody>
-            <a:bodyPr wrap="square" rtlCol="0" anchor="ctr">
-              <a:spAutoFit/>
-            </a:bodyPr>
-            <a:lstStyle/>
-            <a:p>
-              <a:r>
-                <a:rPr lang="de-DE" sz="1200" err="1" smtClean="0">
-                  <a:latin typeface="Consolas" panose="020B0609020204030204" pitchFamily="49" charset="0"/>
-                  <a:cs typeface="Consolas" panose="020B0609020204030204" pitchFamily="49" charset="0"/>
-                </a:rPr>
-                <a:t>name</a:t>
-              </a:r>
-              <a:r>
-                <a:rPr lang="de-DE" sz="1200" smtClean="0">
-                  <a:latin typeface="Consolas" panose="020B0609020204030204" pitchFamily="49" charset="0"/>
-                  <a:cs typeface="Consolas" panose="020B0609020204030204" pitchFamily="49" charset="0"/>
-                </a:rPr>
-                <a:t> </a:t>
-              </a:r>
-              <a:r>
-                <a:rPr lang="de-DE" sz="1200">
-                  <a:latin typeface="Consolas" panose="020B0609020204030204" pitchFamily="49" charset="0"/>
-                  <a:cs typeface="Consolas" panose="020B0609020204030204" pitchFamily="49" charset="0"/>
-                </a:rPr>
-                <a:t>=</a:t>
-              </a:r>
-              <a:r>
-                <a:rPr lang="de-DE" sz="1200" smtClean="0">
-                  <a:latin typeface="Consolas" panose="020B0609020204030204" pitchFamily="49" charset="0"/>
-                  <a:cs typeface="Consolas" panose="020B0609020204030204" pitchFamily="49" charset="0"/>
-                </a:rPr>
-                <a:t> "John"</a:t>
-              </a:r>
-            </a:p>
-          </p:txBody>
-        </p:sp>
-      </p:grpSp>
-      <p:grpSp>
-        <p:nvGrpSpPr>
-          <p:cNvPr id="24" name="Gruppieren 23"/>
-          <p:cNvGrpSpPr/>
-          <p:nvPr/>
-        </p:nvGrpSpPr>
-        <p:grpSpPr>
-          <a:xfrm>
-            <a:off x="4985217" y="4169218"/>
-            <a:ext cx="1800200" cy="552658"/>
-            <a:chOff x="3948358" y="2084199"/>
-            <a:chExt cx="1512168" cy="552658"/>
-          </a:xfrm>
-          <a:solidFill>
-            <a:schemeClr val="bg1"/>
-          </a:solidFill>
-        </p:grpSpPr>
-        <p:sp>
-          <p:nvSpPr>
-            <p:cNvPr id="25" name="Textfeld 24"/>
-            <p:cNvSpPr txBox="1"/>
-            <p:nvPr/>
-          </p:nvSpPr>
-          <p:spPr>
-            <a:xfrm>
-              <a:off x="3948358" y="2084199"/>
-              <a:ext cx="1512168" cy="276999"/>
-            </a:xfrm>
-            <a:prstGeom prst="rect">
-              <a:avLst/>
-            </a:prstGeom>
-            <a:grpFill/>
-            <a:ln w="12700">
-              <a:solidFill>
-                <a:schemeClr val="tx1"/>
-              </a:solidFill>
-            </a:ln>
-          </p:spPr>
-          <p:txBody>
-            <a:bodyPr wrap="square" rtlCol="0" anchor="ctr">
-              <a:spAutoFit/>
-            </a:bodyPr>
-            <a:lstStyle/>
-            <a:p>
-              <a:pPr algn="ctr"/>
-              <a:r>
-                <a:rPr lang="de-DE" sz="1200" u="sng" smtClean="0">
-                  <a:latin typeface="Consolas" panose="020B0609020204030204" pitchFamily="49" charset="0"/>
-                  <a:cs typeface="Consolas" panose="020B0609020204030204" pitchFamily="49" charset="0"/>
-                </a:rPr>
-                <a:t>fm5 : </a:t>
-              </a:r>
-              <a:r>
-                <a:rPr lang="de-DE" sz="1200" u="sng" err="1" smtClean="0">
-                  <a:latin typeface="Consolas" panose="020B0609020204030204" pitchFamily="49" charset="0"/>
-                  <a:cs typeface="Consolas" panose="020B0609020204030204" pitchFamily="49" charset="0"/>
-                </a:rPr>
-                <a:t>FamilyMember</a:t>
-              </a:r>
-              <a:endParaRPr lang="de-DE" sz="1200" u="sng" smtClean="0">
-                <a:latin typeface="Consolas" panose="020B0609020204030204" pitchFamily="49" charset="0"/>
-                <a:cs typeface="Consolas" panose="020B0609020204030204" pitchFamily="49" charset="0"/>
-              </a:endParaRPr>
-            </a:p>
-          </p:txBody>
-        </p:sp>
-        <p:sp>
-          <p:nvSpPr>
-            <p:cNvPr id="26" name="Textfeld 25"/>
-            <p:cNvSpPr txBox="1"/>
-            <p:nvPr/>
-          </p:nvSpPr>
-          <p:spPr>
-            <a:xfrm>
-              <a:off x="3948358" y="2359858"/>
-              <a:ext cx="1512168" cy="276999"/>
-            </a:xfrm>
-            <a:prstGeom prst="rect">
-              <a:avLst/>
-            </a:prstGeom>
-            <a:grpFill/>
-            <a:ln w="12700">
-              <a:solidFill>
-                <a:schemeClr val="tx1"/>
-              </a:solidFill>
-            </a:ln>
-          </p:spPr>
-          <p:txBody>
-            <a:bodyPr wrap="square" rtlCol="0" anchor="ctr">
-              <a:spAutoFit/>
-            </a:bodyPr>
-            <a:lstStyle/>
-            <a:p>
-              <a:r>
-                <a:rPr lang="de-DE" sz="1200" err="1" smtClean="0">
-                  <a:latin typeface="Consolas" panose="020B0609020204030204" pitchFamily="49" charset="0"/>
-                  <a:cs typeface="Consolas" panose="020B0609020204030204" pitchFamily="49" charset="0"/>
-                </a:rPr>
-                <a:t>name</a:t>
-              </a:r>
-              <a:r>
-                <a:rPr lang="de-DE" sz="1200" smtClean="0">
-                  <a:latin typeface="Consolas" panose="020B0609020204030204" pitchFamily="49" charset="0"/>
-                  <a:cs typeface="Consolas" panose="020B0609020204030204" pitchFamily="49" charset="0"/>
-                </a:rPr>
-                <a:t> </a:t>
-              </a:r>
-              <a:r>
-                <a:rPr lang="de-DE" sz="1200">
-                  <a:latin typeface="Consolas" panose="020B0609020204030204" pitchFamily="49" charset="0"/>
-                  <a:cs typeface="Consolas" panose="020B0609020204030204" pitchFamily="49" charset="0"/>
-                </a:rPr>
-                <a:t>=</a:t>
-              </a:r>
-              <a:r>
-                <a:rPr lang="de-DE" sz="1200" smtClean="0">
-                  <a:latin typeface="Consolas" panose="020B0609020204030204" pitchFamily="49" charset="0"/>
-                  <a:cs typeface="Consolas" panose="020B0609020204030204" pitchFamily="49" charset="0"/>
-                </a:rPr>
-                <a:t> "John"</a:t>
-              </a:r>
-            </a:p>
-          </p:txBody>
-        </p:sp>
-      </p:grpSp>
-      <p:grpSp>
-        <p:nvGrpSpPr>
-          <p:cNvPr id="27" name="Gruppieren 26"/>
-          <p:cNvGrpSpPr/>
-          <p:nvPr/>
-        </p:nvGrpSpPr>
-        <p:grpSpPr>
-          <a:xfrm>
-            <a:off x="4985217" y="4865297"/>
-            <a:ext cx="1800200" cy="552658"/>
-            <a:chOff x="3948358" y="2084199"/>
-            <a:chExt cx="1512168" cy="552658"/>
-          </a:xfrm>
-          <a:solidFill>
-            <a:schemeClr val="bg1"/>
-          </a:solidFill>
-        </p:grpSpPr>
-        <p:sp>
-          <p:nvSpPr>
-            <p:cNvPr id="28" name="Textfeld 27"/>
-            <p:cNvSpPr txBox="1"/>
-            <p:nvPr/>
-          </p:nvSpPr>
-          <p:spPr>
-            <a:xfrm>
-              <a:off x="3948358" y="2084199"/>
-              <a:ext cx="1512168" cy="276999"/>
-            </a:xfrm>
-            <a:prstGeom prst="rect">
-              <a:avLst/>
-            </a:prstGeom>
-            <a:grpFill/>
-            <a:ln w="12700">
-              <a:solidFill>
-                <a:schemeClr val="tx1"/>
-              </a:solidFill>
-            </a:ln>
-          </p:spPr>
-          <p:txBody>
-            <a:bodyPr wrap="square" rtlCol="0" anchor="ctr">
-              <a:spAutoFit/>
-            </a:bodyPr>
-            <a:lstStyle/>
-            <a:p>
-              <a:pPr algn="ctr"/>
-              <a:r>
-                <a:rPr lang="de-DE" sz="1200" u="sng" smtClean="0">
-                  <a:latin typeface="Consolas" panose="020B0609020204030204" pitchFamily="49" charset="0"/>
-                  <a:cs typeface="Consolas" panose="020B0609020204030204" pitchFamily="49" charset="0"/>
-                </a:rPr>
-                <a:t>fm6 : </a:t>
-              </a:r>
-              <a:r>
-                <a:rPr lang="de-DE" sz="1200" u="sng" err="1" smtClean="0">
-                  <a:latin typeface="Consolas" panose="020B0609020204030204" pitchFamily="49" charset="0"/>
-                  <a:cs typeface="Consolas" panose="020B0609020204030204" pitchFamily="49" charset="0"/>
-                </a:rPr>
-                <a:t>FamilyMember</a:t>
-              </a:r>
-              <a:endParaRPr lang="de-DE" sz="1200" u="sng" smtClean="0">
-                <a:latin typeface="Consolas" panose="020B0609020204030204" pitchFamily="49" charset="0"/>
-                <a:cs typeface="Consolas" panose="020B0609020204030204" pitchFamily="49" charset="0"/>
-              </a:endParaRPr>
-            </a:p>
-          </p:txBody>
-        </p:sp>
-        <p:sp>
-          <p:nvSpPr>
-            <p:cNvPr id="29" name="Textfeld 28"/>
-            <p:cNvSpPr txBox="1"/>
-            <p:nvPr/>
-          </p:nvSpPr>
-          <p:spPr>
-            <a:xfrm>
-              <a:off x="3948358" y="2359858"/>
-              <a:ext cx="1512168" cy="276999"/>
-            </a:xfrm>
-            <a:prstGeom prst="rect">
-              <a:avLst/>
-            </a:prstGeom>
-            <a:grpFill/>
-            <a:ln w="12700">
-              <a:solidFill>
-                <a:schemeClr val="tx1"/>
-              </a:solidFill>
-            </a:ln>
-          </p:spPr>
-          <p:txBody>
-            <a:bodyPr wrap="square" rtlCol="0" anchor="ctr">
-              <a:spAutoFit/>
-            </a:bodyPr>
-            <a:lstStyle/>
-            <a:p>
-              <a:r>
-                <a:rPr lang="de-DE" sz="1200" err="1" smtClean="0">
-                  <a:latin typeface="Consolas" panose="020B0609020204030204" pitchFamily="49" charset="0"/>
-                  <a:cs typeface="Consolas" panose="020B0609020204030204" pitchFamily="49" charset="0"/>
-                </a:rPr>
-                <a:t>name</a:t>
-              </a:r>
-              <a:r>
-                <a:rPr lang="de-DE" sz="1200" smtClean="0">
-                  <a:latin typeface="Consolas" panose="020B0609020204030204" pitchFamily="49" charset="0"/>
-                  <a:cs typeface="Consolas" panose="020B0609020204030204" pitchFamily="49" charset="0"/>
-                </a:rPr>
-                <a:t> </a:t>
-              </a:r>
-              <a:r>
-                <a:rPr lang="de-DE" sz="1200">
-                  <a:latin typeface="Consolas" panose="020B0609020204030204" pitchFamily="49" charset="0"/>
-                  <a:cs typeface="Consolas" panose="020B0609020204030204" pitchFamily="49" charset="0"/>
-                </a:rPr>
-                <a:t>=</a:t>
-              </a:r>
-              <a:r>
-                <a:rPr lang="de-DE" sz="1200" smtClean="0">
-                  <a:latin typeface="Consolas" panose="020B0609020204030204" pitchFamily="49" charset="0"/>
-                  <a:cs typeface="Consolas" panose="020B0609020204030204" pitchFamily="49" charset="0"/>
-                </a:rPr>
-                <a:t> "Claire"</a:t>
-              </a:r>
-            </a:p>
-          </p:txBody>
-        </p:sp>
-      </p:grpSp>
       <p:sp>
         <p:nvSpPr>
           <p:cNvPr id="30" name="Textfeld 29"/>
@@ -4055,7 +2977,7 @@
         </p:nvSpPr>
         <p:spPr>
           <a:xfrm>
-            <a:off x="2392929" y="964492"/>
+            <a:off x="2392929" y="274686"/>
             <a:ext cx="1833666" cy="276999"/>
           </a:xfrm>
           <a:prstGeom prst="rect">
@@ -4113,7 +3035,7 @@
         </p:nvSpPr>
         <p:spPr>
           <a:xfrm>
-            <a:off x="8335089" y="964492"/>
+            <a:off x="8495509" y="274686"/>
             <a:ext cx="1851437" cy="276999"/>
           </a:xfrm>
           <a:prstGeom prst="rect">
@@ -4165,107 +3087,171 @@
       </p:sp>
       <p:grpSp>
         <p:nvGrpSpPr>
-          <p:cNvPr id="32" name="Gruppieren 31"/>
+          <p:cNvPr id="106" name="Gruppieren 105"/>
           <p:cNvGrpSpPr/>
           <p:nvPr/>
         </p:nvGrpSpPr>
         <p:grpSpPr>
           <a:xfrm>
-            <a:off x="7217464" y="1383462"/>
-            <a:ext cx="2088233" cy="554106"/>
-            <a:chOff x="5808235" y="3224537"/>
-            <a:chExt cx="1932117" cy="554106"/>
+            <a:off x="4089847" y="1539296"/>
+            <a:ext cx="2695570" cy="686265"/>
+            <a:chOff x="4089847" y="1257574"/>
+            <a:chExt cx="2695570" cy="686265"/>
           </a:xfrm>
-          <a:solidFill>
-            <a:schemeClr val="bg1"/>
-          </a:solidFill>
         </p:grpSpPr>
+        <p:grpSp>
+          <p:nvGrpSpPr>
+            <p:cNvPr id="18" name="Gruppieren 17"/>
+            <p:cNvGrpSpPr/>
+            <p:nvPr/>
+          </p:nvGrpSpPr>
+          <p:grpSpPr>
+            <a:xfrm>
+              <a:off x="4985217" y="1391181"/>
+              <a:ext cx="1800200" cy="552658"/>
+              <a:chOff x="3948358" y="2084199"/>
+              <a:chExt cx="1512168" cy="552658"/>
+            </a:xfrm>
+            <a:solidFill>
+              <a:schemeClr val="bg1"/>
+            </a:solidFill>
+          </p:grpSpPr>
+          <p:sp>
+            <p:nvSpPr>
+              <p:cNvPr id="19" name="Textfeld 18"/>
+              <p:cNvSpPr txBox="1"/>
+              <p:nvPr/>
+            </p:nvSpPr>
+            <p:spPr>
+              <a:xfrm>
+                <a:off x="3948358" y="2084199"/>
+                <a:ext cx="1512168" cy="276999"/>
+              </a:xfrm>
+              <a:prstGeom prst="rect">
+                <a:avLst/>
+              </a:prstGeom>
+              <a:grpFill/>
+              <a:ln w="12700">
+                <a:solidFill>
+                  <a:schemeClr val="tx1"/>
+                </a:solidFill>
+              </a:ln>
+            </p:spPr>
+            <p:txBody>
+              <a:bodyPr wrap="square" rtlCol="0" anchor="ctr">
+                <a:spAutoFit/>
+              </a:bodyPr>
+              <a:lstStyle/>
+              <a:p>
+                <a:pPr algn="ctr"/>
+                <a:r>
+                  <a:rPr lang="de-DE" sz="1200" u="sng" smtClean="0">
+                    <a:latin typeface="Consolas" panose="020B0609020204030204" pitchFamily="49" charset="0"/>
+                    <a:cs typeface="Consolas" panose="020B0609020204030204" pitchFamily="49" charset="0"/>
+                  </a:rPr>
+                  <a:t>fm2 : </a:t>
+                </a:r>
+                <a:r>
+                  <a:rPr lang="de-DE" sz="1200" u="sng" err="1" smtClean="0">
+                    <a:latin typeface="Consolas" panose="020B0609020204030204" pitchFamily="49" charset="0"/>
+                    <a:cs typeface="Consolas" panose="020B0609020204030204" pitchFamily="49" charset="0"/>
+                  </a:rPr>
+                  <a:t>FamilyMember</a:t>
+                </a:r>
+                <a:endParaRPr lang="de-DE" sz="1200" u="sng" smtClean="0">
+                  <a:latin typeface="Consolas" panose="020B0609020204030204" pitchFamily="49" charset="0"/>
+                  <a:cs typeface="Consolas" panose="020B0609020204030204" pitchFamily="49" charset="0"/>
+                </a:endParaRPr>
+              </a:p>
+            </p:txBody>
+          </p:sp>
+          <p:sp>
+            <p:nvSpPr>
+              <p:cNvPr id="20" name="Textfeld 19"/>
+              <p:cNvSpPr txBox="1"/>
+              <p:nvPr/>
+            </p:nvSpPr>
+            <p:spPr>
+              <a:xfrm>
+                <a:off x="3948358" y="2359858"/>
+                <a:ext cx="1512168" cy="276999"/>
+              </a:xfrm>
+              <a:prstGeom prst="rect">
+                <a:avLst/>
+              </a:prstGeom>
+              <a:grpFill/>
+              <a:ln w="12700">
+                <a:solidFill>
+                  <a:schemeClr val="tx1"/>
+                </a:solidFill>
+              </a:ln>
+            </p:spPr>
+            <p:txBody>
+              <a:bodyPr wrap="square" rtlCol="0" anchor="ctr">
+                <a:spAutoFit/>
+              </a:bodyPr>
+              <a:lstStyle/>
+              <a:p>
+                <a:r>
+                  <a:rPr lang="de-DE" sz="1200" err="1" smtClean="0">
+                    <a:latin typeface="Consolas" panose="020B0609020204030204" pitchFamily="49" charset="0"/>
+                    <a:cs typeface="Consolas" panose="020B0609020204030204" pitchFamily="49" charset="0"/>
+                  </a:rPr>
+                  <a:t>name</a:t>
+                </a:r>
+                <a:r>
+                  <a:rPr lang="de-DE" sz="1200" smtClean="0">
+                    <a:latin typeface="Consolas" panose="020B0609020204030204" pitchFamily="49" charset="0"/>
+                    <a:cs typeface="Consolas" panose="020B0609020204030204" pitchFamily="49" charset="0"/>
+                  </a:rPr>
+                  <a:t> </a:t>
+                </a:r>
+                <a:r>
+                  <a:rPr lang="de-DE" sz="1200">
+                    <a:latin typeface="Consolas" panose="020B0609020204030204" pitchFamily="49" charset="0"/>
+                    <a:cs typeface="Consolas" panose="020B0609020204030204" pitchFamily="49" charset="0"/>
+                  </a:rPr>
+                  <a:t>=</a:t>
+                </a:r>
+                <a:r>
+                  <a:rPr lang="de-DE" sz="1200" smtClean="0">
+                    <a:latin typeface="Consolas" panose="020B0609020204030204" pitchFamily="49" charset="0"/>
+                    <a:cs typeface="Consolas" panose="020B0609020204030204" pitchFamily="49" charset="0"/>
+                  </a:rPr>
+                  <a:t> "Mary"</a:t>
+                </a:r>
+              </a:p>
+            </p:txBody>
+          </p:sp>
+        </p:grpSp>
         <p:sp>
           <p:nvSpPr>
-            <p:cNvPr id="33" name="Textfeld 32"/>
+            <p:cNvPr id="51" name="Textfeld 50"/>
             <p:cNvSpPr txBox="1"/>
             <p:nvPr/>
           </p:nvSpPr>
           <p:spPr>
             <a:xfrm>
-              <a:off x="5808235" y="3224537"/>
-              <a:ext cx="1932117" cy="276999"/>
+              <a:off x="4089847" y="1257574"/>
+              <a:ext cx="694421" cy="276999"/>
             </a:xfrm>
             <a:prstGeom prst="rect">
               <a:avLst/>
             </a:prstGeom>
-            <a:grpFill/>
-            <a:ln w="12700">
-              <a:solidFill>
-                <a:schemeClr val="tx1"/>
-              </a:solidFill>
-            </a:ln>
+            <a:noFill/>
           </p:spPr>
           <p:txBody>
-            <a:bodyPr wrap="square" rtlCol="0" anchor="ctr">
+            <a:bodyPr wrap="none" rtlCol="0">
               <a:spAutoFit/>
             </a:bodyPr>
             <a:lstStyle/>
             <a:p>
-              <a:pPr algn="ctr"/>
               <a:r>
-                <a:rPr lang="de-DE" sz="1200" u="sng">
+                <a:rPr lang="en-US" sz="1200" dirty="0" smtClean="0">
                   <a:latin typeface="Consolas" panose="020B0609020204030204" pitchFamily="49" charset="0"/>
                   <a:cs typeface="Consolas" panose="020B0609020204030204" pitchFamily="49" charset="0"/>
                 </a:rPr>
-                <a:t>p</a:t>
-              </a:r>
-              <a:r>
-                <a:rPr lang="de-DE" sz="1200" u="sng" smtClean="0">
-                  <a:latin typeface="Consolas" panose="020B0609020204030204" pitchFamily="49" charset="0"/>
-                  <a:cs typeface="Consolas" panose="020B0609020204030204" pitchFamily="49" charset="0"/>
-                </a:rPr>
-                <a:t>1 : Male</a:t>
-              </a:r>
-            </a:p>
-          </p:txBody>
-        </p:sp>
-        <p:sp>
-          <p:nvSpPr>
-            <p:cNvPr id="34" name="Textfeld 33"/>
-            <p:cNvSpPr txBox="1"/>
-            <p:nvPr/>
-          </p:nvSpPr>
-          <p:spPr>
-            <a:xfrm>
-              <a:off x="5808235" y="3501644"/>
-              <a:ext cx="1932117" cy="276999"/>
-            </a:xfrm>
-            <a:prstGeom prst="rect">
-              <a:avLst/>
-            </a:prstGeom>
-            <a:grpFill/>
-            <a:ln w="12700">
-              <a:solidFill>
-                <a:schemeClr val="tx1"/>
-              </a:solidFill>
-            </a:ln>
-          </p:spPr>
-          <p:txBody>
-            <a:bodyPr wrap="square" rtlCol="0" anchor="ctr">
-              <a:spAutoFit/>
-            </a:bodyPr>
-            <a:lstStyle/>
-            <a:p>
-              <a:pPr algn="ctr"/>
-              <a:r>
-                <a:rPr lang="de-DE" sz="1200" err="1" smtClean="0">
-                  <a:latin typeface="Consolas" panose="020B0609020204030204" pitchFamily="49" charset="0"/>
-                  <a:cs typeface="Consolas" panose="020B0609020204030204" pitchFamily="49" charset="0"/>
-                </a:rPr>
-                <a:t>name</a:t>
-              </a:r>
-              <a:r>
-                <a:rPr lang="de-DE" sz="1200" smtClean="0">
-                  <a:latin typeface="Consolas" panose="020B0609020204030204" pitchFamily="49" charset="0"/>
-                  <a:cs typeface="Consolas" panose="020B0609020204030204" pitchFamily="49" charset="0"/>
-                </a:rPr>
-                <a:t> = "Smith, John"</a:t>
+                <a:t>mother</a:t>
               </a:r>
             </a:p>
           </p:txBody>
@@ -4273,125 +3259,171 @@
       </p:grpSp>
       <p:grpSp>
         <p:nvGrpSpPr>
-          <p:cNvPr id="35" name="Gruppieren 34"/>
+          <p:cNvPr id="104" name="Gruppieren 103"/>
           <p:cNvGrpSpPr/>
           <p:nvPr/>
         </p:nvGrpSpPr>
         <p:grpSpPr>
           <a:xfrm>
-            <a:off x="7217464" y="2079539"/>
-            <a:ext cx="2088233" cy="554106"/>
-            <a:chOff x="5808235" y="3224537"/>
-            <a:chExt cx="1932117" cy="554106"/>
+            <a:off x="4089847" y="3494536"/>
+            <a:ext cx="2695570" cy="696076"/>
+            <a:chOff x="4089847" y="2639917"/>
+            <a:chExt cx="2695570" cy="696076"/>
           </a:xfrm>
-          <a:solidFill>
-            <a:schemeClr val="bg1"/>
-          </a:solidFill>
         </p:grpSpPr>
+        <p:grpSp>
+          <p:nvGrpSpPr>
+            <p:cNvPr id="12" name="Gruppieren 11"/>
+            <p:cNvGrpSpPr/>
+            <p:nvPr/>
+          </p:nvGrpSpPr>
+          <p:grpSpPr>
+            <a:xfrm>
+              <a:off x="4985217" y="2783335"/>
+              <a:ext cx="1800200" cy="552658"/>
+              <a:chOff x="3948358" y="2084199"/>
+              <a:chExt cx="1512168" cy="552658"/>
+            </a:xfrm>
+            <a:solidFill>
+              <a:schemeClr val="bg1"/>
+            </a:solidFill>
+          </p:grpSpPr>
+          <p:sp>
+            <p:nvSpPr>
+              <p:cNvPr id="13" name="Textfeld 12"/>
+              <p:cNvSpPr txBox="1"/>
+              <p:nvPr/>
+            </p:nvSpPr>
+            <p:spPr>
+              <a:xfrm>
+                <a:off x="3948358" y="2084199"/>
+                <a:ext cx="1512168" cy="276999"/>
+              </a:xfrm>
+              <a:prstGeom prst="rect">
+                <a:avLst/>
+              </a:prstGeom>
+              <a:grpFill/>
+              <a:ln w="12700">
+                <a:solidFill>
+                  <a:schemeClr val="tx1"/>
+                </a:solidFill>
+              </a:ln>
+            </p:spPr>
+            <p:txBody>
+              <a:bodyPr wrap="square" rtlCol="0" anchor="ctr">
+                <a:spAutoFit/>
+              </a:bodyPr>
+              <a:lstStyle/>
+              <a:p>
+                <a:pPr algn="ctr"/>
+                <a:r>
+                  <a:rPr lang="de-DE" sz="1200" u="sng" smtClean="0">
+                    <a:latin typeface="Consolas" panose="020B0609020204030204" pitchFamily="49" charset="0"/>
+                    <a:cs typeface="Consolas" panose="020B0609020204030204" pitchFamily="49" charset="0"/>
+                  </a:rPr>
+                  <a:t>fm4 : </a:t>
+                </a:r>
+                <a:r>
+                  <a:rPr lang="de-DE" sz="1200" u="sng" err="1" smtClean="0">
+                    <a:latin typeface="Consolas" panose="020B0609020204030204" pitchFamily="49" charset="0"/>
+                    <a:cs typeface="Consolas" panose="020B0609020204030204" pitchFamily="49" charset="0"/>
+                  </a:rPr>
+                  <a:t>FamilyMember</a:t>
+                </a:r>
+                <a:endParaRPr lang="de-DE" sz="1200" u="sng" smtClean="0">
+                  <a:latin typeface="Consolas" panose="020B0609020204030204" pitchFamily="49" charset="0"/>
+                  <a:cs typeface="Consolas" panose="020B0609020204030204" pitchFamily="49" charset="0"/>
+                </a:endParaRPr>
+              </a:p>
+            </p:txBody>
+          </p:sp>
+          <p:sp>
+            <p:nvSpPr>
+              <p:cNvPr id="14" name="Textfeld 13"/>
+              <p:cNvSpPr txBox="1"/>
+              <p:nvPr/>
+            </p:nvSpPr>
+            <p:spPr>
+              <a:xfrm>
+                <a:off x="3948358" y="2359858"/>
+                <a:ext cx="1512168" cy="276999"/>
+              </a:xfrm>
+              <a:prstGeom prst="rect">
+                <a:avLst/>
+              </a:prstGeom>
+              <a:grpFill/>
+              <a:ln w="12700">
+                <a:solidFill>
+                  <a:schemeClr val="tx1"/>
+                </a:solidFill>
+              </a:ln>
+            </p:spPr>
+            <p:txBody>
+              <a:bodyPr wrap="square" rtlCol="0" anchor="ctr">
+                <a:spAutoFit/>
+              </a:bodyPr>
+              <a:lstStyle/>
+              <a:p>
+                <a:r>
+                  <a:rPr lang="de-DE" sz="1200" err="1" smtClean="0">
+                    <a:latin typeface="Consolas" panose="020B0609020204030204" pitchFamily="49" charset="0"/>
+                    <a:cs typeface="Consolas" panose="020B0609020204030204" pitchFamily="49" charset="0"/>
+                  </a:rPr>
+                  <a:t>name</a:t>
+                </a:r>
+                <a:r>
+                  <a:rPr lang="de-DE" sz="1200" smtClean="0">
+                    <a:latin typeface="Consolas" panose="020B0609020204030204" pitchFamily="49" charset="0"/>
+                    <a:cs typeface="Consolas" panose="020B0609020204030204" pitchFamily="49" charset="0"/>
+                  </a:rPr>
+                  <a:t> </a:t>
+                </a:r>
+                <a:r>
+                  <a:rPr lang="de-DE" sz="1200">
+                    <a:latin typeface="Consolas" panose="020B0609020204030204" pitchFamily="49" charset="0"/>
+                    <a:cs typeface="Consolas" panose="020B0609020204030204" pitchFamily="49" charset="0"/>
+                  </a:rPr>
+                  <a:t>=</a:t>
+                </a:r>
+                <a:r>
+                  <a:rPr lang="de-DE" sz="1200" smtClean="0">
+                    <a:latin typeface="Consolas" panose="020B0609020204030204" pitchFamily="49" charset="0"/>
+                    <a:cs typeface="Consolas" panose="020B0609020204030204" pitchFamily="49" charset="0"/>
+                  </a:rPr>
+                  <a:t> "Katie"</a:t>
+                </a:r>
+              </a:p>
+            </p:txBody>
+          </p:sp>
+        </p:grpSp>
         <p:sp>
           <p:nvSpPr>
-            <p:cNvPr id="36" name="Textfeld 35"/>
+            <p:cNvPr id="52" name="Textfeld 51"/>
             <p:cNvSpPr txBox="1"/>
             <p:nvPr/>
           </p:nvSpPr>
           <p:spPr>
             <a:xfrm>
-              <a:off x="5808235" y="3224537"/>
-              <a:ext cx="1932117" cy="276999"/>
+              <a:off x="4089847" y="2639917"/>
+              <a:ext cx="949299" cy="276999"/>
             </a:xfrm>
             <a:prstGeom prst="rect">
               <a:avLst/>
             </a:prstGeom>
-            <a:grpFill/>
-            <a:ln w="12700">
-              <a:solidFill>
-                <a:schemeClr val="tx1"/>
-              </a:solidFill>
-            </a:ln>
+            <a:noFill/>
           </p:spPr>
           <p:txBody>
-            <a:bodyPr wrap="square" rtlCol="0" anchor="ctr">
+            <a:bodyPr wrap="none" rtlCol="0">
               <a:spAutoFit/>
             </a:bodyPr>
             <a:lstStyle/>
             <a:p>
-              <a:pPr algn="ctr"/>
               <a:r>
-                <a:rPr lang="de-DE" sz="1200" u="sng" smtClean="0">
+                <a:rPr lang="en-US" sz="1200" dirty="0" smtClean="0">
                   <a:latin typeface="Consolas" panose="020B0609020204030204" pitchFamily="49" charset="0"/>
                   <a:cs typeface="Consolas" panose="020B0609020204030204" pitchFamily="49" charset="0"/>
                 </a:rPr>
-                <a:t>p</a:t>
-              </a:r>
-              <a:r>
-                <a:rPr lang="de-DE" sz="1200" u="sng">
-                  <a:latin typeface="Consolas" panose="020B0609020204030204" pitchFamily="49" charset="0"/>
-                  <a:cs typeface="Consolas" panose="020B0609020204030204" pitchFamily="49" charset="0"/>
-                </a:rPr>
-                <a:t>2</a:t>
-              </a:r>
-              <a:r>
-                <a:rPr lang="de-DE" sz="1200" u="sng" smtClean="0">
-                  <a:latin typeface="Consolas" panose="020B0609020204030204" pitchFamily="49" charset="0"/>
-                  <a:cs typeface="Consolas" panose="020B0609020204030204" pitchFamily="49" charset="0"/>
-                </a:rPr>
-                <a:t> : </a:t>
-              </a:r>
-              <a:r>
-                <a:rPr lang="de-DE" sz="1200" u="sng" err="1" smtClean="0">
-                  <a:latin typeface="Consolas" panose="020B0609020204030204" pitchFamily="49" charset="0"/>
-                  <a:cs typeface="Consolas" panose="020B0609020204030204" pitchFamily="49" charset="0"/>
-                </a:rPr>
-                <a:t>Female</a:t>
-              </a:r>
-              <a:endParaRPr lang="de-DE" sz="1200" u="sng" smtClean="0">
-                <a:latin typeface="Consolas" panose="020B0609020204030204" pitchFamily="49" charset="0"/>
-                <a:cs typeface="Consolas" panose="020B0609020204030204" pitchFamily="49" charset="0"/>
-              </a:endParaRPr>
-            </a:p>
-          </p:txBody>
-        </p:sp>
-        <p:sp>
-          <p:nvSpPr>
-            <p:cNvPr id="37" name="Textfeld 36"/>
-            <p:cNvSpPr txBox="1"/>
-            <p:nvPr/>
-          </p:nvSpPr>
-          <p:spPr>
-            <a:xfrm>
-              <a:off x="5808235" y="3501644"/>
-              <a:ext cx="1932117" cy="276999"/>
-            </a:xfrm>
-            <a:prstGeom prst="rect">
-              <a:avLst/>
-            </a:prstGeom>
-            <a:grpFill/>
-            <a:ln w="12700">
-              <a:solidFill>
-                <a:schemeClr val="tx1"/>
-              </a:solidFill>
-            </a:ln>
-          </p:spPr>
-          <p:txBody>
-            <a:bodyPr wrap="square" rtlCol="0" anchor="ctr">
-              <a:spAutoFit/>
-            </a:bodyPr>
-            <a:lstStyle/>
-            <a:p>
-              <a:pPr algn="ctr"/>
-              <a:r>
-                <a:rPr lang="de-DE" sz="1200" err="1" smtClean="0">
-                  <a:latin typeface="Consolas" panose="020B0609020204030204" pitchFamily="49" charset="0"/>
-                  <a:cs typeface="Consolas" panose="020B0609020204030204" pitchFamily="49" charset="0"/>
-                </a:rPr>
-                <a:t>name</a:t>
-              </a:r>
-              <a:r>
-                <a:rPr lang="de-DE" sz="1200" smtClean="0">
-                  <a:latin typeface="Consolas" panose="020B0609020204030204" pitchFamily="49" charset="0"/>
-                  <a:cs typeface="Consolas" panose="020B0609020204030204" pitchFamily="49" charset="0"/>
-                </a:rPr>
-                <a:t> = "Smith, Mary"</a:t>
+                <a:t>daughters</a:t>
               </a:r>
             </a:p>
           </p:txBody>
@@ -4399,114 +3431,171 @@
       </p:grpSp>
       <p:grpSp>
         <p:nvGrpSpPr>
-          <p:cNvPr id="38" name="Gruppieren 37"/>
+          <p:cNvPr id="105" name="Gruppieren 104"/>
           <p:cNvGrpSpPr/>
           <p:nvPr/>
         </p:nvGrpSpPr>
         <p:grpSpPr>
           <a:xfrm>
-            <a:off x="7217464" y="2775616"/>
-            <a:ext cx="2088233" cy="554106"/>
-            <a:chOff x="5808235" y="3224537"/>
-            <a:chExt cx="1932117" cy="554106"/>
+            <a:off x="4089847" y="2517095"/>
+            <a:ext cx="2695570" cy="685907"/>
+            <a:chOff x="4089847" y="1954009"/>
+            <a:chExt cx="2695570" cy="685907"/>
           </a:xfrm>
-          <a:solidFill>
-            <a:schemeClr val="bg1"/>
-          </a:solidFill>
         </p:grpSpPr>
+        <p:grpSp>
+          <p:nvGrpSpPr>
+            <p:cNvPr id="15" name="Gruppieren 14"/>
+            <p:cNvGrpSpPr/>
+            <p:nvPr/>
+          </p:nvGrpSpPr>
+          <p:grpSpPr>
+            <a:xfrm>
+              <a:off x="4985217" y="2087258"/>
+              <a:ext cx="1800200" cy="552658"/>
+              <a:chOff x="3948358" y="2084199"/>
+              <a:chExt cx="1512168" cy="552658"/>
+            </a:xfrm>
+            <a:solidFill>
+              <a:schemeClr val="bg1"/>
+            </a:solidFill>
+          </p:grpSpPr>
+          <p:sp>
+            <p:nvSpPr>
+              <p:cNvPr id="16" name="Textfeld 15"/>
+              <p:cNvSpPr txBox="1"/>
+              <p:nvPr/>
+            </p:nvSpPr>
+            <p:spPr>
+              <a:xfrm>
+                <a:off x="3948358" y="2084199"/>
+                <a:ext cx="1512168" cy="276999"/>
+              </a:xfrm>
+              <a:prstGeom prst="rect">
+                <a:avLst/>
+              </a:prstGeom>
+              <a:grpFill/>
+              <a:ln w="12700">
+                <a:solidFill>
+                  <a:schemeClr val="tx1"/>
+                </a:solidFill>
+              </a:ln>
+            </p:spPr>
+            <p:txBody>
+              <a:bodyPr wrap="square" rtlCol="0" anchor="ctr">
+                <a:spAutoFit/>
+              </a:bodyPr>
+              <a:lstStyle/>
+              <a:p>
+                <a:pPr algn="ctr"/>
+                <a:r>
+                  <a:rPr lang="de-DE" sz="1200" u="sng" smtClean="0">
+                    <a:latin typeface="Consolas" panose="020B0609020204030204" pitchFamily="49" charset="0"/>
+                    <a:cs typeface="Consolas" panose="020B0609020204030204" pitchFamily="49" charset="0"/>
+                  </a:rPr>
+                  <a:t>fm3 : </a:t>
+                </a:r>
+                <a:r>
+                  <a:rPr lang="de-DE" sz="1200" u="sng" err="1" smtClean="0">
+                    <a:latin typeface="Consolas" panose="020B0609020204030204" pitchFamily="49" charset="0"/>
+                    <a:cs typeface="Consolas" panose="020B0609020204030204" pitchFamily="49" charset="0"/>
+                  </a:rPr>
+                  <a:t>FamilyMember</a:t>
+                </a:r>
+                <a:endParaRPr lang="de-DE" sz="1200" u="sng" smtClean="0">
+                  <a:latin typeface="Consolas" panose="020B0609020204030204" pitchFamily="49" charset="0"/>
+                  <a:cs typeface="Consolas" panose="020B0609020204030204" pitchFamily="49" charset="0"/>
+                </a:endParaRPr>
+              </a:p>
+            </p:txBody>
+          </p:sp>
+          <p:sp>
+            <p:nvSpPr>
+              <p:cNvPr id="17" name="Textfeld 16"/>
+              <p:cNvSpPr txBox="1"/>
+              <p:nvPr/>
+            </p:nvSpPr>
+            <p:spPr>
+              <a:xfrm>
+                <a:off x="3948358" y="2359858"/>
+                <a:ext cx="1512168" cy="276999"/>
+              </a:xfrm>
+              <a:prstGeom prst="rect">
+                <a:avLst/>
+              </a:prstGeom>
+              <a:grpFill/>
+              <a:ln w="12700">
+                <a:solidFill>
+                  <a:schemeClr val="tx1"/>
+                </a:solidFill>
+              </a:ln>
+            </p:spPr>
+            <p:txBody>
+              <a:bodyPr wrap="square" rtlCol="0" anchor="ctr">
+                <a:spAutoFit/>
+              </a:bodyPr>
+              <a:lstStyle/>
+              <a:p>
+                <a:r>
+                  <a:rPr lang="de-DE" sz="1200" err="1" smtClean="0">
+                    <a:latin typeface="Consolas" panose="020B0609020204030204" pitchFamily="49" charset="0"/>
+                    <a:cs typeface="Consolas" panose="020B0609020204030204" pitchFamily="49" charset="0"/>
+                  </a:rPr>
+                  <a:t>name</a:t>
+                </a:r>
+                <a:r>
+                  <a:rPr lang="de-DE" sz="1200" smtClean="0">
+                    <a:latin typeface="Consolas" panose="020B0609020204030204" pitchFamily="49" charset="0"/>
+                    <a:cs typeface="Consolas" panose="020B0609020204030204" pitchFamily="49" charset="0"/>
+                  </a:rPr>
+                  <a:t> </a:t>
+                </a:r>
+                <a:r>
+                  <a:rPr lang="de-DE" sz="1200">
+                    <a:latin typeface="Consolas" panose="020B0609020204030204" pitchFamily="49" charset="0"/>
+                    <a:cs typeface="Consolas" panose="020B0609020204030204" pitchFamily="49" charset="0"/>
+                  </a:rPr>
+                  <a:t>=</a:t>
+                </a:r>
+                <a:r>
+                  <a:rPr lang="de-DE" sz="1200" smtClean="0">
+                    <a:latin typeface="Consolas" panose="020B0609020204030204" pitchFamily="49" charset="0"/>
+                    <a:cs typeface="Consolas" panose="020B0609020204030204" pitchFamily="49" charset="0"/>
+                  </a:rPr>
+                  <a:t> "Kevin"</a:t>
+                </a:r>
+              </a:p>
+            </p:txBody>
+          </p:sp>
+        </p:grpSp>
         <p:sp>
           <p:nvSpPr>
-            <p:cNvPr id="39" name="Textfeld 38"/>
+            <p:cNvPr id="53" name="Textfeld 52"/>
             <p:cNvSpPr txBox="1"/>
             <p:nvPr/>
           </p:nvSpPr>
           <p:spPr>
             <a:xfrm>
-              <a:off x="5808235" y="3224537"/>
-              <a:ext cx="1932117" cy="276999"/>
+              <a:off x="4089847" y="1954009"/>
+              <a:ext cx="524503" cy="276999"/>
             </a:xfrm>
             <a:prstGeom prst="rect">
               <a:avLst/>
             </a:prstGeom>
-            <a:grpFill/>
-            <a:ln w="12700">
-              <a:solidFill>
-                <a:schemeClr val="tx1"/>
-              </a:solidFill>
-            </a:ln>
+            <a:noFill/>
           </p:spPr>
           <p:txBody>
-            <a:bodyPr wrap="square" rtlCol="0" anchor="ctr">
+            <a:bodyPr wrap="none" rtlCol="0">
               <a:spAutoFit/>
             </a:bodyPr>
             <a:lstStyle/>
             <a:p>
-              <a:pPr algn="ctr"/>
               <a:r>
-                <a:rPr lang="de-DE" sz="1200" u="sng" smtClean="0">
+                <a:rPr lang="en-US" sz="1200" dirty="0" smtClean="0">
                   <a:latin typeface="Consolas" panose="020B0609020204030204" pitchFamily="49" charset="0"/>
                   <a:cs typeface="Consolas" panose="020B0609020204030204" pitchFamily="49" charset="0"/>
                 </a:rPr>
-                <a:t>p</a:t>
-              </a:r>
-              <a:r>
-                <a:rPr lang="de-DE" sz="1200" u="sng">
-                  <a:latin typeface="Consolas" panose="020B0609020204030204" pitchFamily="49" charset="0"/>
-                  <a:cs typeface="Consolas" panose="020B0609020204030204" pitchFamily="49" charset="0"/>
-                </a:rPr>
-                <a:t>3</a:t>
-              </a:r>
-              <a:r>
-                <a:rPr lang="de-DE" sz="1200" u="sng" smtClean="0">
-                  <a:latin typeface="Consolas" panose="020B0609020204030204" pitchFamily="49" charset="0"/>
-                  <a:cs typeface="Consolas" panose="020B0609020204030204" pitchFamily="49" charset="0"/>
-                </a:rPr>
-                <a:t> : Male</a:t>
-              </a:r>
-            </a:p>
-          </p:txBody>
-        </p:sp>
-        <p:sp>
-          <p:nvSpPr>
-            <p:cNvPr id="40" name="Textfeld 39"/>
-            <p:cNvSpPr txBox="1"/>
-            <p:nvPr/>
-          </p:nvSpPr>
-          <p:spPr>
-            <a:xfrm>
-              <a:off x="5808235" y="3501644"/>
-              <a:ext cx="1932117" cy="276999"/>
-            </a:xfrm>
-            <a:prstGeom prst="rect">
-              <a:avLst/>
-            </a:prstGeom>
-            <a:grpFill/>
-            <a:ln w="12700">
-              <a:solidFill>
-                <a:schemeClr val="tx1"/>
-              </a:solidFill>
-            </a:ln>
-          </p:spPr>
-          <p:txBody>
-            <a:bodyPr wrap="square" rtlCol="0" anchor="ctr">
-              <a:spAutoFit/>
-            </a:bodyPr>
-            <a:lstStyle/>
-            <a:p>
-              <a:pPr algn="ctr"/>
-              <a:r>
-                <a:rPr lang="de-DE" sz="1200" err="1" smtClean="0">
-                  <a:latin typeface="Consolas" panose="020B0609020204030204" pitchFamily="49" charset="0"/>
-                  <a:cs typeface="Consolas" panose="020B0609020204030204" pitchFamily="49" charset="0"/>
-                </a:rPr>
-                <a:t>name</a:t>
-              </a:r>
-              <a:r>
-                <a:rPr lang="de-DE" sz="1200" smtClean="0">
-                  <a:latin typeface="Consolas" panose="020B0609020204030204" pitchFamily="49" charset="0"/>
-                  <a:cs typeface="Consolas" panose="020B0609020204030204" pitchFamily="49" charset="0"/>
-                </a:rPr>
-                <a:t> = "Smith, Kevin"</a:t>
+                <a:t>sons</a:t>
               </a:r>
             </a:p>
           </p:txBody>
@@ -4514,568 +3603,535 @@
       </p:grpSp>
       <p:grpSp>
         <p:nvGrpSpPr>
-          <p:cNvPr id="41" name="Gruppieren 40"/>
+          <p:cNvPr id="114" name="Gruppieren 113"/>
           <p:cNvGrpSpPr/>
           <p:nvPr/>
         </p:nvGrpSpPr>
         <p:grpSpPr>
           <a:xfrm>
-            <a:off x="7217464" y="3471693"/>
-            <a:ext cx="2088233" cy="554106"/>
-            <a:chOff x="5808235" y="3224537"/>
-            <a:chExt cx="1932117" cy="554106"/>
+            <a:off x="1587985" y="551685"/>
+            <a:ext cx="5197432" cy="696077"/>
+            <a:chOff x="1587985" y="551685"/>
+            <a:chExt cx="5197432" cy="696077"/>
           </a:xfrm>
-          <a:solidFill>
-            <a:schemeClr val="bg1"/>
-          </a:solidFill>
         </p:grpSpPr>
+        <p:grpSp>
+          <p:nvGrpSpPr>
+            <p:cNvPr id="107" name="Gruppieren 106"/>
+            <p:cNvGrpSpPr/>
+            <p:nvPr/>
+          </p:nvGrpSpPr>
+          <p:grpSpPr>
+            <a:xfrm>
+              <a:off x="4089847" y="551685"/>
+              <a:ext cx="2695570" cy="696077"/>
+              <a:chOff x="4089847" y="551685"/>
+              <a:chExt cx="2695570" cy="696077"/>
+            </a:xfrm>
+          </p:grpSpPr>
+          <p:grpSp>
+            <p:nvGrpSpPr>
+              <p:cNvPr id="21" name="Gruppieren 20"/>
+              <p:cNvGrpSpPr/>
+              <p:nvPr/>
+            </p:nvGrpSpPr>
+            <p:grpSpPr>
+              <a:xfrm>
+                <a:off x="4985217" y="695104"/>
+                <a:ext cx="1800200" cy="552658"/>
+                <a:chOff x="3948358" y="2084199"/>
+                <a:chExt cx="1512168" cy="552658"/>
+              </a:xfrm>
+              <a:solidFill>
+                <a:schemeClr val="bg1"/>
+              </a:solidFill>
+            </p:grpSpPr>
+            <p:sp>
+              <p:nvSpPr>
+                <p:cNvPr id="22" name="Textfeld 21"/>
+                <p:cNvSpPr txBox="1"/>
+                <p:nvPr/>
+              </p:nvSpPr>
+              <p:spPr>
+                <a:xfrm>
+                  <a:off x="3948358" y="2084199"/>
+                  <a:ext cx="1512168" cy="276999"/>
+                </a:xfrm>
+                <a:prstGeom prst="rect">
+                  <a:avLst/>
+                </a:prstGeom>
+                <a:grpFill/>
+                <a:ln w="12700">
+                  <a:solidFill>
+                    <a:schemeClr val="tx1"/>
+                  </a:solidFill>
+                </a:ln>
+              </p:spPr>
+              <p:txBody>
+                <a:bodyPr wrap="square" rtlCol="0" anchor="ctr">
+                  <a:spAutoFit/>
+                </a:bodyPr>
+                <a:lstStyle/>
+                <a:p>
+                  <a:pPr algn="ctr"/>
+                  <a:r>
+                    <a:rPr lang="de-DE" sz="1200" u="sng" smtClean="0">
+                      <a:latin typeface="Consolas" panose="020B0609020204030204" pitchFamily="49" charset="0"/>
+                      <a:cs typeface="Consolas" panose="020B0609020204030204" pitchFamily="49" charset="0"/>
+                    </a:rPr>
+                    <a:t>fm1 : </a:t>
+                  </a:r>
+                  <a:r>
+                    <a:rPr lang="de-DE" sz="1200" u="sng" err="1" smtClean="0">
+                      <a:latin typeface="Consolas" panose="020B0609020204030204" pitchFamily="49" charset="0"/>
+                      <a:cs typeface="Consolas" panose="020B0609020204030204" pitchFamily="49" charset="0"/>
+                    </a:rPr>
+                    <a:t>FamilyMember</a:t>
+                  </a:r>
+                  <a:endParaRPr lang="de-DE" sz="1200" u="sng" smtClean="0">
+                    <a:latin typeface="Consolas" panose="020B0609020204030204" pitchFamily="49" charset="0"/>
+                    <a:cs typeface="Consolas" panose="020B0609020204030204" pitchFamily="49" charset="0"/>
+                  </a:endParaRPr>
+                </a:p>
+              </p:txBody>
+            </p:sp>
+            <p:sp>
+              <p:nvSpPr>
+                <p:cNvPr id="23" name="Textfeld 22"/>
+                <p:cNvSpPr txBox="1"/>
+                <p:nvPr/>
+              </p:nvSpPr>
+              <p:spPr>
+                <a:xfrm>
+                  <a:off x="3948358" y="2359858"/>
+                  <a:ext cx="1512168" cy="276999"/>
+                </a:xfrm>
+                <a:prstGeom prst="rect">
+                  <a:avLst/>
+                </a:prstGeom>
+                <a:grpFill/>
+                <a:ln w="12700">
+                  <a:solidFill>
+                    <a:schemeClr val="tx1"/>
+                  </a:solidFill>
+                </a:ln>
+              </p:spPr>
+              <p:txBody>
+                <a:bodyPr wrap="square" rtlCol="0" anchor="ctr">
+                  <a:spAutoFit/>
+                </a:bodyPr>
+                <a:lstStyle/>
+                <a:p>
+                  <a:r>
+                    <a:rPr lang="de-DE" sz="1200" err="1" smtClean="0">
+                      <a:latin typeface="Consolas" panose="020B0609020204030204" pitchFamily="49" charset="0"/>
+                      <a:cs typeface="Consolas" panose="020B0609020204030204" pitchFamily="49" charset="0"/>
+                    </a:rPr>
+                    <a:t>name</a:t>
+                  </a:r>
+                  <a:r>
+                    <a:rPr lang="de-DE" sz="1200" smtClean="0">
+                      <a:latin typeface="Consolas" panose="020B0609020204030204" pitchFamily="49" charset="0"/>
+                      <a:cs typeface="Consolas" panose="020B0609020204030204" pitchFamily="49" charset="0"/>
+                    </a:rPr>
+                    <a:t> </a:t>
+                  </a:r>
+                  <a:r>
+                    <a:rPr lang="de-DE" sz="1200">
+                      <a:latin typeface="Consolas" panose="020B0609020204030204" pitchFamily="49" charset="0"/>
+                      <a:cs typeface="Consolas" panose="020B0609020204030204" pitchFamily="49" charset="0"/>
+                    </a:rPr>
+                    <a:t>=</a:t>
+                  </a:r>
+                  <a:r>
+                    <a:rPr lang="de-DE" sz="1200" smtClean="0">
+                      <a:latin typeface="Consolas" panose="020B0609020204030204" pitchFamily="49" charset="0"/>
+                      <a:cs typeface="Consolas" panose="020B0609020204030204" pitchFamily="49" charset="0"/>
+                    </a:rPr>
+                    <a:t> "John"</a:t>
+                  </a:r>
+                </a:p>
+              </p:txBody>
+            </p:sp>
+          </p:grpSp>
+          <p:sp>
+            <p:nvSpPr>
+              <p:cNvPr id="50" name="Textfeld 49"/>
+              <p:cNvSpPr txBox="1"/>
+              <p:nvPr/>
+            </p:nvSpPr>
+            <p:spPr>
+              <a:xfrm>
+                <a:off x="4089847" y="551685"/>
+                <a:ext cx="694421" cy="276999"/>
+              </a:xfrm>
+              <a:prstGeom prst="rect">
+                <a:avLst/>
+              </a:prstGeom>
+              <a:noFill/>
+            </p:spPr>
+            <p:txBody>
+              <a:bodyPr wrap="none" rtlCol="0">
+                <a:spAutoFit/>
+              </a:bodyPr>
+              <a:lstStyle/>
+              <a:p>
+                <a:r>
+                  <a:rPr lang="en-US" sz="1200" dirty="0" smtClean="0">
+                    <a:latin typeface="Consolas" panose="020B0609020204030204" pitchFamily="49" charset="0"/>
+                    <a:cs typeface="Consolas" panose="020B0609020204030204" pitchFamily="49" charset="0"/>
+                  </a:rPr>
+                  <a:t>father</a:t>
+                </a:r>
+              </a:p>
+            </p:txBody>
+          </p:sp>
+        </p:grpSp>
+        <p:grpSp>
+          <p:nvGrpSpPr>
+            <p:cNvPr id="113" name="Gruppieren 112"/>
+            <p:cNvGrpSpPr/>
+            <p:nvPr/>
+          </p:nvGrpSpPr>
+          <p:grpSpPr>
+            <a:xfrm>
+              <a:off x="1587985" y="561211"/>
+              <a:ext cx="2367561" cy="686551"/>
+              <a:chOff x="1587985" y="561211"/>
+              <a:chExt cx="2367561" cy="686551"/>
+            </a:xfrm>
+          </p:grpSpPr>
+          <p:grpSp>
+            <p:nvGrpSpPr>
+              <p:cNvPr id="4" name="Gruppieren 3"/>
+              <p:cNvGrpSpPr/>
+              <p:nvPr/>
+            </p:nvGrpSpPr>
+            <p:grpSpPr>
+              <a:xfrm>
+                <a:off x="2392929" y="695104"/>
+                <a:ext cx="1562617" cy="552658"/>
+                <a:chOff x="3948358" y="2084199"/>
+                <a:chExt cx="1512168" cy="552658"/>
+              </a:xfrm>
+              <a:solidFill>
+                <a:schemeClr val="bg1"/>
+              </a:solidFill>
+            </p:grpSpPr>
+            <p:sp>
+              <p:nvSpPr>
+                <p:cNvPr id="5" name="Textfeld 4"/>
+                <p:cNvSpPr txBox="1"/>
+                <p:nvPr/>
+              </p:nvSpPr>
+              <p:spPr>
+                <a:xfrm>
+                  <a:off x="3948358" y="2084199"/>
+                  <a:ext cx="1512168" cy="276999"/>
+                </a:xfrm>
+                <a:prstGeom prst="rect">
+                  <a:avLst/>
+                </a:prstGeom>
+                <a:grpFill/>
+                <a:ln w="12700">
+                  <a:solidFill>
+                    <a:schemeClr val="tx1"/>
+                  </a:solidFill>
+                </a:ln>
+              </p:spPr>
+              <p:txBody>
+                <a:bodyPr wrap="square" rtlCol="0" anchor="ctr">
+                  <a:spAutoFit/>
+                </a:bodyPr>
+                <a:lstStyle/>
+                <a:p>
+                  <a:pPr algn="ctr"/>
+                  <a:r>
+                    <a:rPr lang="de-DE" sz="1200" u="sng" smtClean="0">
+                      <a:latin typeface="Consolas" panose="020B0609020204030204" pitchFamily="49" charset="0"/>
+                      <a:cs typeface="Consolas" panose="020B0609020204030204" pitchFamily="49" charset="0"/>
+                    </a:rPr>
+                    <a:t>f1 : Family</a:t>
+                  </a:r>
+                </a:p>
+              </p:txBody>
+            </p:sp>
+            <p:sp>
+              <p:nvSpPr>
+                <p:cNvPr id="6" name="Textfeld 5"/>
+                <p:cNvSpPr txBox="1"/>
+                <p:nvPr/>
+              </p:nvSpPr>
+              <p:spPr>
+                <a:xfrm>
+                  <a:off x="3948358" y="2359858"/>
+                  <a:ext cx="1512168" cy="276999"/>
+                </a:xfrm>
+                <a:prstGeom prst="rect">
+                  <a:avLst/>
+                </a:prstGeom>
+                <a:grpFill/>
+                <a:ln w="12700">
+                  <a:solidFill>
+                    <a:schemeClr val="tx1"/>
+                  </a:solidFill>
+                </a:ln>
+              </p:spPr>
+              <p:txBody>
+                <a:bodyPr wrap="square" rtlCol="0" anchor="ctr">
+                  <a:spAutoFit/>
+                </a:bodyPr>
+                <a:lstStyle/>
+                <a:p>
+                  <a:r>
+                    <a:rPr lang="de-DE" sz="1200" err="1" smtClean="0">
+                      <a:latin typeface="Consolas" panose="020B0609020204030204" pitchFamily="49" charset="0"/>
+                      <a:cs typeface="Consolas" panose="020B0609020204030204" pitchFamily="49" charset="0"/>
+                    </a:rPr>
+                    <a:t>name</a:t>
+                  </a:r>
+                  <a:r>
+                    <a:rPr lang="de-DE" sz="1200" smtClean="0">
+                      <a:latin typeface="Consolas" panose="020B0609020204030204" pitchFamily="49" charset="0"/>
+                      <a:cs typeface="Consolas" panose="020B0609020204030204" pitchFamily="49" charset="0"/>
+                    </a:rPr>
+                    <a:t> </a:t>
+                  </a:r>
+                  <a:r>
+                    <a:rPr lang="de-DE" sz="1200">
+                      <a:latin typeface="Consolas" panose="020B0609020204030204" pitchFamily="49" charset="0"/>
+                      <a:cs typeface="Consolas" panose="020B0609020204030204" pitchFamily="49" charset="0"/>
+                    </a:rPr>
+                    <a:t>=</a:t>
+                  </a:r>
+                  <a:r>
+                    <a:rPr lang="de-DE" sz="1200" smtClean="0">
+                      <a:latin typeface="Consolas" panose="020B0609020204030204" pitchFamily="49" charset="0"/>
+                      <a:cs typeface="Consolas" panose="020B0609020204030204" pitchFamily="49" charset="0"/>
+                    </a:rPr>
+                    <a:t> "Smith"</a:t>
+                  </a:r>
+                </a:p>
+              </p:txBody>
+            </p:sp>
+          </p:grpSp>
+          <p:sp>
+            <p:nvSpPr>
+              <p:cNvPr id="54" name="Textfeld 53"/>
+              <p:cNvSpPr txBox="1"/>
+              <p:nvPr/>
+            </p:nvSpPr>
+            <p:spPr>
+              <a:xfrm>
+                <a:off x="1587985" y="561211"/>
+                <a:ext cx="864340" cy="276999"/>
+              </a:xfrm>
+              <a:prstGeom prst="rect">
+                <a:avLst/>
+              </a:prstGeom>
+              <a:noFill/>
+            </p:spPr>
+            <p:txBody>
+              <a:bodyPr wrap="none" rtlCol="0">
+                <a:spAutoFit/>
+              </a:bodyPr>
+              <a:lstStyle/>
+              <a:p>
+                <a:pPr algn="r"/>
+                <a:r>
+                  <a:rPr lang="en-US" sz="1200" dirty="0" smtClean="0">
+                    <a:latin typeface="Consolas" panose="020B0609020204030204" pitchFamily="49" charset="0"/>
+                    <a:cs typeface="Consolas" panose="020B0609020204030204" pitchFamily="49" charset="0"/>
+                  </a:rPr>
+                  <a:t>families</a:t>
+                </a:r>
+              </a:p>
+            </p:txBody>
+          </p:sp>
+        </p:grpSp>
+      </p:grpSp>
+      <p:grpSp>
+        <p:nvGrpSpPr>
+          <p:cNvPr id="100" name="Gruppieren 99"/>
+          <p:cNvGrpSpPr/>
+          <p:nvPr/>
+        </p:nvGrpSpPr>
+        <p:grpSpPr>
+          <a:xfrm>
+            <a:off x="7217464" y="553012"/>
+            <a:ext cx="2992323" cy="875314"/>
+            <a:chOff x="7217464" y="553012"/>
+            <a:chExt cx="2992323" cy="875314"/>
+          </a:xfrm>
+        </p:grpSpPr>
+        <p:grpSp>
+          <p:nvGrpSpPr>
+            <p:cNvPr id="99" name="Gruppieren 98"/>
+            <p:cNvGrpSpPr/>
+            <p:nvPr/>
+          </p:nvGrpSpPr>
+          <p:grpSpPr>
+            <a:xfrm>
+              <a:off x="7217464" y="693656"/>
+              <a:ext cx="2207273" cy="734670"/>
+              <a:chOff x="7217464" y="693656"/>
+              <a:chExt cx="2207273" cy="734670"/>
+            </a:xfrm>
+          </p:grpSpPr>
+          <p:sp>
+            <p:nvSpPr>
+              <p:cNvPr id="33" name="Textfeld 32"/>
+              <p:cNvSpPr txBox="1"/>
+              <p:nvPr/>
+            </p:nvSpPr>
+            <p:spPr>
+              <a:xfrm>
+                <a:off x="7217464" y="693656"/>
+                <a:ext cx="2207273" cy="276999"/>
+              </a:xfrm>
+              <a:prstGeom prst="rect">
+                <a:avLst/>
+              </a:prstGeom>
+              <a:solidFill>
+                <a:schemeClr val="bg1"/>
+              </a:solidFill>
+              <a:ln w="12700">
+                <a:solidFill>
+                  <a:schemeClr val="tx1"/>
+                </a:solidFill>
+              </a:ln>
+            </p:spPr>
+            <p:txBody>
+              <a:bodyPr wrap="square" rtlCol="0" anchor="ctr">
+                <a:spAutoFit/>
+              </a:bodyPr>
+              <a:lstStyle/>
+              <a:p>
+                <a:pPr algn="ctr"/>
+                <a:r>
+                  <a:rPr lang="de-DE" sz="1200" u="sng">
+                    <a:latin typeface="Consolas" panose="020B0609020204030204" pitchFamily="49" charset="0"/>
+                    <a:cs typeface="Consolas" panose="020B0609020204030204" pitchFamily="49" charset="0"/>
+                  </a:rPr>
+                  <a:t>p</a:t>
+                </a:r>
+                <a:r>
+                  <a:rPr lang="de-DE" sz="1200" u="sng" smtClean="0">
+                    <a:latin typeface="Consolas" panose="020B0609020204030204" pitchFamily="49" charset="0"/>
+                    <a:cs typeface="Consolas" panose="020B0609020204030204" pitchFamily="49" charset="0"/>
+                  </a:rPr>
+                  <a:t>1 : Male</a:t>
+                </a:r>
+              </a:p>
+            </p:txBody>
+          </p:sp>
+          <p:sp>
+            <p:nvSpPr>
+              <p:cNvPr id="34" name="Textfeld 33"/>
+              <p:cNvSpPr txBox="1"/>
+              <p:nvPr/>
+            </p:nvSpPr>
+            <p:spPr>
+              <a:xfrm>
+                <a:off x="7217464" y="966661"/>
+                <a:ext cx="2207273" cy="461665"/>
+              </a:xfrm>
+              <a:prstGeom prst="rect">
+                <a:avLst/>
+              </a:prstGeom>
+              <a:solidFill>
+                <a:schemeClr val="bg1"/>
+              </a:solidFill>
+              <a:ln w="12700">
+                <a:solidFill>
+                  <a:schemeClr val="tx1"/>
+                </a:solidFill>
+              </a:ln>
+            </p:spPr>
+            <p:txBody>
+              <a:bodyPr wrap="square" rtlCol="0" anchor="ctr">
+                <a:spAutoFit/>
+              </a:bodyPr>
+              <a:lstStyle/>
+              <a:p>
+                <a:r>
+                  <a:rPr lang="de-DE" sz="1200" dirty="0" err="1" smtClean="0">
+                    <a:latin typeface="Consolas" panose="020B0609020204030204" pitchFamily="49" charset="0"/>
+                    <a:cs typeface="Consolas" panose="020B0609020204030204" pitchFamily="49" charset="0"/>
+                  </a:rPr>
+                  <a:t>name</a:t>
+                </a:r>
+                <a:r>
+                  <a:rPr lang="de-DE" sz="1200" dirty="0" smtClean="0">
+                    <a:latin typeface="Consolas" panose="020B0609020204030204" pitchFamily="49" charset="0"/>
+                    <a:cs typeface="Consolas" panose="020B0609020204030204" pitchFamily="49" charset="0"/>
+                  </a:rPr>
+                  <a:t> = "Smith, John</a:t>
+                </a:r>
+                <a:r>
+                  <a:rPr lang="de-DE" sz="1200" dirty="0" smtClean="0">
+                    <a:latin typeface="Consolas" panose="020B0609020204030204" pitchFamily="49" charset="0"/>
+                    <a:cs typeface="Consolas" panose="020B0609020204030204" pitchFamily="49" charset="0"/>
+                  </a:rPr>
+                  <a:t>"</a:t>
+                </a:r>
+              </a:p>
+              <a:p>
+                <a:r>
+                  <a:rPr lang="de-DE" sz="1200" dirty="0" err="1" smtClean="0">
+                    <a:latin typeface="Consolas" panose="020B0609020204030204" pitchFamily="49" charset="0"/>
+                    <a:cs typeface="Consolas" panose="020B0609020204030204" pitchFamily="49" charset="0"/>
+                  </a:rPr>
+                  <a:t>birthday</a:t>
+                </a:r>
+                <a:r>
+                  <a:rPr lang="de-DE" sz="1200" dirty="0" smtClean="0">
+                    <a:latin typeface="Consolas" panose="020B0609020204030204" pitchFamily="49" charset="0"/>
+                    <a:cs typeface="Consolas" panose="020B0609020204030204" pitchFamily="49" charset="0"/>
+                  </a:rPr>
+                  <a:t> = "1979-11-08"</a:t>
+                </a:r>
+                <a:endParaRPr lang="de-DE" sz="1200" dirty="0" smtClean="0">
+                  <a:latin typeface="Consolas" panose="020B0609020204030204" pitchFamily="49" charset="0"/>
+                  <a:cs typeface="Consolas" panose="020B0609020204030204" pitchFamily="49" charset="0"/>
+                </a:endParaRPr>
+              </a:p>
+            </p:txBody>
+          </p:sp>
+        </p:grpSp>
         <p:sp>
           <p:nvSpPr>
-            <p:cNvPr id="42" name="Textfeld 41"/>
+            <p:cNvPr id="55" name="Textfeld 54"/>
             <p:cNvSpPr txBox="1"/>
             <p:nvPr/>
           </p:nvSpPr>
           <p:spPr>
             <a:xfrm>
-              <a:off x="5808235" y="3224537"/>
-              <a:ext cx="1932117" cy="276999"/>
+              <a:off x="9430406" y="553012"/>
+              <a:ext cx="779381" cy="276999"/>
             </a:xfrm>
             <a:prstGeom prst="rect">
               <a:avLst/>
             </a:prstGeom>
-            <a:grpFill/>
-            <a:ln w="12700">
-              <a:solidFill>
-                <a:schemeClr val="tx1"/>
-              </a:solidFill>
-            </a:ln>
+            <a:noFill/>
           </p:spPr>
           <p:txBody>
-            <a:bodyPr wrap="square" rtlCol="0" anchor="ctr">
+            <a:bodyPr wrap="none" rtlCol="0">
               <a:spAutoFit/>
             </a:bodyPr>
             <a:lstStyle/>
             <a:p>
-              <a:pPr algn="ctr"/>
               <a:r>
-                <a:rPr lang="de-DE" sz="1200" u="sng" smtClean="0">
+                <a:rPr lang="en-US" sz="1200" dirty="0" smtClean="0">
                   <a:latin typeface="Consolas" panose="020B0609020204030204" pitchFamily="49" charset="0"/>
                   <a:cs typeface="Consolas" panose="020B0609020204030204" pitchFamily="49" charset="0"/>
                 </a:rPr>
-                <a:t>p</a:t>
-              </a:r>
-              <a:r>
-                <a:rPr lang="de-DE" sz="1200" u="sng">
-                  <a:latin typeface="Consolas" panose="020B0609020204030204" pitchFamily="49" charset="0"/>
-                  <a:cs typeface="Consolas" panose="020B0609020204030204" pitchFamily="49" charset="0"/>
-                </a:rPr>
-                <a:t>4</a:t>
-              </a:r>
-              <a:r>
-                <a:rPr lang="de-DE" sz="1200" u="sng" smtClean="0">
-                  <a:latin typeface="Consolas" panose="020B0609020204030204" pitchFamily="49" charset="0"/>
-                  <a:cs typeface="Consolas" panose="020B0609020204030204" pitchFamily="49" charset="0"/>
-                </a:rPr>
-                <a:t> : </a:t>
-              </a:r>
-              <a:r>
-                <a:rPr lang="de-DE" sz="1200" u="sng" err="1" smtClean="0">
-                  <a:latin typeface="Consolas" panose="020B0609020204030204" pitchFamily="49" charset="0"/>
-                  <a:cs typeface="Consolas" panose="020B0609020204030204" pitchFamily="49" charset="0"/>
-                </a:rPr>
-                <a:t>Female</a:t>
-              </a:r>
-              <a:endParaRPr lang="de-DE" sz="1200" u="sng" smtClean="0">
-                <a:latin typeface="Consolas" panose="020B0609020204030204" pitchFamily="49" charset="0"/>
-                <a:cs typeface="Consolas" panose="020B0609020204030204" pitchFamily="49" charset="0"/>
-              </a:endParaRPr>
-            </a:p>
-          </p:txBody>
-        </p:sp>
-        <p:sp>
-          <p:nvSpPr>
-            <p:cNvPr id="43" name="Textfeld 42"/>
-            <p:cNvSpPr txBox="1"/>
-            <p:nvPr/>
-          </p:nvSpPr>
-          <p:spPr>
-            <a:xfrm>
-              <a:off x="5808235" y="3501644"/>
-              <a:ext cx="1932117" cy="276999"/>
-            </a:xfrm>
-            <a:prstGeom prst="rect">
-              <a:avLst/>
-            </a:prstGeom>
-            <a:grpFill/>
-            <a:ln w="12700">
-              <a:solidFill>
-                <a:schemeClr val="tx1"/>
-              </a:solidFill>
-            </a:ln>
-          </p:spPr>
-          <p:txBody>
-            <a:bodyPr wrap="square" rtlCol="0" anchor="ctr">
-              <a:spAutoFit/>
-            </a:bodyPr>
-            <a:lstStyle/>
-            <a:p>
-              <a:pPr algn="ctr"/>
-              <a:r>
-                <a:rPr lang="de-DE" sz="1200" err="1" smtClean="0">
-                  <a:latin typeface="Consolas" panose="020B0609020204030204" pitchFamily="49" charset="0"/>
-                  <a:cs typeface="Consolas" panose="020B0609020204030204" pitchFamily="49" charset="0"/>
-                </a:rPr>
-                <a:t>name</a:t>
-              </a:r>
-              <a:r>
-                <a:rPr lang="de-DE" sz="1200" smtClean="0">
-                  <a:latin typeface="Consolas" panose="020B0609020204030204" pitchFamily="49" charset="0"/>
-                  <a:cs typeface="Consolas" panose="020B0609020204030204" pitchFamily="49" charset="0"/>
-                </a:rPr>
-                <a:t> = "Smith, Katie"</a:t>
+                <a:t>persons</a:t>
               </a:r>
             </a:p>
           </p:txBody>
         </p:sp>
       </p:grpSp>
-      <p:grpSp>
-        <p:nvGrpSpPr>
-          <p:cNvPr id="44" name="Gruppieren 43"/>
-          <p:cNvGrpSpPr/>
-          <p:nvPr/>
-        </p:nvGrpSpPr>
-        <p:grpSpPr>
-          <a:xfrm>
-            <a:off x="7217464" y="4167770"/>
-            <a:ext cx="2088233" cy="554106"/>
-            <a:chOff x="5808235" y="3224537"/>
-            <a:chExt cx="1932117" cy="554106"/>
-          </a:xfrm>
-          <a:solidFill>
-            <a:schemeClr val="bg1"/>
-          </a:solidFill>
-        </p:grpSpPr>
-        <p:sp>
-          <p:nvSpPr>
-            <p:cNvPr id="45" name="Textfeld 44"/>
-            <p:cNvSpPr txBox="1"/>
-            <p:nvPr/>
-          </p:nvSpPr>
-          <p:spPr>
-            <a:xfrm>
-              <a:off x="5808235" y="3224537"/>
-              <a:ext cx="1932117" cy="276999"/>
-            </a:xfrm>
-            <a:prstGeom prst="rect">
-              <a:avLst/>
-            </a:prstGeom>
-            <a:grpFill/>
-            <a:ln w="12700">
-              <a:solidFill>
-                <a:schemeClr val="tx1"/>
-              </a:solidFill>
-            </a:ln>
-          </p:spPr>
-          <p:txBody>
-            <a:bodyPr wrap="square" rtlCol="0" anchor="ctr">
-              <a:spAutoFit/>
-            </a:bodyPr>
-            <a:lstStyle/>
-            <a:p>
-              <a:pPr algn="ctr"/>
-              <a:r>
-                <a:rPr lang="de-DE" sz="1200" u="sng" smtClean="0">
-                  <a:latin typeface="Consolas" panose="020B0609020204030204" pitchFamily="49" charset="0"/>
-                  <a:cs typeface="Consolas" panose="020B0609020204030204" pitchFamily="49" charset="0"/>
-                </a:rPr>
-                <a:t>p</a:t>
-              </a:r>
-              <a:r>
-                <a:rPr lang="de-DE" sz="1200" u="sng">
-                  <a:latin typeface="Consolas" panose="020B0609020204030204" pitchFamily="49" charset="0"/>
-                  <a:cs typeface="Consolas" panose="020B0609020204030204" pitchFamily="49" charset="0"/>
-                </a:rPr>
-                <a:t>5</a:t>
-              </a:r>
-              <a:r>
-                <a:rPr lang="de-DE" sz="1200" u="sng" smtClean="0">
-                  <a:latin typeface="Consolas" panose="020B0609020204030204" pitchFamily="49" charset="0"/>
-                  <a:cs typeface="Consolas" panose="020B0609020204030204" pitchFamily="49" charset="0"/>
-                </a:rPr>
-                <a:t> : Male</a:t>
-              </a:r>
-            </a:p>
-          </p:txBody>
-        </p:sp>
-        <p:sp>
-          <p:nvSpPr>
-            <p:cNvPr id="46" name="Textfeld 45"/>
-            <p:cNvSpPr txBox="1"/>
-            <p:nvPr/>
-          </p:nvSpPr>
-          <p:spPr>
-            <a:xfrm>
-              <a:off x="5808235" y="3501644"/>
-              <a:ext cx="1932117" cy="276999"/>
-            </a:xfrm>
-            <a:prstGeom prst="rect">
-              <a:avLst/>
-            </a:prstGeom>
-            <a:grpFill/>
-            <a:ln w="12700">
-              <a:solidFill>
-                <a:schemeClr val="tx1"/>
-              </a:solidFill>
-            </a:ln>
-          </p:spPr>
-          <p:txBody>
-            <a:bodyPr wrap="square" rtlCol="0" anchor="ctr">
-              <a:spAutoFit/>
-            </a:bodyPr>
-            <a:lstStyle/>
-            <a:p>
-              <a:pPr algn="ctr"/>
-              <a:r>
-                <a:rPr lang="de-DE" sz="1200" err="1" smtClean="0">
-                  <a:latin typeface="Consolas" panose="020B0609020204030204" pitchFamily="49" charset="0"/>
-                  <a:cs typeface="Consolas" panose="020B0609020204030204" pitchFamily="49" charset="0"/>
-                </a:rPr>
-                <a:t>name</a:t>
-              </a:r>
-              <a:r>
-                <a:rPr lang="de-DE" sz="1200" smtClean="0">
-                  <a:latin typeface="Consolas" panose="020B0609020204030204" pitchFamily="49" charset="0"/>
-                  <a:cs typeface="Consolas" panose="020B0609020204030204" pitchFamily="49" charset="0"/>
-                </a:rPr>
-                <a:t> = "Smith, John"</a:t>
-              </a:r>
-            </a:p>
-          </p:txBody>
-        </p:sp>
-      </p:grpSp>
-      <p:grpSp>
-        <p:nvGrpSpPr>
-          <p:cNvPr id="47" name="Gruppieren 46"/>
-          <p:cNvGrpSpPr/>
-          <p:nvPr/>
-        </p:nvGrpSpPr>
-        <p:grpSpPr>
-          <a:xfrm>
-            <a:off x="7217464" y="4863849"/>
-            <a:ext cx="2088233" cy="554106"/>
-            <a:chOff x="5808235" y="3224537"/>
-            <a:chExt cx="1932117" cy="554106"/>
-          </a:xfrm>
-          <a:solidFill>
-            <a:schemeClr val="bg1"/>
-          </a:solidFill>
-        </p:grpSpPr>
-        <p:sp>
-          <p:nvSpPr>
-            <p:cNvPr id="48" name="Textfeld 47"/>
-            <p:cNvSpPr txBox="1"/>
-            <p:nvPr/>
-          </p:nvSpPr>
-          <p:spPr>
-            <a:xfrm>
-              <a:off x="5808235" y="3224537"/>
-              <a:ext cx="1932117" cy="276999"/>
-            </a:xfrm>
-            <a:prstGeom prst="rect">
-              <a:avLst/>
-            </a:prstGeom>
-            <a:grpFill/>
-            <a:ln w="12700">
-              <a:solidFill>
-                <a:schemeClr val="tx1"/>
-              </a:solidFill>
-            </a:ln>
-          </p:spPr>
-          <p:txBody>
-            <a:bodyPr wrap="square" rtlCol="0" anchor="ctr">
-              <a:spAutoFit/>
-            </a:bodyPr>
-            <a:lstStyle/>
-            <a:p>
-              <a:pPr algn="ctr"/>
-              <a:r>
-                <a:rPr lang="de-DE" sz="1200" u="sng" smtClean="0">
-                  <a:latin typeface="Consolas" panose="020B0609020204030204" pitchFamily="49" charset="0"/>
-                  <a:cs typeface="Consolas" panose="020B0609020204030204" pitchFamily="49" charset="0"/>
-                </a:rPr>
-                <a:t>p</a:t>
-              </a:r>
-              <a:r>
-                <a:rPr lang="de-DE" sz="1200" u="sng">
-                  <a:latin typeface="Consolas" panose="020B0609020204030204" pitchFamily="49" charset="0"/>
-                  <a:cs typeface="Consolas" panose="020B0609020204030204" pitchFamily="49" charset="0"/>
-                </a:rPr>
-                <a:t>6</a:t>
-              </a:r>
-              <a:r>
-                <a:rPr lang="de-DE" sz="1200" u="sng" smtClean="0">
-                  <a:latin typeface="Consolas" panose="020B0609020204030204" pitchFamily="49" charset="0"/>
-                  <a:cs typeface="Consolas" panose="020B0609020204030204" pitchFamily="49" charset="0"/>
-                </a:rPr>
-                <a:t> : </a:t>
-              </a:r>
-              <a:r>
-                <a:rPr lang="de-DE" sz="1200" u="sng" err="1" smtClean="0">
-                  <a:latin typeface="Consolas" panose="020B0609020204030204" pitchFamily="49" charset="0"/>
-                  <a:cs typeface="Consolas" panose="020B0609020204030204" pitchFamily="49" charset="0"/>
-                </a:rPr>
-                <a:t>Female</a:t>
-              </a:r>
-              <a:endParaRPr lang="de-DE" sz="1200" u="sng" smtClean="0">
-                <a:latin typeface="Consolas" panose="020B0609020204030204" pitchFamily="49" charset="0"/>
-                <a:cs typeface="Consolas" panose="020B0609020204030204" pitchFamily="49" charset="0"/>
-              </a:endParaRPr>
-            </a:p>
-          </p:txBody>
-        </p:sp>
-        <p:sp>
-          <p:nvSpPr>
-            <p:cNvPr id="49" name="Textfeld 48"/>
-            <p:cNvSpPr txBox="1"/>
-            <p:nvPr/>
-          </p:nvSpPr>
-          <p:spPr>
-            <a:xfrm>
-              <a:off x="5808235" y="3501644"/>
-              <a:ext cx="1932117" cy="276999"/>
-            </a:xfrm>
-            <a:prstGeom prst="rect">
-              <a:avLst/>
-            </a:prstGeom>
-            <a:grpFill/>
-            <a:ln w="12700">
-              <a:solidFill>
-                <a:schemeClr val="tx1"/>
-              </a:solidFill>
-            </a:ln>
-          </p:spPr>
-          <p:txBody>
-            <a:bodyPr wrap="square" rtlCol="0" anchor="ctr">
-              <a:spAutoFit/>
-            </a:bodyPr>
-            <a:lstStyle/>
-            <a:p>
-              <a:pPr algn="ctr"/>
-              <a:r>
-                <a:rPr lang="de-DE" sz="1200" err="1" smtClean="0">
-                  <a:latin typeface="Consolas" panose="020B0609020204030204" pitchFamily="49" charset="0"/>
-                  <a:cs typeface="Consolas" panose="020B0609020204030204" pitchFamily="49" charset="0"/>
-                </a:rPr>
-                <a:t>name</a:t>
-              </a:r>
-              <a:r>
-                <a:rPr lang="de-DE" sz="1200" smtClean="0">
-                  <a:latin typeface="Consolas" panose="020B0609020204030204" pitchFamily="49" charset="0"/>
-                  <a:cs typeface="Consolas" panose="020B0609020204030204" pitchFamily="49" charset="0"/>
-                </a:rPr>
-                <a:t> = "Smith, Claire"</a:t>
-              </a:r>
-            </a:p>
-          </p:txBody>
-        </p:sp>
-      </p:grpSp>
-      <p:sp>
-        <p:nvSpPr>
-          <p:cNvPr id="50" name="Textfeld 49"/>
-          <p:cNvSpPr txBox="1"/>
-          <p:nvPr/>
-        </p:nvSpPr>
-        <p:spPr>
-          <a:xfrm>
-            <a:off x="4089847" y="1241491"/>
-            <a:ext cx="694421" cy="276999"/>
-          </a:xfrm>
-          <a:prstGeom prst="rect">
-            <a:avLst/>
-          </a:prstGeom>
-          <a:noFill/>
-        </p:spPr>
-        <p:txBody>
-          <a:bodyPr wrap="none" rtlCol="0">
-            <a:spAutoFit/>
-          </a:bodyPr>
-          <a:lstStyle/>
-          <a:p>
-            <a:r>
-              <a:rPr lang="en-US" sz="1200" smtClean="0">
-                <a:latin typeface="Consolas" panose="020B0609020204030204" pitchFamily="49" charset="0"/>
-                <a:cs typeface="Consolas" panose="020B0609020204030204" pitchFamily="49" charset="0"/>
-              </a:rPr>
-              <a:t>father</a:t>
-            </a:r>
-          </a:p>
-        </p:txBody>
-      </p:sp>
-      <p:sp>
-        <p:nvSpPr>
-          <p:cNvPr id="51" name="Textfeld 50"/>
-          <p:cNvSpPr txBox="1"/>
-          <p:nvPr/>
-        </p:nvSpPr>
-        <p:spPr>
-          <a:xfrm>
-            <a:off x="4089847" y="1947380"/>
-            <a:ext cx="694421" cy="276999"/>
-          </a:xfrm>
-          <a:prstGeom prst="rect">
-            <a:avLst/>
-          </a:prstGeom>
-          <a:noFill/>
-        </p:spPr>
-        <p:txBody>
-          <a:bodyPr wrap="none" rtlCol="0">
-            <a:spAutoFit/>
-          </a:bodyPr>
-          <a:lstStyle/>
-          <a:p>
-            <a:r>
-              <a:rPr lang="en-US" sz="1200" smtClean="0">
-                <a:latin typeface="Consolas" panose="020B0609020204030204" pitchFamily="49" charset="0"/>
-                <a:cs typeface="Consolas" panose="020B0609020204030204" pitchFamily="49" charset="0"/>
-              </a:rPr>
-              <a:t>mother</a:t>
-            </a:r>
-          </a:p>
-        </p:txBody>
-      </p:sp>
-      <p:sp>
-        <p:nvSpPr>
-          <p:cNvPr id="52" name="Textfeld 51"/>
-          <p:cNvSpPr txBox="1"/>
-          <p:nvPr/>
-        </p:nvSpPr>
-        <p:spPr>
-          <a:xfrm>
-            <a:off x="4089847" y="3329723"/>
-            <a:ext cx="949299" cy="276999"/>
-          </a:xfrm>
-          <a:prstGeom prst="rect">
-            <a:avLst/>
-          </a:prstGeom>
-          <a:noFill/>
-        </p:spPr>
-        <p:txBody>
-          <a:bodyPr wrap="none" rtlCol="0">
-            <a:spAutoFit/>
-          </a:bodyPr>
-          <a:lstStyle/>
-          <a:p>
-            <a:r>
-              <a:rPr lang="en-US" sz="1200" smtClean="0">
-                <a:latin typeface="Consolas" panose="020B0609020204030204" pitchFamily="49" charset="0"/>
-                <a:cs typeface="Consolas" panose="020B0609020204030204" pitchFamily="49" charset="0"/>
-              </a:rPr>
-              <a:t>daughters</a:t>
-            </a:r>
-          </a:p>
-        </p:txBody>
-      </p:sp>
-      <p:sp>
-        <p:nvSpPr>
-          <p:cNvPr id="53" name="Textfeld 52"/>
-          <p:cNvSpPr txBox="1"/>
-          <p:nvPr/>
-        </p:nvSpPr>
-        <p:spPr>
-          <a:xfrm>
-            <a:off x="4089847" y="2643815"/>
-            <a:ext cx="524503" cy="276999"/>
-          </a:xfrm>
-          <a:prstGeom prst="rect">
-            <a:avLst/>
-          </a:prstGeom>
-          <a:noFill/>
-        </p:spPr>
-        <p:txBody>
-          <a:bodyPr wrap="none" rtlCol="0">
-            <a:spAutoFit/>
-          </a:bodyPr>
-          <a:lstStyle/>
-          <a:p>
-            <a:r>
-              <a:rPr lang="en-US" sz="1200" smtClean="0">
-                <a:latin typeface="Consolas" panose="020B0609020204030204" pitchFamily="49" charset="0"/>
-                <a:cs typeface="Consolas" panose="020B0609020204030204" pitchFamily="49" charset="0"/>
-              </a:rPr>
-              <a:t>sons</a:t>
-            </a:r>
-          </a:p>
-        </p:txBody>
-      </p:sp>
-      <p:sp>
-        <p:nvSpPr>
-          <p:cNvPr id="54" name="Textfeld 53"/>
-          <p:cNvSpPr txBox="1"/>
-          <p:nvPr/>
-        </p:nvSpPr>
-        <p:spPr>
-          <a:xfrm>
-            <a:off x="1587985" y="1251017"/>
-            <a:ext cx="864340" cy="276999"/>
-          </a:xfrm>
-          <a:prstGeom prst="rect">
-            <a:avLst/>
-          </a:prstGeom>
-          <a:noFill/>
-        </p:spPr>
-        <p:txBody>
-          <a:bodyPr wrap="none" rtlCol="0">
-            <a:spAutoFit/>
-          </a:bodyPr>
-          <a:lstStyle/>
-          <a:p>
-            <a:pPr algn="r"/>
-            <a:r>
-              <a:rPr lang="en-US" sz="1200" dirty="0" smtClean="0">
-                <a:latin typeface="Consolas" panose="020B0609020204030204" pitchFamily="49" charset="0"/>
-                <a:cs typeface="Consolas" panose="020B0609020204030204" pitchFamily="49" charset="0"/>
-              </a:rPr>
-              <a:t>families</a:t>
-            </a:r>
-            <a:endParaRPr lang="en-US" sz="1200" dirty="0" smtClean="0">
-              <a:latin typeface="Consolas" panose="020B0609020204030204" pitchFamily="49" charset="0"/>
-              <a:cs typeface="Consolas" panose="020B0609020204030204" pitchFamily="49" charset="0"/>
-            </a:endParaRPr>
-          </a:p>
-        </p:txBody>
-      </p:sp>
-      <p:sp>
-        <p:nvSpPr>
-          <p:cNvPr id="55" name="Textfeld 54"/>
-          <p:cNvSpPr txBox="1"/>
-          <p:nvPr/>
-        </p:nvSpPr>
-        <p:spPr>
-          <a:xfrm>
-            <a:off x="9294049" y="1242818"/>
-            <a:ext cx="779381" cy="276999"/>
-          </a:xfrm>
-          <a:prstGeom prst="rect">
-            <a:avLst/>
-          </a:prstGeom>
-          <a:noFill/>
-        </p:spPr>
-        <p:txBody>
-          <a:bodyPr wrap="none" rtlCol="0">
-            <a:spAutoFit/>
-          </a:bodyPr>
-          <a:lstStyle/>
-          <a:p>
-            <a:r>
-              <a:rPr lang="en-US" sz="1200" smtClean="0">
-                <a:latin typeface="Consolas" panose="020B0609020204030204" pitchFamily="49" charset="0"/>
-                <a:cs typeface="Consolas" panose="020B0609020204030204" pitchFamily="49" charset="0"/>
-              </a:rPr>
-              <a:t>persons</a:t>
-            </a:r>
-          </a:p>
-        </p:txBody>
-      </p:sp>
       <p:sp>
         <p:nvSpPr>
           <p:cNvPr id="56" name="Raute 55"/>
@@ -5084,7 +4140,7 @@
         </p:nvSpPr>
         <p:spPr>
           <a:xfrm>
-            <a:off x="10025777" y="1251017"/>
+            <a:off x="10186197" y="561211"/>
             <a:ext cx="72008" cy="122919"/>
           </a:xfrm>
           <a:prstGeom prst="diamond">
@@ -5138,7 +4194,7 @@
         </p:nvSpPr>
         <p:spPr>
           <a:xfrm rot="5400000">
-            <a:off x="2295465" y="1036016"/>
+            <a:off x="2295465" y="346210"/>
             <a:ext cx="72008" cy="122919"/>
           </a:xfrm>
           <a:prstGeom prst="diamond">
@@ -5195,7 +4251,7 @@
         </p:nvCxnSpPr>
         <p:spPr>
           <a:xfrm rot="10800000" flipH="1" flipV="1">
-            <a:off x="2270009" y="1097476"/>
+            <a:off x="2270009" y="407670"/>
             <a:ext cx="122919" cy="425934"/>
           </a:xfrm>
           <a:prstGeom prst="bentConnector3">
@@ -5237,12 +4293,12 @@
         </p:nvCxnSpPr>
         <p:spPr>
           <a:xfrm rot="10800000" flipH="1" flipV="1">
-            <a:off x="2270009" y="1097475"/>
-            <a:ext cx="122919" cy="3207801"/>
+            <a:off x="2270009" y="407669"/>
+            <a:ext cx="122919" cy="4359603"/>
           </a:xfrm>
           <a:prstGeom prst="bentConnector3">
             <a:avLst>
-              <a:gd name="adj1" fmla="val -524169"/>
+              <a:gd name="adj1" fmla="val -524168"/>
             </a:avLst>
           </a:prstGeom>
           <a:ln w="12700">
@@ -5279,12 +4335,12 @@
         </p:nvCxnSpPr>
         <p:spPr>
           <a:xfrm rot="10800000" flipH="1" flipV="1">
-            <a:off x="2270009" y="1097475"/>
-            <a:ext cx="122919" cy="3906321"/>
+            <a:off x="2270009" y="407670"/>
+            <a:ext cx="122919" cy="5354204"/>
           </a:xfrm>
           <a:prstGeom prst="bentConnector3">
             <a:avLst>
-              <a:gd name="adj1" fmla="val -524169"/>
+              <a:gd name="adj1" fmla="val -524168"/>
             </a:avLst>
           </a:prstGeom>
           <a:ln w="12700">
@@ -5318,7 +4374,7 @@
         </p:nvSpPr>
         <p:spPr>
           <a:xfrm rot="5400000">
-            <a:off x="3979025" y="1461281"/>
+            <a:off x="3979025" y="771475"/>
             <a:ext cx="72008" cy="122919"/>
           </a:xfrm>
           <a:prstGeom prst="diamond">
@@ -5372,7 +4428,7 @@
         </p:nvSpPr>
         <p:spPr>
           <a:xfrm rot="5400000">
-            <a:off x="3992383" y="4243817"/>
+            <a:off x="3992383" y="4709041"/>
             <a:ext cx="72008" cy="122919"/>
           </a:xfrm>
           <a:prstGeom prst="diamond">
@@ -5429,7 +4485,7 @@
         </p:nvCxnSpPr>
         <p:spPr>
           <a:xfrm>
-            <a:off x="4076489" y="1522741"/>
+            <a:off x="4076489" y="832935"/>
             <a:ext cx="908728" cy="669"/>
           </a:xfrm>
           <a:prstGeom prst="line">
@@ -5469,12 +4525,12 @@
         </p:nvCxnSpPr>
         <p:spPr>
           <a:xfrm>
-            <a:off x="4076489" y="1522741"/>
-            <a:ext cx="908728" cy="696746"/>
+            <a:off x="4076489" y="832935"/>
+            <a:ext cx="908728" cy="978468"/>
           </a:xfrm>
           <a:prstGeom prst="bentConnector3">
             <a:avLst>
-              <a:gd name="adj1" fmla="val 7669"/>
+              <a:gd name="adj1" fmla="val 5867"/>
             </a:avLst>
           </a:prstGeom>
           <a:ln w="12700">
@@ -5511,12 +4567,12 @@
         </p:nvCxnSpPr>
         <p:spPr>
           <a:xfrm>
-            <a:off x="4076489" y="1522741"/>
-            <a:ext cx="908728" cy="1392823"/>
+            <a:off x="4076489" y="832935"/>
+            <a:ext cx="908728" cy="1955909"/>
           </a:xfrm>
           <a:prstGeom prst="bentConnector3">
             <a:avLst>
-              <a:gd name="adj1" fmla="val 7668"/>
+              <a:gd name="adj1" fmla="val 5867"/>
             </a:avLst>
           </a:prstGeom>
           <a:ln w="12700">
@@ -5553,12 +4609,12 @@
         </p:nvCxnSpPr>
         <p:spPr>
           <a:xfrm>
-            <a:off x="4076489" y="1522741"/>
-            <a:ext cx="908728" cy="2088900"/>
+            <a:off x="4076489" y="832935"/>
+            <a:ext cx="908728" cy="2943519"/>
           </a:xfrm>
           <a:prstGeom prst="bentConnector3">
             <a:avLst>
-              <a:gd name="adj1" fmla="val 7669"/>
+              <a:gd name="adj1" fmla="val 5867"/>
             </a:avLst>
           </a:prstGeom>
           <a:ln w="12700">
@@ -5594,9 +4650,9 @@
           <p:nvPr/>
         </p:nvCxnSpPr>
         <p:spPr>
-          <a:xfrm>
-            <a:off x="4089847" y="4305277"/>
-            <a:ext cx="895370" cy="2441"/>
+          <a:xfrm flipV="1">
+            <a:off x="4089847" y="4769714"/>
+            <a:ext cx="895370" cy="787"/>
           </a:xfrm>
           <a:prstGeom prst="bentConnector3">
             <a:avLst>
@@ -5637,12 +4693,12 @@
         </p:nvCxnSpPr>
         <p:spPr>
           <a:xfrm>
-            <a:off x="4089847" y="4305277"/>
-            <a:ext cx="895370" cy="698520"/>
+            <a:off x="4089847" y="4770501"/>
+            <a:ext cx="895370" cy="991373"/>
           </a:xfrm>
           <a:prstGeom prst="bentConnector3">
             <a:avLst>
-              <a:gd name="adj1" fmla="val 7037"/>
+              <a:gd name="adj1" fmla="val 5208"/>
             </a:avLst>
           </a:prstGeom>
           <a:ln w="12700">
@@ -5668,144 +4724,705 @@
           </a:fontRef>
         </p:style>
       </p:cxnSp>
-      <p:sp>
-        <p:nvSpPr>
-          <p:cNvPr id="69" name="Textfeld 68"/>
-          <p:cNvSpPr txBox="1"/>
+      <p:grpSp>
+        <p:nvGrpSpPr>
+          <p:cNvPr id="111" name="Gruppieren 110"/>
+          <p:cNvGrpSpPr/>
           <p:nvPr/>
-        </p:nvSpPr>
-        <p:spPr>
+        </p:nvGrpSpPr>
+        <p:grpSpPr>
           <a:xfrm>
-            <a:off x="4089847" y="4020908"/>
-            <a:ext cx="694421" cy="276999"/>
+            <a:off x="1587985" y="4482146"/>
+            <a:ext cx="5197432" cy="701726"/>
+            <a:chOff x="1587985" y="3330344"/>
+            <a:chExt cx="5197432" cy="701726"/>
           </a:xfrm>
-          <a:prstGeom prst="rect">
-            <a:avLst/>
-          </a:prstGeom>
-          <a:noFill/>
-        </p:spPr>
-        <p:txBody>
-          <a:bodyPr wrap="none" rtlCol="0">
-            <a:spAutoFit/>
-          </a:bodyPr>
-          <a:lstStyle/>
-          <a:p>
-            <a:r>
-              <a:rPr lang="en-US" sz="1200" smtClean="0">
-                <a:latin typeface="Consolas" panose="020B0609020204030204" pitchFamily="49" charset="0"/>
-                <a:cs typeface="Consolas" panose="020B0609020204030204" pitchFamily="49" charset="0"/>
-              </a:rPr>
-              <a:t>father</a:t>
-            </a:r>
-          </a:p>
-        </p:txBody>
-      </p:sp>
-      <p:sp>
-        <p:nvSpPr>
-          <p:cNvPr id="70" name="Textfeld 69"/>
-          <p:cNvSpPr txBox="1"/>
+        </p:grpSpPr>
+        <p:grpSp>
+          <p:nvGrpSpPr>
+            <p:cNvPr id="103" name="Gruppieren 102"/>
+            <p:cNvGrpSpPr/>
+            <p:nvPr/>
+          </p:nvGrpSpPr>
+          <p:grpSpPr>
+            <a:xfrm>
+              <a:off x="4089847" y="3331102"/>
+              <a:ext cx="2695570" cy="700968"/>
+              <a:chOff x="4089847" y="3331102"/>
+              <a:chExt cx="2695570" cy="700968"/>
+            </a:xfrm>
+          </p:grpSpPr>
+          <p:grpSp>
+            <p:nvGrpSpPr>
+              <p:cNvPr id="24" name="Gruppieren 23"/>
+              <p:cNvGrpSpPr/>
+              <p:nvPr/>
+            </p:nvGrpSpPr>
+            <p:grpSpPr>
+              <a:xfrm>
+                <a:off x="4985217" y="3479412"/>
+                <a:ext cx="1800200" cy="552658"/>
+                <a:chOff x="3948358" y="2084199"/>
+                <a:chExt cx="1512168" cy="552658"/>
+              </a:xfrm>
+              <a:solidFill>
+                <a:schemeClr val="bg1"/>
+              </a:solidFill>
+            </p:grpSpPr>
+            <p:sp>
+              <p:nvSpPr>
+                <p:cNvPr id="25" name="Textfeld 24"/>
+                <p:cNvSpPr txBox="1"/>
+                <p:nvPr/>
+              </p:nvSpPr>
+              <p:spPr>
+                <a:xfrm>
+                  <a:off x="3948358" y="2084199"/>
+                  <a:ext cx="1512168" cy="276999"/>
+                </a:xfrm>
+                <a:prstGeom prst="rect">
+                  <a:avLst/>
+                </a:prstGeom>
+                <a:grpFill/>
+                <a:ln w="12700">
+                  <a:solidFill>
+                    <a:schemeClr val="tx1"/>
+                  </a:solidFill>
+                </a:ln>
+              </p:spPr>
+              <p:txBody>
+                <a:bodyPr wrap="square" rtlCol="0" anchor="ctr">
+                  <a:spAutoFit/>
+                </a:bodyPr>
+                <a:lstStyle/>
+                <a:p>
+                  <a:pPr algn="ctr"/>
+                  <a:r>
+                    <a:rPr lang="de-DE" sz="1200" u="sng" smtClean="0">
+                      <a:latin typeface="Consolas" panose="020B0609020204030204" pitchFamily="49" charset="0"/>
+                      <a:cs typeface="Consolas" panose="020B0609020204030204" pitchFamily="49" charset="0"/>
+                    </a:rPr>
+                    <a:t>fm5 : </a:t>
+                  </a:r>
+                  <a:r>
+                    <a:rPr lang="de-DE" sz="1200" u="sng" err="1" smtClean="0">
+                      <a:latin typeface="Consolas" panose="020B0609020204030204" pitchFamily="49" charset="0"/>
+                      <a:cs typeface="Consolas" panose="020B0609020204030204" pitchFamily="49" charset="0"/>
+                    </a:rPr>
+                    <a:t>FamilyMember</a:t>
+                  </a:r>
+                  <a:endParaRPr lang="de-DE" sz="1200" u="sng" smtClean="0">
+                    <a:latin typeface="Consolas" panose="020B0609020204030204" pitchFamily="49" charset="0"/>
+                    <a:cs typeface="Consolas" panose="020B0609020204030204" pitchFamily="49" charset="0"/>
+                  </a:endParaRPr>
+                </a:p>
+              </p:txBody>
+            </p:sp>
+            <p:sp>
+              <p:nvSpPr>
+                <p:cNvPr id="26" name="Textfeld 25"/>
+                <p:cNvSpPr txBox="1"/>
+                <p:nvPr/>
+              </p:nvSpPr>
+              <p:spPr>
+                <a:xfrm>
+                  <a:off x="3948358" y="2359858"/>
+                  <a:ext cx="1512168" cy="276999"/>
+                </a:xfrm>
+                <a:prstGeom prst="rect">
+                  <a:avLst/>
+                </a:prstGeom>
+                <a:grpFill/>
+                <a:ln w="12700">
+                  <a:solidFill>
+                    <a:schemeClr val="tx1"/>
+                  </a:solidFill>
+                </a:ln>
+              </p:spPr>
+              <p:txBody>
+                <a:bodyPr wrap="square" rtlCol="0" anchor="ctr">
+                  <a:spAutoFit/>
+                </a:bodyPr>
+                <a:lstStyle/>
+                <a:p>
+                  <a:r>
+                    <a:rPr lang="de-DE" sz="1200" err="1" smtClean="0">
+                      <a:latin typeface="Consolas" panose="020B0609020204030204" pitchFamily="49" charset="0"/>
+                      <a:cs typeface="Consolas" panose="020B0609020204030204" pitchFamily="49" charset="0"/>
+                    </a:rPr>
+                    <a:t>name</a:t>
+                  </a:r>
+                  <a:r>
+                    <a:rPr lang="de-DE" sz="1200" smtClean="0">
+                      <a:latin typeface="Consolas" panose="020B0609020204030204" pitchFamily="49" charset="0"/>
+                      <a:cs typeface="Consolas" panose="020B0609020204030204" pitchFamily="49" charset="0"/>
+                    </a:rPr>
+                    <a:t> </a:t>
+                  </a:r>
+                  <a:r>
+                    <a:rPr lang="de-DE" sz="1200">
+                      <a:latin typeface="Consolas" panose="020B0609020204030204" pitchFamily="49" charset="0"/>
+                      <a:cs typeface="Consolas" panose="020B0609020204030204" pitchFamily="49" charset="0"/>
+                    </a:rPr>
+                    <a:t>=</a:t>
+                  </a:r>
+                  <a:r>
+                    <a:rPr lang="de-DE" sz="1200" smtClean="0">
+                      <a:latin typeface="Consolas" panose="020B0609020204030204" pitchFamily="49" charset="0"/>
+                      <a:cs typeface="Consolas" panose="020B0609020204030204" pitchFamily="49" charset="0"/>
+                    </a:rPr>
+                    <a:t> "John"</a:t>
+                  </a:r>
+                </a:p>
+              </p:txBody>
+            </p:sp>
+          </p:grpSp>
+          <p:sp>
+            <p:nvSpPr>
+              <p:cNvPr id="69" name="Textfeld 68"/>
+              <p:cNvSpPr txBox="1"/>
+              <p:nvPr/>
+            </p:nvSpPr>
+            <p:spPr>
+              <a:xfrm>
+                <a:off x="4089847" y="3331102"/>
+                <a:ext cx="694421" cy="276999"/>
+              </a:xfrm>
+              <a:prstGeom prst="rect">
+                <a:avLst/>
+              </a:prstGeom>
+              <a:noFill/>
+            </p:spPr>
+            <p:txBody>
+              <a:bodyPr wrap="none" rtlCol="0">
+                <a:spAutoFit/>
+              </a:bodyPr>
+              <a:lstStyle/>
+              <a:p>
+                <a:r>
+                  <a:rPr lang="en-US" sz="1200" dirty="0" smtClean="0">
+                    <a:latin typeface="Consolas" panose="020B0609020204030204" pitchFamily="49" charset="0"/>
+                    <a:cs typeface="Consolas" panose="020B0609020204030204" pitchFamily="49" charset="0"/>
+                  </a:rPr>
+                  <a:t>father</a:t>
+                </a:r>
+              </a:p>
+            </p:txBody>
+          </p:sp>
+        </p:grpSp>
+        <p:grpSp>
+          <p:nvGrpSpPr>
+            <p:cNvPr id="110" name="Gruppieren 109"/>
+            <p:cNvGrpSpPr/>
+            <p:nvPr/>
+          </p:nvGrpSpPr>
+          <p:grpSpPr>
+            <a:xfrm>
+              <a:off x="1587985" y="3330344"/>
+              <a:ext cx="2367561" cy="699285"/>
+              <a:chOff x="1587985" y="3330344"/>
+              <a:chExt cx="2367561" cy="699285"/>
+            </a:xfrm>
+          </p:grpSpPr>
+          <p:grpSp>
+            <p:nvGrpSpPr>
+              <p:cNvPr id="109" name="Gruppieren 108"/>
+              <p:cNvGrpSpPr/>
+              <p:nvPr/>
+            </p:nvGrpSpPr>
+            <p:grpSpPr>
+              <a:xfrm>
+                <a:off x="2392929" y="3476971"/>
+                <a:ext cx="1562617" cy="552658"/>
+                <a:chOff x="2392929" y="3476971"/>
+                <a:chExt cx="1562617" cy="552658"/>
+              </a:xfrm>
+            </p:grpSpPr>
+            <p:sp>
+              <p:nvSpPr>
+                <p:cNvPr id="7" name="Textfeld 6"/>
+                <p:cNvSpPr txBox="1"/>
+                <p:nvPr/>
+              </p:nvSpPr>
+              <p:spPr>
+                <a:xfrm>
+                  <a:off x="2392929" y="3476971"/>
+                  <a:ext cx="1562617" cy="276999"/>
+                </a:xfrm>
+                <a:prstGeom prst="rect">
+                  <a:avLst/>
+                </a:prstGeom>
+                <a:solidFill>
+                  <a:schemeClr val="bg1"/>
+                </a:solidFill>
+                <a:ln w="12700">
+                  <a:solidFill>
+                    <a:schemeClr val="tx1"/>
+                  </a:solidFill>
+                </a:ln>
+              </p:spPr>
+              <p:txBody>
+                <a:bodyPr wrap="square" rtlCol="0" anchor="ctr">
+                  <a:spAutoFit/>
+                </a:bodyPr>
+                <a:lstStyle/>
+                <a:p>
+                  <a:pPr algn="ctr"/>
+                  <a:r>
+                    <a:rPr lang="de-DE" sz="1200" u="sng" smtClean="0">
+                      <a:latin typeface="Consolas" panose="020B0609020204030204" pitchFamily="49" charset="0"/>
+                      <a:cs typeface="Consolas" panose="020B0609020204030204" pitchFamily="49" charset="0"/>
+                    </a:rPr>
+                    <a:t>f2 : Family</a:t>
+                  </a:r>
+                </a:p>
+              </p:txBody>
+            </p:sp>
+            <p:sp>
+              <p:nvSpPr>
+                <p:cNvPr id="8" name="Textfeld 7"/>
+                <p:cNvSpPr txBox="1"/>
+                <p:nvPr/>
+              </p:nvSpPr>
+              <p:spPr>
+                <a:xfrm>
+                  <a:off x="2392929" y="3752630"/>
+                  <a:ext cx="1562617" cy="276999"/>
+                </a:xfrm>
+                <a:prstGeom prst="rect">
+                  <a:avLst/>
+                </a:prstGeom>
+                <a:solidFill>
+                  <a:schemeClr val="bg1"/>
+                </a:solidFill>
+                <a:ln w="12700">
+                  <a:solidFill>
+                    <a:schemeClr val="tx1"/>
+                  </a:solidFill>
+                </a:ln>
+              </p:spPr>
+              <p:txBody>
+                <a:bodyPr wrap="square" rtlCol="0" anchor="ctr">
+                  <a:spAutoFit/>
+                </a:bodyPr>
+                <a:lstStyle/>
+                <a:p>
+                  <a:r>
+                    <a:rPr lang="de-DE" sz="1200" err="1" smtClean="0">
+                      <a:latin typeface="Consolas" panose="020B0609020204030204" pitchFamily="49" charset="0"/>
+                      <a:cs typeface="Consolas" panose="020B0609020204030204" pitchFamily="49" charset="0"/>
+                    </a:rPr>
+                    <a:t>name</a:t>
+                  </a:r>
+                  <a:r>
+                    <a:rPr lang="de-DE" sz="1200" smtClean="0">
+                      <a:latin typeface="Consolas" panose="020B0609020204030204" pitchFamily="49" charset="0"/>
+                      <a:cs typeface="Consolas" panose="020B0609020204030204" pitchFamily="49" charset="0"/>
+                    </a:rPr>
+                    <a:t> </a:t>
+                  </a:r>
+                  <a:r>
+                    <a:rPr lang="de-DE" sz="1200">
+                      <a:latin typeface="Consolas" panose="020B0609020204030204" pitchFamily="49" charset="0"/>
+                      <a:cs typeface="Consolas" panose="020B0609020204030204" pitchFamily="49" charset="0"/>
+                    </a:rPr>
+                    <a:t>=</a:t>
+                  </a:r>
+                  <a:r>
+                    <a:rPr lang="de-DE" sz="1200" smtClean="0">
+                      <a:latin typeface="Consolas" panose="020B0609020204030204" pitchFamily="49" charset="0"/>
+                      <a:cs typeface="Consolas" panose="020B0609020204030204" pitchFamily="49" charset="0"/>
+                    </a:rPr>
+                    <a:t> "Smith"</a:t>
+                  </a:r>
+                </a:p>
+              </p:txBody>
+            </p:sp>
+          </p:grpSp>
+          <p:sp>
+            <p:nvSpPr>
+              <p:cNvPr id="71" name="Textfeld 70"/>
+              <p:cNvSpPr txBox="1"/>
+              <p:nvPr/>
+            </p:nvSpPr>
+            <p:spPr>
+              <a:xfrm>
+                <a:off x="1587985" y="3330344"/>
+                <a:ext cx="864340" cy="276999"/>
+              </a:xfrm>
+              <a:prstGeom prst="rect">
+                <a:avLst/>
+              </a:prstGeom>
+              <a:noFill/>
+            </p:spPr>
+            <p:txBody>
+              <a:bodyPr wrap="none" rtlCol="0">
+                <a:spAutoFit/>
+              </a:bodyPr>
+              <a:lstStyle/>
+              <a:p>
+                <a:pPr algn="r"/>
+                <a:r>
+                  <a:rPr lang="en-US" sz="1200" dirty="0" smtClean="0">
+                    <a:latin typeface="Consolas" panose="020B0609020204030204" pitchFamily="49" charset="0"/>
+                    <a:cs typeface="Consolas" panose="020B0609020204030204" pitchFamily="49" charset="0"/>
+                  </a:rPr>
+                  <a:t>families</a:t>
+                </a:r>
+              </a:p>
+            </p:txBody>
+          </p:sp>
+        </p:grpSp>
+      </p:grpSp>
+      <p:grpSp>
+        <p:nvGrpSpPr>
+          <p:cNvPr id="112" name="Gruppieren 111"/>
+          <p:cNvGrpSpPr/>
           <p:nvPr/>
-        </p:nvSpPr>
-        <p:spPr>
+        </p:nvGrpSpPr>
+        <p:grpSpPr>
           <a:xfrm>
-            <a:off x="4089847" y="4726797"/>
-            <a:ext cx="694421" cy="276999"/>
+            <a:off x="1587985" y="5475407"/>
+            <a:ext cx="5197432" cy="700625"/>
+            <a:chOff x="1587985" y="4027524"/>
+            <a:chExt cx="5197432" cy="700625"/>
           </a:xfrm>
-          <a:prstGeom prst="rect">
-            <a:avLst/>
-          </a:prstGeom>
-          <a:noFill/>
-        </p:spPr>
-        <p:txBody>
-          <a:bodyPr wrap="none" rtlCol="0">
-            <a:spAutoFit/>
-          </a:bodyPr>
-          <a:lstStyle/>
-          <a:p>
-            <a:r>
-              <a:rPr lang="en-US" sz="1200" smtClean="0">
-                <a:latin typeface="Consolas" panose="020B0609020204030204" pitchFamily="49" charset="0"/>
-                <a:cs typeface="Consolas" panose="020B0609020204030204" pitchFamily="49" charset="0"/>
-              </a:rPr>
-              <a:t>mother</a:t>
-            </a:r>
-          </a:p>
-        </p:txBody>
-      </p:sp>
-      <p:sp>
-        <p:nvSpPr>
-          <p:cNvPr id="71" name="Textfeld 70"/>
-          <p:cNvSpPr txBox="1"/>
-          <p:nvPr/>
-        </p:nvSpPr>
-        <p:spPr>
-          <a:xfrm>
-            <a:off x="1587985" y="4020150"/>
-            <a:ext cx="864340" cy="276999"/>
-          </a:xfrm>
-          <a:prstGeom prst="rect">
-            <a:avLst/>
-          </a:prstGeom>
-          <a:noFill/>
-        </p:spPr>
-        <p:txBody>
-          <a:bodyPr wrap="none" rtlCol="0">
-            <a:spAutoFit/>
-          </a:bodyPr>
-          <a:lstStyle/>
-          <a:p>
-            <a:pPr algn="r"/>
-            <a:r>
-              <a:rPr lang="en-US" sz="1200" dirty="0" smtClean="0">
-                <a:latin typeface="Consolas" panose="020B0609020204030204" pitchFamily="49" charset="0"/>
-                <a:cs typeface="Consolas" panose="020B0609020204030204" pitchFamily="49" charset="0"/>
-              </a:rPr>
-              <a:t>families</a:t>
-            </a:r>
-            <a:endParaRPr lang="en-US" sz="1200" dirty="0" smtClean="0">
-              <a:latin typeface="Consolas" panose="020B0609020204030204" pitchFamily="49" charset="0"/>
-              <a:cs typeface="Consolas" panose="020B0609020204030204" pitchFamily="49" charset="0"/>
-            </a:endParaRPr>
-          </a:p>
-        </p:txBody>
-      </p:sp>
-      <p:sp>
-        <p:nvSpPr>
-          <p:cNvPr id="72" name="Textfeld 71"/>
-          <p:cNvSpPr txBox="1"/>
-          <p:nvPr/>
-        </p:nvSpPr>
-        <p:spPr>
-          <a:xfrm>
-            <a:off x="1587985" y="4717330"/>
-            <a:ext cx="864340" cy="276999"/>
-          </a:xfrm>
-          <a:prstGeom prst="rect">
-            <a:avLst/>
-          </a:prstGeom>
-          <a:noFill/>
-        </p:spPr>
-        <p:txBody>
-          <a:bodyPr wrap="none" rtlCol="0">
-            <a:spAutoFit/>
-          </a:bodyPr>
-          <a:lstStyle/>
-          <a:p>
-            <a:pPr algn="r"/>
-            <a:r>
-              <a:rPr lang="en-US" sz="1200" dirty="0" smtClean="0">
-                <a:latin typeface="Consolas" panose="020B0609020204030204" pitchFamily="49" charset="0"/>
-                <a:cs typeface="Consolas" panose="020B0609020204030204" pitchFamily="49" charset="0"/>
-              </a:rPr>
-              <a:t>families</a:t>
-            </a:r>
-            <a:endParaRPr lang="en-US" sz="1200" dirty="0" smtClean="0">
-              <a:latin typeface="Consolas" panose="020B0609020204030204" pitchFamily="49" charset="0"/>
-              <a:cs typeface="Consolas" panose="020B0609020204030204" pitchFamily="49" charset="0"/>
-            </a:endParaRPr>
-          </a:p>
-        </p:txBody>
-      </p:sp>
+        </p:grpSpPr>
+        <p:grpSp>
+          <p:nvGrpSpPr>
+            <p:cNvPr id="102" name="Gruppieren 101"/>
+            <p:cNvGrpSpPr/>
+            <p:nvPr/>
+          </p:nvGrpSpPr>
+          <p:grpSpPr>
+            <a:xfrm>
+              <a:off x="4089847" y="4036991"/>
+              <a:ext cx="2695570" cy="691158"/>
+              <a:chOff x="4089847" y="4036991"/>
+              <a:chExt cx="2695570" cy="691158"/>
+            </a:xfrm>
+          </p:grpSpPr>
+          <p:grpSp>
+            <p:nvGrpSpPr>
+              <p:cNvPr id="27" name="Gruppieren 26"/>
+              <p:cNvGrpSpPr/>
+              <p:nvPr/>
+            </p:nvGrpSpPr>
+            <p:grpSpPr>
+              <a:xfrm>
+                <a:off x="4985217" y="4175491"/>
+                <a:ext cx="1800200" cy="552658"/>
+                <a:chOff x="3948358" y="2084199"/>
+                <a:chExt cx="1512168" cy="552658"/>
+              </a:xfrm>
+              <a:solidFill>
+                <a:schemeClr val="bg1"/>
+              </a:solidFill>
+            </p:grpSpPr>
+            <p:sp>
+              <p:nvSpPr>
+                <p:cNvPr id="28" name="Textfeld 27"/>
+                <p:cNvSpPr txBox="1"/>
+                <p:nvPr/>
+              </p:nvSpPr>
+              <p:spPr>
+                <a:xfrm>
+                  <a:off x="3948358" y="2084199"/>
+                  <a:ext cx="1512168" cy="276999"/>
+                </a:xfrm>
+                <a:prstGeom prst="rect">
+                  <a:avLst/>
+                </a:prstGeom>
+                <a:grpFill/>
+                <a:ln w="12700">
+                  <a:solidFill>
+                    <a:schemeClr val="tx1"/>
+                  </a:solidFill>
+                </a:ln>
+              </p:spPr>
+              <p:txBody>
+                <a:bodyPr wrap="square" rtlCol="0" anchor="ctr">
+                  <a:spAutoFit/>
+                </a:bodyPr>
+                <a:lstStyle/>
+                <a:p>
+                  <a:pPr algn="ctr"/>
+                  <a:r>
+                    <a:rPr lang="de-DE" sz="1200" u="sng" smtClean="0">
+                      <a:latin typeface="Consolas" panose="020B0609020204030204" pitchFamily="49" charset="0"/>
+                      <a:cs typeface="Consolas" panose="020B0609020204030204" pitchFamily="49" charset="0"/>
+                    </a:rPr>
+                    <a:t>fm6 : </a:t>
+                  </a:r>
+                  <a:r>
+                    <a:rPr lang="de-DE" sz="1200" u="sng" err="1" smtClean="0">
+                      <a:latin typeface="Consolas" panose="020B0609020204030204" pitchFamily="49" charset="0"/>
+                      <a:cs typeface="Consolas" panose="020B0609020204030204" pitchFamily="49" charset="0"/>
+                    </a:rPr>
+                    <a:t>FamilyMember</a:t>
+                  </a:r>
+                  <a:endParaRPr lang="de-DE" sz="1200" u="sng" smtClean="0">
+                    <a:latin typeface="Consolas" panose="020B0609020204030204" pitchFamily="49" charset="0"/>
+                    <a:cs typeface="Consolas" panose="020B0609020204030204" pitchFamily="49" charset="0"/>
+                  </a:endParaRPr>
+                </a:p>
+              </p:txBody>
+            </p:sp>
+            <p:sp>
+              <p:nvSpPr>
+                <p:cNvPr id="29" name="Textfeld 28"/>
+                <p:cNvSpPr txBox="1"/>
+                <p:nvPr/>
+              </p:nvSpPr>
+              <p:spPr>
+                <a:xfrm>
+                  <a:off x="3948358" y="2359858"/>
+                  <a:ext cx="1512168" cy="276999"/>
+                </a:xfrm>
+                <a:prstGeom prst="rect">
+                  <a:avLst/>
+                </a:prstGeom>
+                <a:grpFill/>
+                <a:ln w="12700">
+                  <a:solidFill>
+                    <a:schemeClr val="tx1"/>
+                  </a:solidFill>
+                </a:ln>
+              </p:spPr>
+              <p:txBody>
+                <a:bodyPr wrap="square" rtlCol="0" anchor="ctr">
+                  <a:spAutoFit/>
+                </a:bodyPr>
+                <a:lstStyle/>
+                <a:p>
+                  <a:r>
+                    <a:rPr lang="de-DE" sz="1200" err="1" smtClean="0">
+                      <a:latin typeface="Consolas" panose="020B0609020204030204" pitchFamily="49" charset="0"/>
+                      <a:cs typeface="Consolas" panose="020B0609020204030204" pitchFamily="49" charset="0"/>
+                    </a:rPr>
+                    <a:t>name</a:t>
+                  </a:r>
+                  <a:r>
+                    <a:rPr lang="de-DE" sz="1200" smtClean="0">
+                      <a:latin typeface="Consolas" panose="020B0609020204030204" pitchFamily="49" charset="0"/>
+                      <a:cs typeface="Consolas" panose="020B0609020204030204" pitchFamily="49" charset="0"/>
+                    </a:rPr>
+                    <a:t> </a:t>
+                  </a:r>
+                  <a:r>
+                    <a:rPr lang="de-DE" sz="1200">
+                      <a:latin typeface="Consolas" panose="020B0609020204030204" pitchFamily="49" charset="0"/>
+                      <a:cs typeface="Consolas" panose="020B0609020204030204" pitchFamily="49" charset="0"/>
+                    </a:rPr>
+                    <a:t>=</a:t>
+                  </a:r>
+                  <a:r>
+                    <a:rPr lang="de-DE" sz="1200" smtClean="0">
+                      <a:latin typeface="Consolas" panose="020B0609020204030204" pitchFamily="49" charset="0"/>
+                      <a:cs typeface="Consolas" panose="020B0609020204030204" pitchFamily="49" charset="0"/>
+                    </a:rPr>
+                    <a:t> "Claire"</a:t>
+                  </a:r>
+                </a:p>
+              </p:txBody>
+            </p:sp>
+          </p:grpSp>
+          <p:sp>
+            <p:nvSpPr>
+              <p:cNvPr id="70" name="Textfeld 69"/>
+              <p:cNvSpPr txBox="1"/>
+              <p:nvPr/>
+            </p:nvSpPr>
+            <p:spPr>
+              <a:xfrm>
+                <a:off x="4089847" y="4036991"/>
+                <a:ext cx="694421" cy="276999"/>
+              </a:xfrm>
+              <a:prstGeom prst="rect">
+                <a:avLst/>
+              </a:prstGeom>
+              <a:noFill/>
+            </p:spPr>
+            <p:txBody>
+              <a:bodyPr wrap="none" rtlCol="0">
+                <a:spAutoFit/>
+              </a:bodyPr>
+              <a:lstStyle/>
+              <a:p>
+                <a:r>
+                  <a:rPr lang="en-US" sz="1200" smtClean="0">
+                    <a:latin typeface="Consolas" panose="020B0609020204030204" pitchFamily="49" charset="0"/>
+                    <a:cs typeface="Consolas" panose="020B0609020204030204" pitchFamily="49" charset="0"/>
+                  </a:rPr>
+                  <a:t>mother</a:t>
+                </a:r>
+              </a:p>
+            </p:txBody>
+          </p:sp>
+        </p:grpSp>
+        <p:grpSp>
+          <p:nvGrpSpPr>
+            <p:cNvPr id="108" name="Gruppieren 107"/>
+            <p:cNvGrpSpPr/>
+            <p:nvPr/>
+          </p:nvGrpSpPr>
+          <p:grpSpPr>
+            <a:xfrm>
+              <a:off x="1587985" y="4027524"/>
+              <a:ext cx="2367561" cy="700625"/>
+              <a:chOff x="1587985" y="4027524"/>
+              <a:chExt cx="2367561" cy="700625"/>
+            </a:xfrm>
+          </p:grpSpPr>
+          <p:grpSp>
+            <p:nvGrpSpPr>
+              <p:cNvPr id="9" name="Gruppieren 8"/>
+              <p:cNvGrpSpPr/>
+              <p:nvPr/>
+            </p:nvGrpSpPr>
+            <p:grpSpPr>
+              <a:xfrm>
+                <a:off x="2392929" y="4175491"/>
+                <a:ext cx="1562617" cy="552658"/>
+                <a:chOff x="3948358" y="2084199"/>
+                <a:chExt cx="1512168" cy="552658"/>
+              </a:xfrm>
+              <a:solidFill>
+                <a:schemeClr val="bg1"/>
+              </a:solidFill>
+            </p:grpSpPr>
+            <p:sp>
+              <p:nvSpPr>
+                <p:cNvPr id="10" name="Textfeld 9"/>
+                <p:cNvSpPr txBox="1"/>
+                <p:nvPr/>
+              </p:nvSpPr>
+              <p:spPr>
+                <a:xfrm>
+                  <a:off x="3948358" y="2084199"/>
+                  <a:ext cx="1512168" cy="276999"/>
+                </a:xfrm>
+                <a:prstGeom prst="rect">
+                  <a:avLst/>
+                </a:prstGeom>
+                <a:grpFill/>
+                <a:ln w="12700">
+                  <a:solidFill>
+                    <a:schemeClr val="tx1"/>
+                  </a:solidFill>
+                </a:ln>
+              </p:spPr>
+              <p:txBody>
+                <a:bodyPr wrap="square" rtlCol="0" anchor="ctr">
+                  <a:spAutoFit/>
+                </a:bodyPr>
+                <a:lstStyle/>
+                <a:p>
+                  <a:pPr algn="ctr"/>
+                  <a:r>
+                    <a:rPr lang="de-DE" sz="1200" u="sng" smtClean="0">
+                      <a:latin typeface="Consolas" panose="020B0609020204030204" pitchFamily="49" charset="0"/>
+                      <a:cs typeface="Consolas" panose="020B0609020204030204" pitchFamily="49" charset="0"/>
+                    </a:rPr>
+                    <a:t>f3 : Family</a:t>
+                  </a:r>
+                </a:p>
+              </p:txBody>
+            </p:sp>
+            <p:sp>
+              <p:nvSpPr>
+                <p:cNvPr id="11" name="Textfeld 10"/>
+                <p:cNvSpPr txBox="1"/>
+                <p:nvPr/>
+              </p:nvSpPr>
+              <p:spPr>
+                <a:xfrm>
+                  <a:off x="3948358" y="2359858"/>
+                  <a:ext cx="1512168" cy="276999"/>
+                </a:xfrm>
+                <a:prstGeom prst="rect">
+                  <a:avLst/>
+                </a:prstGeom>
+                <a:grpFill/>
+                <a:ln w="12700">
+                  <a:solidFill>
+                    <a:schemeClr val="tx1"/>
+                  </a:solidFill>
+                </a:ln>
+              </p:spPr>
+              <p:txBody>
+                <a:bodyPr wrap="square" rtlCol="0" anchor="ctr">
+                  <a:spAutoFit/>
+                </a:bodyPr>
+                <a:lstStyle/>
+                <a:p>
+                  <a:r>
+                    <a:rPr lang="de-DE" sz="1200" dirty="0" err="1" smtClean="0">
+                      <a:latin typeface="Consolas" panose="020B0609020204030204" pitchFamily="49" charset="0"/>
+                      <a:cs typeface="Consolas" panose="020B0609020204030204" pitchFamily="49" charset="0"/>
+                    </a:rPr>
+                    <a:t>name</a:t>
+                  </a:r>
+                  <a:r>
+                    <a:rPr lang="de-DE" sz="1200" dirty="0" smtClean="0">
+                      <a:latin typeface="Consolas" panose="020B0609020204030204" pitchFamily="49" charset="0"/>
+                      <a:cs typeface="Consolas" panose="020B0609020204030204" pitchFamily="49" charset="0"/>
+                    </a:rPr>
+                    <a:t> </a:t>
+                  </a:r>
+                  <a:r>
+                    <a:rPr lang="de-DE" sz="1200" dirty="0">
+                      <a:latin typeface="Consolas" panose="020B0609020204030204" pitchFamily="49" charset="0"/>
+                      <a:cs typeface="Consolas" panose="020B0609020204030204" pitchFamily="49" charset="0"/>
+                    </a:rPr>
+                    <a:t>=</a:t>
+                  </a:r>
+                  <a:r>
+                    <a:rPr lang="de-DE" sz="1200" dirty="0" smtClean="0">
+                      <a:latin typeface="Consolas" panose="020B0609020204030204" pitchFamily="49" charset="0"/>
+                      <a:cs typeface="Consolas" panose="020B0609020204030204" pitchFamily="49" charset="0"/>
+                    </a:rPr>
+                    <a:t> "Miller"</a:t>
+                  </a:r>
+                </a:p>
+              </p:txBody>
+            </p:sp>
+          </p:grpSp>
+          <p:sp>
+            <p:nvSpPr>
+              <p:cNvPr id="72" name="Textfeld 71"/>
+              <p:cNvSpPr txBox="1"/>
+              <p:nvPr/>
+            </p:nvSpPr>
+            <p:spPr>
+              <a:xfrm>
+                <a:off x="1587985" y="4027524"/>
+                <a:ext cx="864340" cy="276999"/>
+              </a:xfrm>
+              <a:prstGeom prst="rect">
+                <a:avLst/>
+              </a:prstGeom>
+              <a:noFill/>
+            </p:spPr>
+            <p:txBody>
+              <a:bodyPr wrap="none" rtlCol="0">
+                <a:spAutoFit/>
+              </a:bodyPr>
+              <a:lstStyle/>
+              <a:p>
+                <a:pPr algn="r"/>
+                <a:r>
+                  <a:rPr lang="en-US" sz="1200" dirty="0" smtClean="0">
+                    <a:latin typeface="Consolas" panose="020B0609020204030204" pitchFamily="49" charset="0"/>
+                    <a:cs typeface="Consolas" panose="020B0609020204030204" pitchFamily="49" charset="0"/>
+                  </a:rPr>
+                  <a:t>families</a:t>
+                </a:r>
+              </a:p>
+            </p:txBody>
+          </p:sp>
+        </p:grpSp>
+      </p:grpSp>
       <p:cxnSp>
         <p:nvCxnSpPr>
           <p:cNvPr id="73" name="Gewinkelte Verbindung 72"/>
@@ -5817,8 +5434,8 @@
         </p:nvCxnSpPr>
         <p:spPr>
           <a:xfrm rot="5400000">
-            <a:off x="9609726" y="1069907"/>
-            <a:ext cx="148026" cy="756084"/>
+            <a:off x="9749456" y="359411"/>
+            <a:ext cx="148026" cy="797464"/>
           </a:xfrm>
           <a:prstGeom prst="bentConnector2">
             <a:avLst/>
@@ -5857,8 +5474,8 @@
         </p:nvCxnSpPr>
         <p:spPr>
           <a:xfrm rot="5400000">
-            <a:off x="9261688" y="1417945"/>
-            <a:ext cx="844103" cy="756084"/>
+            <a:off x="9278414" y="830453"/>
+            <a:ext cx="1090111" cy="797464"/>
           </a:xfrm>
           <a:prstGeom prst="bentConnector2">
             <a:avLst/>
@@ -5897,8 +5514,8 @@
         </p:nvCxnSpPr>
         <p:spPr>
           <a:xfrm rot="5400000">
-            <a:off x="8913649" y="1765984"/>
-            <a:ext cx="1540180" cy="756084"/>
+            <a:off x="8801890" y="1306977"/>
+            <a:ext cx="2043159" cy="797464"/>
           </a:xfrm>
           <a:prstGeom prst="bentConnector2">
             <a:avLst/>
@@ -5937,8 +5554,8 @@
         </p:nvCxnSpPr>
         <p:spPr>
           <a:xfrm rot="5400000">
-            <a:off x="8565611" y="2114022"/>
-            <a:ext cx="2236257" cy="756084"/>
+            <a:off x="8327374" y="1781493"/>
+            <a:ext cx="2992191" cy="797464"/>
           </a:xfrm>
           <a:prstGeom prst="bentConnector2">
             <a:avLst/>
@@ -5977,8 +5594,8 @@
         </p:nvCxnSpPr>
         <p:spPr>
           <a:xfrm rot="5400000">
-            <a:off x="8217572" y="2462061"/>
-            <a:ext cx="2932334" cy="756084"/>
+            <a:off x="7853179" y="2255688"/>
+            <a:ext cx="3940581" cy="797464"/>
           </a:xfrm>
           <a:prstGeom prst="bentConnector2">
             <a:avLst/>
@@ -6017,8 +5634,8 @@
         </p:nvCxnSpPr>
         <p:spPr>
           <a:xfrm rot="5400000">
-            <a:off x="7869533" y="2810100"/>
-            <a:ext cx="3628413" cy="756084"/>
+            <a:off x="7379614" y="2729253"/>
+            <a:ext cx="4887711" cy="797464"/>
           </a:xfrm>
           <a:prstGeom prst="bentConnector2">
             <a:avLst/>
@@ -6048,13 +5665,151 @@
       </p:cxnSp>
       <p:sp>
         <p:nvSpPr>
+          <p:cNvPr id="36" name="Textfeld 35"/>
+          <p:cNvSpPr txBox="1"/>
+          <p:nvPr/>
+        </p:nvSpPr>
+        <p:spPr>
+          <a:xfrm>
+            <a:off x="7217464" y="1635741"/>
+            <a:ext cx="2207273" cy="276999"/>
+          </a:xfrm>
+          <a:prstGeom prst="rect">
+            <a:avLst/>
+          </a:prstGeom>
+          <a:solidFill>
+            <a:schemeClr val="bg1"/>
+          </a:solidFill>
+          <a:ln w="12700">
+            <a:solidFill>
+              <a:schemeClr val="tx1"/>
+            </a:solidFill>
+          </a:ln>
+        </p:spPr>
+        <p:txBody>
+          <a:bodyPr wrap="square" rtlCol="0" anchor="ctr">
+            <a:spAutoFit/>
+          </a:bodyPr>
+          <a:lstStyle/>
+          <a:p>
+            <a:pPr algn="ctr"/>
+            <a:r>
+              <a:rPr lang="de-DE" sz="1200" u="sng" smtClean="0">
+                <a:latin typeface="Consolas" panose="020B0609020204030204" pitchFamily="49" charset="0"/>
+                <a:cs typeface="Consolas" panose="020B0609020204030204" pitchFamily="49" charset="0"/>
+              </a:rPr>
+              <a:t>p</a:t>
+            </a:r>
+            <a:r>
+              <a:rPr lang="de-DE" sz="1200" u="sng">
+                <a:latin typeface="Consolas" panose="020B0609020204030204" pitchFamily="49" charset="0"/>
+                <a:cs typeface="Consolas" panose="020B0609020204030204" pitchFamily="49" charset="0"/>
+              </a:rPr>
+              <a:t>2</a:t>
+            </a:r>
+            <a:r>
+              <a:rPr lang="de-DE" sz="1200" u="sng" smtClean="0">
+                <a:latin typeface="Consolas" panose="020B0609020204030204" pitchFamily="49" charset="0"/>
+                <a:cs typeface="Consolas" panose="020B0609020204030204" pitchFamily="49" charset="0"/>
+              </a:rPr>
+              <a:t> : </a:t>
+            </a:r>
+            <a:r>
+              <a:rPr lang="de-DE" sz="1200" u="sng" err="1" smtClean="0">
+                <a:latin typeface="Consolas" panose="020B0609020204030204" pitchFamily="49" charset="0"/>
+                <a:cs typeface="Consolas" panose="020B0609020204030204" pitchFamily="49" charset="0"/>
+              </a:rPr>
+              <a:t>Female</a:t>
+            </a:r>
+            <a:endParaRPr lang="de-DE" sz="1200" u="sng" smtClean="0">
+              <a:latin typeface="Consolas" panose="020B0609020204030204" pitchFamily="49" charset="0"/>
+              <a:cs typeface="Consolas" panose="020B0609020204030204" pitchFamily="49" charset="0"/>
+            </a:endParaRPr>
+          </a:p>
+        </p:txBody>
+      </p:sp>
+      <p:sp>
+        <p:nvSpPr>
+          <p:cNvPr id="37" name="Textfeld 36"/>
+          <p:cNvSpPr txBox="1"/>
+          <p:nvPr/>
+        </p:nvSpPr>
+        <p:spPr>
+          <a:xfrm>
+            <a:off x="7217464" y="1908746"/>
+            <a:ext cx="2207273" cy="461665"/>
+          </a:xfrm>
+          <a:prstGeom prst="rect">
+            <a:avLst/>
+          </a:prstGeom>
+          <a:solidFill>
+            <a:schemeClr val="bg1"/>
+          </a:solidFill>
+          <a:ln w="12700">
+            <a:solidFill>
+              <a:schemeClr val="tx1"/>
+            </a:solidFill>
+          </a:ln>
+        </p:spPr>
+        <p:txBody>
+          <a:bodyPr wrap="square" rtlCol="0" anchor="ctr">
+            <a:spAutoFit/>
+          </a:bodyPr>
+          <a:lstStyle/>
+          <a:p>
+            <a:r>
+              <a:rPr lang="de-DE" sz="1200" dirty="0" err="1" smtClean="0">
+                <a:latin typeface="Consolas" panose="020B0609020204030204" pitchFamily="49" charset="0"/>
+                <a:cs typeface="Consolas" panose="020B0609020204030204" pitchFamily="49" charset="0"/>
+              </a:rPr>
+              <a:t>name</a:t>
+            </a:r>
+            <a:r>
+              <a:rPr lang="de-DE" sz="1200" dirty="0" smtClean="0">
+                <a:latin typeface="Consolas" panose="020B0609020204030204" pitchFamily="49" charset="0"/>
+                <a:cs typeface="Consolas" panose="020B0609020204030204" pitchFamily="49" charset="0"/>
+              </a:rPr>
+              <a:t> = "Smith, Mary</a:t>
+            </a:r>
+            <a:r>
+              <a:rPr lang="de-DE" sz="1200" dirty="0" smtClean="0">
+                <a:latin typeface="Consolas" panose="020B0609020204030204" pitchFamily="49" charset="0"/>
+                <a:cs typeface="Consolas" panose="020B0609020204030204" pitchFamily="49" charset="0"/>
+              </a:rPr>
+              <a:t>"</a:t>
+            </a:r>
+          </a:p>
+          <a:p>
+            <a:r>
+              <a:rPr lang="de-DE" sz="1200" dirty="0" err="1" smtClean="0">
+                <a:latin typeface="Consolas" panose="020B0609020204030204" pitchFamily="49" charset="0"/>
+                <a:cs typeface="Consolas" panose="020B0609020204030204" pitchFamily="49" charset="0"/>
+              </a:rPr>
+              <a:t>birthday</a:t>
+            </a:r>
+            <a:r>
+              <a:rPr lang="de-DE" sz="1200" dirty="0" smtClean="0">
+                <a:latin typeface="Consolas" panose="020B0609020204030204" pitchFamily="49" charset="0"/>
+                <a:cs typeface="Consolas" panose="020B0609020204030204" pitchFamily="49" charset="0"/>
+              </a:rPr>
+              <a:t> = "1980-07-23"</a:t>
+            </a:r>
+            <a:endParaRPr lang="de-DE" sz="1200" dirty="0" smtClean="0">
+              <a:latin typeface="Consolas" panose="020B0609020204030204" pitchFamily="49" charset="0"/>
+              <a:cs typeface="Consolas" panose="020B0609020204030204" pitchFamily="49" charset="0"/>
+            </a:endParaRPr>
+          </a:p>
+        </p:txBody>
+      </p:sp>
+      <p:sp>
+        <p:nvSpPr>
           <p:cNvPr id="79" name="Textfeld 78"/>
           <p:cNvSpPr txBox="1"/>
           <p:nvPr/>
         </p:nvSpPr>
         <p:spPr>
           <a:xfrm>
-            <a:off x="9294049" y="1933705"/>
+            <a:off x="9430406" y="1489907"/>
             <a:ext cx="779381" cy="276999"/>
           </a:xfrm>
           <a:prstGeom prst="rect">
@@ -6069,7 +5824,7 @@
           <a:lstStyle/>
           <a:p>
             <a:r>
-              <a:rPr lang="en-US" sz="1200" smtClean="0">
+              <a:rPr lang="en-US" sz="1200" dirty="0" smtClean="0">
                 <a:latin typeface="Consolas" panose="020B0609020204030204" pitchFamily="49" charset="0"/>
                 <a:cs typeface="Consolas" panose="020B0609020204030204" pitchFamily="49" charset="0"/>
               </a:rPr>
@@ -6080,13 +5835,140 @@
       </p:sp>
       <p:sp>
         <p:nvSpPr>
+          <p:cNvPr id="39" name="Textfeld 38"/>
+          <p:cNvSpPr txBox="1"/>
+          <p:nvPr/>
+        </p:nvSpPr>
+        <p:spPr>
+          <a:xfrm>
+            <a:off x="7217464" y="2588789"/>
+            <a:ext cx="2207273" cy="276999"/>
+          </a:xfrm>
+          <a:prstGeom prst="rect">
+            <a:avLst/>
+          </a:prstGeom>
+          <a:solidFill>
+            <a:schemeClr val="bg1"/>
+          </a:solidFill>
+          <a:ln w="12700">
+            <a:solidFill>
+              <a:schemeClr val="tx1"/>
+            </a:solidFill>
+          </a:ln>
+        </p:spPr>
+        <p:txBody>
+          <a:bodyPr wrap="square" rtlCol="0" anchor="ctr">
+            <a:spAutoFit/>
+          </a:bodyPr>
+          <a:lstStyle/>
+          <a:p>
+            <a:pPr algn="ctr"/>
+            <a:r>
+              <a:rPr lang="de-DE" sz="1200" u="sng" smtClean="0">
+                <a:latin typeface="Consolas" panose="020B0609020204030204" pitchFamily="49" charset="0"/>
+                <a:cs typeface="Consolas" panose="020B0609020204030204" pitchFamily="49" charset="0"/>
+              </a:rPr>
+              <a:t>p</a:t>
+            </a:r>
+            <a:r>
+              <a:rPr lang="de-DE" sz="1200" u="sng">
+                <a:latin typeface="Consolas" panose="020B0609020204030204" pitchFamily="49" charset="0"/>
+                <a:cs typeface="Consolas" panose="020B0609020204030204" pitchFamily="49" charset="0"/>
+              </a:rPr>
+              <a:t>3</a:t>
+            </a:r>
+            <a:r>
+              <a:rPr lang="de-DE" sz="1200" u="sng" smtClean="0">
+                <a:latin typeface="Consolas" panose="020B0609020204030204" pitchFamily="49" charset="0"/>
+                <a:cs typeface="Consolas" panose="020B0609020204030204" pitchFamily="49" charset="0"/>
+              </a:rPr>
+              <a:t> : Male</a:t>
+            </a:r>
+          </a:p>
+        </p:txBody>
+      </p:sp>
+      <p:sp>
+        <p:nvSpPr>
+          <p:cNvPr id="40" name="Textfeld 39"/>
+          <p:cNvSpPr txBox="1"/>
+          <p:nvPr/>
+        </p:nvSpPr>
+        <p:spPr>
+          <a:xfrm>
+            <a:off x="7217464" y="2861794"/>
+            <a:ext cx="2207273" cy="461665"/>
+          </a:xfrm>
+          <a:prstGeom prst="rect">
+            <a:avLst/>
+          </a:prstGeom>
+          <a:solidFill>
+            <a:schemeClr val="bg1"/>
+          </a:solidFill>
+          <a:ln w="12700">
+            <a:solidFill>
+              <a:schemeClr val="tx1"/>
+            </a:solidFill>
+          </a:ln>
+        </p:spPr>
+        <p:txBody>
+          <a:bodyPr wrap="square" rtlCol="0" anchor="ctr">
+            <a:spAutoFit/>
+          </a:bodyPr>
+          <a:lstStyle/>
+          <a:p>
+            <a:r>
+              <a:rPr lang="de-DE" sz="1200" dirty="0" err="1" smtClean="0">
+                <a:latin typeface="Consolas" panose="020B0609020204030204" pitchFamily="49" charset="0"/>
+                <a:cs typeface="Consolas" panose="020B0609020204030204" pitchFamily="49" charset="0"/>
+              </a:rPr>
+              <a:t>name</a:t>
+            </a:r>
+            <a:r>
+              <a:rPr lang="de-DE" sz="1200" dirty="0" smtClean="0">
+                <a:latin typeface="Consolas" panose="020B0609020204030204" pitchFamily="49" charset="0"/>
+                <a:cs typeface="Consolas" panose="020B0609020204030204" pitchFamily="49" charset="0"/>
+              </a:rPr>
+              <a:t> = "Smith, Kevin</a:t>
+            </a:r>
+            <a:r>
+              <a:rPr lang="de-DE" sz="1200" dirty="0" smtClean="0">
+                <a:latin typeface="Consolas" panose="020B0609020204030204" pitchFamily="49" charset="0"/>
+                <a:cs typeface="Consolas" panose="020B0609020204030204" pitchFamily="49" charset="0"/>
+              </a:rPr>
+              <a:t>"</a:t>
+            </a:r>
+          </a:p>
+          <a:p>
+            <a:r>
+              <a:rPr lang="de-DE" sz="1200" dirty="0" err="1" smtClean="0">
+                <a:latin typeface="Consolas" panose="020B0609020204030204" pitchFamily="49" charset="0"/>
+                <a:cs typeface="Consolas" panose="020B0609020204030204" pitchFamily="49" charset="0"/>
+              </a:rPr>
+              <a:t>birthday</a:t>
+            </a:r>
+            <a:r>
+              <a:rPr lang="de-DE" sz="1200" dirty="0" smtClean="0">
+                <a:latin typeface="Consolas" panose="020B0609020204030204" pitchFamily="49" charset="0"/>
+                <a:cs typeface="Consolas" panose="020B0609020204030204" pitchFamily="49" charset="0"/>
+              </a:rPr>
+              <a:t> = "2007-06-13"</a:t>
+            </a:r>
+            <a:endParaRPr lang="de-DE" sz="1200" dirty="0" smtClean="0">
+              <a:latin typeface="Consolas" panose="020B0609020204030204" pitchFamily="49" charset="0"/>
+              <a:cs typeface="Consolas" panose="020B0609020204030204" pitchFamily="49" charset="0"/>
+            </a:endParaRPr>
+          </a:p>
+        </p:txBody>
+      </p:sp>
+      <p:sp>
+        <p:nvSpPr>
           <p:cNvPr id="80" name="Textfeld 79"/>
           <p:cNvSpPr txBox="1"/>
           <p:nvPr/>
         </p:nvSpPr>
         <p:spPr>
           <a:xfrm>
-            <a:off x="9294049" y="2626840"/>
+            <a:off x="9430406" y="2440013"/>
             <a:ext cx="779381" cy="276999"/>
           </a:xfrm>
           <a:prstGeom prst="rect">
@@ -6110,102 +5992,595 @@
           </a:p>
         </p:txBody>
       </p:sp>
-      <p:sp>
-        <p:nvSpPr>
-          <p:cNvPr id="81" name="Textfeld 80"/>
-          <p:cNvSpPr txBox="1"/>
+      <p:grpSp>
+        <p:nvGrpSpPr>
+          <p:cNvPr id="92" name="Gruppieren 91"/>
+          <p:cNvGrpSpPr/>
           <p:nvPr/>
-        </p:nvSpPr>
-        <p:spPr>
+        </p:nvGrpSpPr>
+        <p:grpSpPr>
           <a:xfrm>
-            <a:off x="9294049" y="3326933"/>
-            <a:ext cx="779381" cy="276999"/>
+            <a:off x="7217464" y="3393061"/>
+            <a:ext cx="2992323" cy="879430"/>
+            <a:chOff x="7217464" y="3607668"/>
+            <a:chExt cx="2992323" cy="879430"/>
           </a:xfrm>
-          <a:prstGeom prst="rect">
-            <a:avLst/>
-          </a:prstGeom>
-          <a:noFill/>
-        </p:spPr>
-        <p:txBody>
-          <a:bodyPr wrap="none" rtlCol="0">
-            <a:spAutoFit/>
-          </a:bodyPr>
-          <a:lstStyle/>
-          <a:p>
-            <a:r>
-              <a:rPr lang="en-US" sz="1200" smtClean="0">
-                <a:latin typeface="Consolas" panose="020B0609020204030204" pitchFamily="49" charset="0"/>
-                <a:cs typeface="Consolas" panose="020B0609020204030204" pitchFamily="49" charset="0"/>
-              </a:rPr>
-              <a:t>persons</a:t>
-            </a:r>
-          </a:p>
-        </p:txBody>
-      </p:sp>
-      <p:sp>
-        <p:nvSpPr>
-          <p:cNvPr id="82" name="Textfeld 81"/>
-          <p:cNvSpPr txBox="1"/>
+        </p:grpSpPr>
+        <p:grpSp>
+          <p:nvGrpSpPr>
+            <p:cNvPr id="91" name="Gruppieren 90"/>
+            <p:cNvGrpSpPr/>
+            <p:nvPr/>
+          </p:nvGrpSpPr>
+          <p:grpSpPr>
+            <a:xfrm>
+              <a:off x="7217464" y="3752428"/>
+              <a:ext cx="2207273" cy="734670"/>
+              <a:chOff x="7217464" y="2781887"/>
+              <a:chExt cx="2207273" cy="734670"/>
+            </a:xfrm>
+          </p:grpSpPr>
+          <p:sp>
+            <p:nvSpPr>
+              <p:cNvPr id="42" name="Textfeld 41"/>
+              <p:cNvSpPr txBox="1"/>
+              <p:nvPr/>
+            </p:nvSpPr>
+            <p:spPr>
+              <a:xfrm>
+                <a:off x="7217464" y="2781887"/>
+                <a:ext cx="2207273" cy="276999"/>
+              </a:xfrm>
+              <a:prstGeom prst="rect">
+                <a:avLst/>
+              </a:prstGeom>
+              <a:solidFill>
+                <a:schemeClr val="bg1"/>
+              </a:solidFill>
+              <a:ln w="12700">
+                <a:solidFill>
+                  <a:schemeClr val="tx1"/>
+                </a:solidFill>
+              </a:ln>
+            </p:spPr>
+            <p:txBody>
+              <a:bodyPr wrap="square" rtlCol="0" anchor="ctr">
+                <a:spAutoFit/>
+              </a:bodyPr>
+              <a:lstStyle/>
+              <a:p>
+                <a:pPr algn="ctr"/>
+                <a:r>
+                  <a:rPr lang="de-DE" sz="1200" u="sng" smtClean="0">
+                    <a:latin typeface="Consolas" panose="020B0609020204030204" pitchFamily="49" charset="0"/>
+                    <a:cs typeface="Consolas" panose="020B0609020204030204" pitchFamily="49" charset="0"/>
+                  </a:rPr>
+                  <a:t>p</a:t>
+                </a:r>
+                <a:r>
+                  <a:rPr lang="de-DE" sz="1200" u="sng">
+                    <a:latin typeface="Consolas" panose="020B0609020204030204" pitchFamily="49" charset="0"/>
+                    <a:cs typeface="Consolas" panose="020B0609020204030204" pitchFamily="49" charset="0"/>
+                  </a:rPr>
+                  <a:t>4</a:t>
+                </a:r>
+                <a:r>
+                  <a:rPr lang="de-DE" sz="1200" u="sng" smtClean="0">
+                    <a:latin typeface="Consolas" panose="020B0609020204030204" pitchFamily="49" charset="0"/>
+                    <a:cs typeface="Consolas" panose="020B0609020204030204" pitchFamily="49" charset="0"/>
+                  </a:rPr>
+                  <a:t> : </a:t>
+                </a:r>
+                <a:r>
+                  <a:rPr lang="de-DE" sz="1200" u="sng" err="1" smtClean="0">
+                    <a:latin typeface="Consolas" panose="020B0609020204030204" pitchFamily="49" charset="0"/>
+                    <a:cs typeface="Consolas" panose="020B0609020204030204" pitchFamily="49" charset="0"/>
+                  </a:rPr>
+                  <a:t>Female</a:t>
+                </a:r>
+                <a:endParaRPr lang="de-DE" sz="1200" u="sng" smtClean="0">
+                  <a:latin typeface="Consolas" panose="020B0609020204030204" pitchFamily="49" charset="0"/>
+                  <a:cs typeface="Consolas" panose="020B0609020204030204" pitchFamily="49" charset="0"/>
+                </a:endParaRPr>
+              </a:p>
+            </p:txBody>
+          </p:sp>
+          <p:sp>
+            <p:nvSpPr>
+              <p:cNvPr id="43" name="Textfeld 42"/>
+              <p:cNvSpPr txBox="1"/>
+              <p:nvPr/>
+            </p:nvSpPr>
+            <p:spPr>
+              <a:xfrm>
+                <a:off x="7217464" y="3054892"/>
+                <a:ext cx="2207273" cy="461665"/>
+              </a:xfrm>
+              <a:prstGeom prst="rect">
+                <a:avLst/>
+              </a:prstGeom>
+              <a:solidFill>
+                <a:schemeClr val="bg1"/>
+              </a:solidFill>
+              <a:ln w="12700">
+                <a:solidFill>
+                  <a:schemeClr val="tx1"/>
+                </a:solidFill>
+              </a:ln>
+            </p:spPr>
+            <p:txBody>
+              <a:bodyPr wrap="square" rtlCol="0" anchor="ctr">
+                <a:spAutoFit/>
+              </a:bodyPr>
+              <a:lstStyle/>
+              <a:p>
+                <a:r>
+                  <a:rPr lang="de-DE" sz="1200" dirty="0" err="1" smtClean="0">
+                    <a:latin typeface="Consolas" panose="020B0609020204030204" pitchFamily="49" charset="0"/>
+                    <a:cs typeface="Consolas" panose="020B0609020204030204" pitchFamily="49" charset="0"/>
+                  </a:rPr>
+                  <a:t>name</a:t>
+                </a:r>
+                <a:r>
+                  <a:rPr lang="de-DE" sz="1200" dirty="0" smtClean="0">
+                    <a:latin typeface="Consolas" panose="020B0609020204030204" pitchFamily="49" charset="0"/>
+                    <a:cs typeface="Consolas" panose="020B0609020204030204" pitchFamily="49" charset="0"/>
+                  </a:rPr>
+                  <a:t> = "Smith, Katie</a:t>
+                </a:r>
+                <a:r>
+                  <a:rPr lang="de-DE" sz="1200" dirty="0" smtClean="0">
+                    <a:latin typeface="Consolas" panose="020B0609020204030204" pitchFamily="49" charset="0"/>
+                    <a:cs typeface="Consolas" panose="020B0609020204030204" pitchFamily="49" charset="0"/>
+                  </a:rPr>
+                  <a:t>"</a:t>
+                </a:r>
+              </a:p>
+              <a:p>
+                <a:r>
+                  <a:rPr lang="de-DE" sz="1200" dirty="0" err="1" smtClean="0">
+                    <a:latin typeface="Consolas" panose="020B0609020204030204" pitchFamily="49" charset="0"/>
+                    <a:cs typeface="Consolas" panose="020B0609020204030204" pitchFamily="49" charset="0"/>
+                  </a:rPr>
+                  <a:t>birthday</a:t>
+                </a:r>
+                <a:r>
+                  <a:rPr lang="de-DE" sz="1200" dirty="0" smtClean="0">
+                    <a:latin typeface="Consolas" panose="020B0609020204030204" pitchFamily="49" charset="0"/>
+                    <a:cs typeface="Consolas" panose="020B0609020204030204" pitchFamily="49" charset="0"/>
+                  </a:rPr>
+                  <a:t> = "2005-12-12"</a:t>
+                </a:r>
+                <a:endParaRPr lang="de-DE" sz="1200" dirty="0" smtClean="0">
+                  <a:latin typeface="Consolas" panose="020B0609020204030204" pitchFamily="49" charset="0"/>
+                  <a:cs typeface="Consolas" panose="020B0609020204030204" pitchFamily="49" charset="0"/>
+                </a:endParaRPr>
+              </a:p>
+            </p:txBody>
+          </p:sp>
+        </p:grpSp>
+        <p:sp>
+          <p:nvSpPr>
+            <p:cNvPr id="81" name="Textfeld 80"/>
+            <p:cNvSpPr txBox="1"/>
+            <p:nvPr/>
+          </p:nvSpPr>
+          <p:spPr>
+            <a:xfrm>
+              <a:off x="9430406" y="3607668"/>
+              <a:ext cx="779381" cy="276999"/>
+            </a:xfrm>
+            <a:prstGeom prst="rect">
+              <a:avLst/>
+            </a:prstGeom>
+            <a:noFill/>
+          </p:spPr>
+          <p:txBody>
+            <a:bodyPr wrap="none" rtlCol="0">
+              <a:spAutoFit/>
+            </a:bodyPr>
+            <a:lstStyle/>
+            <a:p>
+              <a:r>
+                <a:rPr lang="en-US" sz="1200" smtClean="0">
+                  <a:latin typeface="Consolas" panose="020B0609020204030204" pitchFamily="49" charset="0"/>
+                  <a:cs typeface="Consolas" panose="020B0609020204030204" pitchFamily="49" charset="0"/>
+                </a:rPr>
+                <a:t>persons</a:t>
+              </a:r>
+            </a:p>
+          </p:txBody>
+        </p:sp>
+      </p:grpSp>
+      <p:grpSp>
+        <p:nvGrpSpPr>
+          <p:cNvPr id="93" name="Gruppieren 92"/>
+          <p:cNvGrpSpPr/>
           <p:nvPr/>
-        </p:nvSpPr>
-        <p:spPr>
+        </p:nvGrpSpPr>
+        <p:grpSpPr>
           <a:xfrm>
-            <a:off x="9294049" y="4015631"/>
-            <a:ext cx="779381" cy="276999"/>
+            <a:off x="7217464" y="4334072"/>
+            <a:ext cx="2992323" cy="886809"/>
+            <a:chOff x="7217464" y="4617206"/>
+            <a:chExt cx="2992323" cy="886809"/>
           </a:xfrm>
-          <a:prstGeom prst="rect">
-            <a:avLst/>
-          </a:prstGeom>
-          <a:noFill/>
-        </p:spPr>
-        <p:txBody>
-          <a:bodyPr wrap="none" rtlCol="0">
-            <a:spAutoFit/>
-          </a:bodyPr>
-          <a:lstStyle/>
-          <a:p>
-            <a:r>
-              <a:rPr lang="en-US" sz="1200" smtClean="0">
-                <a:latin typeface="Consolas" panose="020B0609020204030204" pitchFamily="49" charset="0"/>
-                <a:cs typeface="Consolas" panose="020B0609020204030204" pitchFamily="49" charset="0"/>
-              </a:rPr>
-              <a:t>persons</a:t>
-            </a:r>
-          </a:p>
-        </p:txBody>
-      </p:sp>
-      <p:sp>
-        <p:nvSpPr>
-          <p:cNvPr id="83" name="Textfeld 82"/>
-          <p:cNvSpPr txBox="1"/>
+        </p:grpSpPr>
+        <p:grpSp>
+          <p:nvGrpSpPr>
+            <p:cNvPr id="90" name="Gruppieren 89"/>
+            <p:cNvGrpSpPr/>
+            <p:nvPr/>
+          </p:nvGrpSpPr>
+          <p:grpSpPr>
+            <a:xfrm>
+              <a:off x="7217464" y="4769345"/>
+              <a:ext cx="2207273" cy="734670"/>
+              <a:chOff x="7217464" y="3477964"/>
+              <a:chExt cx="2207273" cy="734670"/>
+            </a:xfrm>
+          </p:grpSpPr>
+          <p:sp>
+            <p:nvSpPr>
+              <p:cNvPr id="45" name="Textfeld 44"/>
+              <p:cNvSpPr txBox="1"/>
+              <p:nvPr/>
+            </p:nvSpPr>
+            <p:spPr>
+              <a:xfrm>
+                <a:off x="7217464" y="3477964"/>
+                <a:ext cx="2207273" cy="276999"/>
+              </a:xfrm>
+              <a:prstGeom prst="rect">
+                <a:avLst/>
+              </a:prstGeom>
+              <a:solidFill>
+                <a:schemeClr val="bg1"/>
+              </a:solidFill>
+              <a:ln w="12700">
+                <a:solidFill>
+                  <a:schemeClr val="tx1"/>
+                </a:solidFill>
+              </a:ln>
+            </p:spPr>
+            <p:txBody>
+              <a:bodyPr wrap="square" rtlCol="0" anchor="ctr">
+                <a:spAutoFit/>
+              </a:bodyPr>
+              <a:lstStyle/>
+              <a:p>
+                <a:pPr algn="ctr"/>
+                <a:r>
+                  <a:rPr lang="de-DE" sz="1200" u="sng" smtClean="0">
+                    <a:latin typeface="Consolas" panose="020B0609020204030204" pitchFamily="49" charset="0"/>
+                    <a:cs typeface="Consolas" panose="020B0609020204030204" pitchFamily="49" charset="0"/>
+                  </a:rPr>
+                  <a:t>p</a:t>
+                </a:r>
+                <a:r>
+                  <a:rPr lang="de-DE" sz="1200" u="sng">
+                    <a:latin typeface="Consolas" panose="020B0609020204030204" pitchFamily="49" charset="0"/>
+                    <a:cs typeface="Consolas" panose="020B0609020204030204" pitchFamily="49" charset="0"/>
+                  </a:rPr>
+                  <a:t>5</a:t>
+                </a:r>
+                <a:r>
+                  <a:rPr lang="de-DE" sz="1200" u="sng" smtClean="0">
+                    <a:latin typeface="Consolas" panose="020B0609020204030204" pitchFamily="49" charset="0"/>
+                    <a:cs typeface="Consolas" panose="020B0609020204030204" pitchFamily="49" charset="0"/>
+                  </a:rPr>
+                  <a:t> : Male</a:t>
+                </a:r>
+              </a:p>
+            </p:txBody>
+          </p:sp>
+          <p:sp>
+            <p:nvSpPr>
+              <p:cNvPr id="46" name="Textfeld 45"/>
+              <p:cNvSpPr txBox="1"/>
+              <p:nvPr/>
+            </p:nvSpPr>
+            <p:spPr>
+              <a:xfrm>
+                <a:off x="7217464" y="3750969"/>
+                <a:ext cx="2207273" cy="461665"/>
+              </a:xfrm>
+              <a:prstGeom prst="rect">
+                <a:avLst/>
+              </a:prstGeom>
+              <a:solidFill>
+                <a:schemeClr val="bg1"/>
+              </a:solidFill>
+              <a:ln w="12700">
+                <a:solidFill>
+                  <a:schemeClr val="tx1"/>
+                </a:solidFill>
+              </a:ln>
+            </p:spPr>
+            <p:txBody>
+              <a:bodyPr wrap="square" rtlCol="0" anchor="ctr">
+                <a:spAutoFit/>
+              </a:bodyPr>
+              <a:lstStyle/>
+              <a:p>
+                <a:r>
+                  <a:rPr lang="de-DE" sz="1200" dirty="0" err="1" smtClean="0">
+                    <a:latin typeface="Consolas" panose="020B0609020204030204" pitchFamily="49" charset="0"/>
+                    <a:cs typeface="Consolas" panose="020B0609020204030204" pitchFamily="49" charset="0"/>
+                  </a:rPr>
+                  <a:t>name</a:t>
+                </a:r>
+                <a:r>
+                  <a:rPr lang="de-DE" sz="1200" dirty="0" smtClean="0">
+                    <a:latin typeface="Consolas" panose="020B0609020204030204" pitchFamily="49" charset="0"/>
+                    <a:cs typeface="Consolas" panose="020B0609020204030204" pitchFamily="49" charset="0"/>
+                  </a:rPr>
+                  <a:t> = "Smith, John</a:t>
+                </a:r>
+                <a:r>
+                  <a:rPr lang="de-DE" sz="1200" dirty="0" smtClean="0">
+                    <a:latin typeface="Consolas" panose="020B0609020204030204" pitchFamily="49" charset="0"/>
+                    <a:cs typeface="Consolas" panose="020B0609020204030204" pitchFamily="49" charset="0"/>
+                  </a:rPr>
+                  <a:t>"</a:t>
+                </a:r>
+              </a:p>
+              <a:p>
+                <a:r>
+                  <a:rPr lang="de-DE" sz="1200" dirty="0" err="1" smtClean="0">
+                    <a:latin typeface="Consolas" panose="020B0609020204030204" pitchFamily="49" charset="0"/>
+                    <a:cs typeface="Consolas" panose="020B0609020204030204" pitchFamily="49" charset="0"/>
+                  </a:rPr>
+                  <a:t>birthday</a:t>
+                </a:r>
+                <a:r>
+                  <a:rPr lang="de-DE" sz="1200" dirty="0" smtClean="0">
+                    <a:latin typeface="Consolas" panose="020B0609020204030204" pitchFamily="49" charset="0"/>
+                    <a:cs typeface="Consolas" panose="020B0609020204030204" pitchFamily="49" charset="0"/>
+                  </a:rPr>
+                  <a:t> = "1968-05-07"</a:t>
+                </a:r>
+                <a:endParaRPr lang="de-DE" sz="1200" dirty="0" smtClean="0">
+                  <a:latin typeface="Consolas" panose="020B0609020204030204" pitchFamily="49" charset="0"/>
+                  <a:cs typeface="Consolas" panose="020B0609020204030204" pitchFamily="49" charset="0"/>
+                </a:endParaRPr>
+              </a:p>
+            </p:txBody>
+          </p:sp>
+        </p:grpSp>
+        <p:sp>
+          <p:nvSpPr>
+            <p:cNvPr id="82" name="Textfeld 81"/>
+            <p:cNvSpPr txBox="1"/>
+            <p:nvPr/>
+          </p:nvSpPr>
+          <p:spPr>
+            <a:xfrm>
+              <a:off x="9430406" y="4617206"/>
+              <a:ext cx="779381" cy="276999"/>
+            </a:xfrm>
+            <a:prstGeom prst="rect">
+              <a:avLst/>
+            </a:prstGeom>
+            <a:noFill/>
+          </p:spPr>
+          <p:txBody>
+            <a:bodyPr wrap="none" rtlCol="0">
+              <a:spAutoFit/>
+            </a:bodyPr>
+            <a:lstStyle/>
+            <a:p>
+              <a:r>
+                <a:rPr lang="en-US" sz="1200" smtClean="0">
+                  <a:latin typeface="Consolas" panose="020B0609020204030204" pitchFamily="49" charset="0"/>
+                  <a:cs typeface="Consolas" panose="020B0609020204030204" pitchFamily="49" charset="0"/>
+                </a:rPr>
+                <a:t>persons</a:t>
+              </a:r>
+            </a:p>
+          </p:txBody>
+        </p:sp>
+      </p:grpSp>
+      <p:grpSp>
+        <p:nvGrpSpPr>
+          <p:cNvPr id="94" name="Gruppieren 93"/>
+          <p:cNvGrpSpPr/>
           <p:nvPr/>
-        </p:nvSpPr>
-        <p:spPr>
+        </p:nvGrpSpPr>
+        <p:grpSpPr>
           <a:xfrm>
-            <a:off x="9294049" y="4712970"/>
-            <a:ext cx="779381" cy="276999"/>
+            <a:off x="7217464" y="5282463"/>
+            <a:ext cx="2992323" cy="893569"/>
+            <a:chOff x="7217464" y="5531114"/>
+            <a:chExt cx="2992323" cy="893569"/>
           </a:xfrm>
-          <a:prstGeom prst="rect">
-            <a:avLst/>
-          </a:prstGeom>
-          <a:noFill/>
-        </p:spPr>
-        <p:txBody>
-          <a:bodyPr wrap="none" rtlCol="0">
-            <a:spAutoFit/>
-          </a:bodyPr>
-          <a:lstStyle/>
-          <a:p>
-            <a:r>
-              <a:rPr lang="en-US" sz="1200" smtClean="0">
-                <a:latin typeface="Consolas" panose="020B0609020204030204" pitchFamily="49" charset="0"/>
-                <a:cs typeface="Consolas" panose="020B0609020204030204" pitchFamily="49" charset="0"/>
-              </a:rPr>
-              <a:t>persons</a:t>
-            </a:r>
-          </a:p>
-        </p:txBody>
-      </p:sp>
+        </p:grpSpPr>
+        <p:grpSp>
+          <p:nvGrpSpPr>
+            <p:cNvPr id="89" name="Gruppieren 88"/>
+            <p:cNvGrpSpPr/>
+            <p:nvPr/>
+          </p:nvGrpSpPr>
+          <p:grpSpPr>
+            <a:xfrm>
+              <a:off x="7217464" y="5681992"/>
+              <a:ext cx="2207273" cy="742691"/>
+              <a:chOff x="7217464" y="4174043"/>
+              <a:chExt cx="2207273" cy="742691"/>
+            </a:xfrm>
+          </p:grpSpPr>
+          <p:sp>
+            <p:nvSpPr>
+              <p:cNvPr id="48" name="Textfeld 47"/>
+              <p:cNvSpPr txBox="1"/>
+              <p:nvPr/>
+            </p:nvSpPr>
+            <p:spPr>
+              <a:xfrm>
+                <a:off x="7217464" y="4174043"/>
+                <a:ext cx="2207273" cy="276999"/>
+              </a:xfrm>
+              <a:prstGeom prst="rect">
+                <a:avLst/>
+              </a:prstGeom>
+              <a:solidFill>
+                <a:schemeClr val="bg1"/>
+              </a:solidFill>
+              <a:ln w="12700">
+                <a:solidFill>
+                  <a:schemeClr val="tx1"/>
+                </a:solidFill>
+              </a:ln>
+            </p:spPr>
+            <p:txBody>
+              <a:bodyPr wrap="square" rtlCol="0" anchor="ctr">
+                <a:spAutoFit/>
+              </a:bodyPr>
+              <a:lstStyle/>
+              <a:p>
+                <a:pPr algn="ctr"/>
+                <a:r>
+                  <a:rPr lang="de-DE" sz="1200" u="sng" smtClean="0">
+                    <a:latin typeface="Consolas" panose="020B0609020204030204" pitchFamily="49" charset="0"/>
+                    <a:cs typeface="Consolas" panose="020B0609020204030204" pitchFamily="49" charset="0"/>
+                  </a:rPr>
+                  <a:t>p</a:t>
+                </a:r>
+                <a:r>
+                  <a:rPr lang="de-DE" sz="1200" u="sng">
+                    <a:latin typeface="Consolas" panose="020B0609020204030204" pitchFamily="49" charset="0"/>
+                    <a:cs typeface="Consolas" panose="020B0609020204030204" pitchFamily="49" charset="0"/>
+                  </a:rPr>
+                  <a:t>6</a:t>
+                </a:r>
+                <a:r>
+                  <a:rPr lang="de-DE" sz="1200" u="sng" smtClean="0">
+                    <a:latin typeface="Consolas" panose="020B0609020204030204" pitchFamily="49" charset="0"/>
+                    <a:cs typeface="Consolas" panose="020B0609020204030204" pitchFamily="49" charset="0"/>
+                  </a:rPr>
+                  <a:t> : </a:t>
+                </a:r>
+                <a:r>
+                  <a:rPr lang="de-DE" sz="1200" u="sng" err="1" smtClean="0">
+                    <a:latin typeface="Consolas" panose="020B0609020204030204" pitchFamily="49" charset="0"/>
+                    <a:cs typeface="Consolas" panose="020B0609020204030204" pitchFamily="49" charset="0"/>
+                  </a:rPr>
+                  <a:t>Female</a:t>
+                </a:r>
+                <a:endParaRPr lang="de-DE" sz="1200" u="sng" smtClean="0">
+                  <a:latin typeface="Consolas" panose="020B0609020204030204" pitchFamily="49" charset="0"/>
+                  <a:cs typeface="Consolas" panose="020B0609020204030204" pitchFamily="49" charset="0"/>
+                </a:endParaRPr>
+              </a:p>
+            </p:txBody>
+          </p:sp>
+          <p:sp>
+            <p:nvSpPr>
+              <p:cNvPr id="49" name="Textfeld 48"/>
+              <p:cNvSpPr txBox="1"/>
+              <p:nvPr/>
+            </p:nvSpPr>
+            <p:spPr>
+              <a:xfrm>
+                <a:off x="7217464" y="4455069"/>
+                <a:ext cx="2207273" cy="461665"/>
+              </a:xfrm>
+              <a:prstGeom prst="rect">
+                <a:avLst/>
+              </a:prstGeom>
+              <a:solidFill>
+                <a:schemeClr val="bg1"/>
+              </a:solidFill>
+              <a:ln w="12700">
+                <a:solidFill>
+                  <a:schemeClr val="tx1"/>
+                </a:solidFill>
+              </a:ln>
+            </p:spPr>
+            <p:txBody>
+              <a:bodyPr wrap="square" rtlCol="0" anchor="ctr">
+                <a:spAutoFit/>
+              </a:bodyPr>
+              <a:lstStyle/>
+              <a:p>
+                <a:r>
+                  <a:rPr lang="de-DE" sz="1200" dirty="0" err="1" smtClean="0">
+                    <a:latin typeface="Consolas" panose="020B0609020204030204" pitchFamily="49" charset="0"/>
+                    <a:cs typeface="Consolas" panose="020B0609020204030204" pitchFamily="49" charset="0"/>
+                  </a:rPr>
+                  <a:t>name</a:t>
+                </a:r>
+                <a:r>
+                  <a:rPr lang="de-DE" sz="1200" dirty="0" smtClean="0">
+                    <a:latin typeface="Consolas" panose="020B0609020204030204" pitchFamily="49" charset="0"/>
+                    <a:cs typeface="Consolas" panose="020B0609020204030204" pitchFamily="49" charset="0"/>
+                  </a:rPr>
+                  <a:t> = "Smith, </a:t>
+                </a:r>
+                <a:r>
+                  <a:rPr lang="de-DE" sz="1200" dirty="0" smtClean="0">
+                    <a:latin typeface="Consolas" panose="020B0609020204030204" pitchFamily="49" charset="0"/>
+                    <a:cs typeface="Consolas" panose="020B0609020204030204" pitchFamily="49" charset="0"/>
+                  </a:rPr>
+                  <a:t>Claire"</a:t>
+                </a:r>
+              </a:p>
+              <a:p>
+                <a:r>
+                  <a:rPr lang="de-DE" sz="1200" dirty="0" err="1" smtClean="0">
+                    <a:latin typeface="Consolas" panose="020B0609020204030204" pitchFamily="49" charset="0"/>
+                    <a:cs typeface="Consolas" panose="020B0609020204030204" pitchFamily="49" charset="0"/>
+                  </a:rPr>
+                  <a:t>birthday</a:t>
+                </a:r>
+                <a:r>
+                  <a:rPr lang="de-DE" sz="1200" dirty="0" smtClean="0">
+                    <a:latin typeface="Consolas" panose="020B0609020204030204" pitchFamily="49" charset="0"/>
+                    <a:cs typeface="Consolas" panose="020B0609020204030204" pitchFamily="49" charset="0"/>
+                  </a:rPr>
+                  <a:t> = "1970-04-03"</a:t>
+                </a:r>
+                <a:endParaRPr lang="de-DE" sz="1200" dirty="0" smtClean="0">
+                  <a:latin typeface="Consolas" panose="020B0609020204030204" pitchFamily="49" charset="0"/>
+                  <a:cs typeface="Consolas" panose="020B0609020204030204" pitchFamily="49" charset="0"/>
+                </a:endParaRPr>
+              </a:p>
+            </p:txBody>
+          </p:sp>
+        </p:grpSp>
+        <p:sp>
+          <p:nvSpPr>
+            <p:cNvPr id="83" name="Textfeld 82"/>
+            <p:cNvSpPr txBox="1"/>
+            <p:nvPr/>
+          </p:nvSpPr>
+          <p:spPr>
+            <a:xfrm>
+              <a:off x="9430406" y="5531114"/>
+              <a:ext cx="779381" cy="276999"/>
+            </a:xfrm>
+            <a:prstGeom prst="rect">
+              <a:avLst/>
+            </a:prstGeom>
+            <a:noFill/>
+          </p:spPr>
+          <p:txBody>
+            <a:bodyPr wrap="none" rtlCol="0">
+              <a:spAutoFit/>
+            </a:bodyPr>
+            <a:lstStyle/>
+            <a:p>
+              <a:r>
+                <a:rPr lang="en-US" sz="1200" dirty="0" smtClean="0">
+                  <a:latin typeface="Consolas" panose="020B0609020204030204" pitchFamily="49" charset="0"/>
+                  <a:cs typeface="Consolas" panose="020B0609020204030204" pitchFamily="49" charset="0"/>
+                </a:rPr>
+                <a:t>persons</a:t>
+              </a:r>
+            </a:p>
+          </p:txBody>
+        </p:sp>
+      </p:grpSp>
       <p:cxnSp>
         <p:nvCxnSpPr>
           <p:cNvPr id="85" name="Gerader Verbinder 84"/>
@@ -6214,8 +6589,8 @@
         </p:nvCxnSpPr>
         <p:spPr>
           <a:xfrm>
-            <a:off x="7001440" y="964492"/>
-            <a:ext cx="0" cy="4453463"/>
+            <a:off x="7001440" y="274686"/>
+            <a:ext cx="0" cy="5957672"/>
           </a:xfrm>
           <a:prstGeom prst="line">
             <a:avLst/>
